--- a/Leçon chimie/LC 2/LC2_Polymères.pptx
+++ b/Leçon chimie/LC 2/LC2_Polymères.pptx
@@ -5,10 +5,10 @@
     <p:sldMasterId id="2147483648" r:id="rId1"/>
   </p:sldMasterIdLst>
   <p:notesMasterIdLst>
-    <p:notesMasterId r:id="rId14"/>
+    <p:notesMasterId r:id="rId15"/>
   </p:notesMasterIdLst>
   <p:handoutMasterIdLst>
-    <p:handoutMasterId r:id="rId15"/>
+    <p:handoutMasterId r:id="rId16"/>
   </p:handoutMasterIdLst>
   <p:sldIdLst>
     <p:sldId id="256" r:id="rId2"/>
@@ -16,13 +16,14 @@
     <p:sldId id="258" r:id="rId4"/>
     <p:sldId id="266" r:id="rId5"/>
     <p:sldId id="259" r:id="rId6"/>
-    <p:sldId id="260" r:id="rId7"/>
-    <p:sldId id="261" r:id="rId8"/>
-    <p:sldId id="262" r:id="rId9"/>
-    <p:sldId id="263" r:id="rId10"/>
-    <p:sldId id="264" r:id="rId11"/>
-    <p:sldId id="265" r:id="rId12"/>
-    <p:sldId id="269" r:id="rId13"/>
+    <p:sldId id="270" r:id="rId7"/>
+    <p:sldId id="260" r:id="rId8"/>
+    <p:sldId id="261" r:id="rId9"/>
+    <p:sldId id="262" r:id="rId10"/>
+    <p:sldId id="263" r:id="rId11"/>
+    <p:sldId id="264" r:id="rId12"/>
+    <p:sldId id="265" r:id="rId13"/>
+    <p:sldId id="269" r:id="rId14"/>
   </p:sldIdLst>
   <p:sldSz cx="9144000" cy="6858000" type="screen4x3"/>
   <p:notesSz cx="6858000" cy="9144000"/>
@@ -206,7 +207,7 @@
           <a:p>
             <a:fld id="{C61ED795-47FB-9B43-92BC-A5E281E24FA1}" type="datetimeFigureOut">
               <a:rPr lang="fr-FR" smtClean="0"/>
-              <a:t>29/04/20</a:t>
+              <a:t>19/06/20</a:t>
             </a:fld>
             <a:endParaRPr lang="fr-FR"/>
           </a:p>
@@ -372,7 +373,7 @@
           <a:p>
             <a:fld id="{38E2F6FA-BF46-A54A-838F-091B284A2C33}" type="datetimeFigureOut">
               <a:rPr lang="fr-FR" smtClean="0"/>
-              <a:t>29/04/20</a:t>
+              <a:t>19/06/20</a:t>
             </a:fld>
             <a:endParaRPr lang="fr-FR"/>
           </a:p>
@@ -822,7 +823,7 @@
           <a:p>
             <a:fld id="{AD211D6D-C1B6-6242-8A66-3335B84D0A30}" type="datetime1">
               <a:rPr lang="fr-FR" smtClean="0"/>
-              <a:t>29/04/20</a:t>
+              <a:t>19/06/20</a:t>
             </a:fld>
             <a:endParaRPr lang="fr-FR"/>
           </a:p>
@@ -988,7 +989,7 @@
           <a:p>
             <a:fld id="{B46A8D8A-6009-3746-B399-85CBCE1540E1}" type="datetime1">
               <a:rPr lang="fr-FR" smtClean="0"/>
-              <a:t>29/04/20</a:t>
+              <a:t>19/06/20</a:t>
             </a:fld>
             <a:endParaRPr lang="fr-FR"/>
           </a:p>
@@ -1164,7 +1165,7 @@
           <a:p>
             <a:fld id="{F3BED549-E6AC-FA4E-8B25-06D6F7667084}" type="datetime1">
               <a:rPr lang="fr-FR" smtClean="0"/>
-              <a:t>29/04/20</a:t>
+              <a:t>19/06/20</a:t>
             </a:fld>
             <a:endParaRPr lang="fr-FR"/>
           </a:p>
@@ -1330,7 +1331,7 @@
           <a:p>
             <a:fld id="{3491219F-BA67-8B43-8DA4-1AA3F5BFB692}" type="datetime1">
               <a:rPr lang="fr-FR" smtClean="0"/>
-              <a:t>29/04/20</a:t>
+              <a:t>19/06/20</a:t>
             </a:fld>
             <a:endParaRPr lang="fr-FR"/>
           </a:p>
@@ -1572,7 +1573,7 @@
           <a:p>
             <a:fld id="{5C900275-5A16-A64D-B5A1-D60A4568BC39}" type="datetime1">
               <a:rPr lang="fr-FR" smtClean="0"/>
-              <a:t>29/04/20</a:t>
+              <a:t>19/06/20</a:t>
             </a:fld>
             <a:endParaRPr lang="fr-FR"/>
           </a:p>
@@ -1856,7 +1857,7 @@
           <a:p>
             <a:fld id="{3B3BE4CD-D472-A748-A5D8-2EE1D3FC31DC}" type="datetime1">
               <a:rPr lang="fr-FR" smtClean="0"/>
-              <a:t>29/04/20</a:t>
+              <a:t>19/06/20</a:t>
             </a:fld>
             <a:endParaRPr lang="fr-FR"/>
           </a:p>
@@ -2274,7 +2275,7 @@
           <a:p>
             <a:fld id="{646BEE1F-9670-8F4F-80AA-7B983C8DEAB4}" type="datetime1">
               <a:rPr lang="fr-FR" smtClean="0"/>
-              <a:t>29/04/20</a:t>
+              <a:t>19/06/20</a:t>
             </a:fld>
             <a:endParaRPr lang="fr-FR"/>
           </a:p>
@@ -2388,7 +2389,7 @@
           <a:p>
             <a:fld id="{72342B6A-0E56-7841-80B0-1CAADE0F29E9}" type="datetime1">
               <a:rPr lang="fr-FR" smtClean="0"/>
-              <a:t>29/04/20</a:t>
+              <a:t>19/06/20</a:t>
             </a:fld>
             <a:endParaRPr lang="fr-FR"/>
           </a:p>
@@ -2479,7 +2480,7 @@
           <a:p>
             <a:fld id="{3CC64CE4-E86F-9042-B850-140E65B69A76}" type="datetime1">
               <a:rPr lang="fr-FR" smtClean="0"/>
-              <a:t>29/04/20</a:t>
+              <a:t>19/06/20</a:t>
             </a:fld>
             <a:endParaRPr lang="fr-FR"/>
           </a:p>
@@ -2752,7 +2753,7 @@
           <a:p>
             <a:fld id="{85B1CFA1-A10F-AB45-9710-B3EEE2779ED0}" type="datetime1">
               <a:rPr lang="fr-FR" smtClean="0"/>
-              <a:t>29/04/20</a:t>
+              <a:t>19/06/20</a:t>
             </a:fld>
             <a:endParaRPr lang="fr-FR"/>
           </a:p>
@@ -3001,7 +3002,7 @@
           <a:p>
             <a:fld id="{20E77493-D258-074F-8822-6DB13CC25CE7}" type="datetime1">
               <a:rPr lang="fr-FR" smtClean="0"/>
-              <a:t>29/04/20</a:t>
+              <a:t>19/06/20</a:t>
             </a:fld>
             <a:endParaRPr lang="fr-FR"/>
           </a:p>
@@ -3210,7 +3211,7 @@
           <a:p>
             <a:fld id="{BC5149B6-CCB5-BE44-B5EF-0D7632D5F19D}" type="datetime1">
               <a:rPr lang="fr-FR" smtClean="0"/>
-              <a:t>29/04/20</a:t>
+              <a:t>19/06/20</a:t>
             </a:fld>
             <a:endParaRPr lang="fr-FR"/>
           </a:p>
@@ -3730,10 +3731,365 @@
       </p:grpSpPr>
       <p:pic>
         <p:nvPicPr>
+          <p:cNvPr id="2" name="Picture 2" descr="https://upload.wikimedia.org/wikipedia/commons/thumb/8/84/Galalith_Synthesis_SCHEMATIC_V1.png/800px-Galalith_Synthesis_SCHEMATIC_V1.png">
+            <a:extLst>
+              <a:ext uri="{FF2B5EF4-FFF2-40B4-BE49-F238E27FC236}">
+                <a16:creationId xmlns:a16="http://schemas.microsoft.com/office/drawing/2014/main" xmlns="" id="{1548CD0D-EFB9-47D6-84F8-2F0CC7DBFFA8}"/>
+              </a:ext>
+            </a:extLst>
+          </p:cNvPr>
+          <p:cNvPicPr>
+            <a:picLocks noChangeAspect="1" noChangeArrowheads="1"/>
+          </p:cNvPicPr>
+          <p:nvPr/>
+        </p:nvPicPr>
+        <p:blipFill rotWithShape="1">
+          <a:blip r:embed="rId2" cstate="print">
+            <a:extLst>
+              <a:ext uri="{28A0092B-C50C-407E-A947-70E740481C1C}">
+                <a14:useLocalDpi xmlns:a14="http://schemas.microsoft.com/office/drawing/2010/main" val="0"/>
+              </a:ext>
+            </a:extLst>
+          </a:blip>
+          <a:srcRect b="52917"/>
+          <a:stretch/>
+        </p:blipFill>
+        <p:spPr bwMode="auto">
+          <a:xfrm>
+            <a:off x="323528" y="2209799"/>
+            <a:ext cx="3314689" cy="2880000"/>
+          </a:xfrm>
+          <a:prstGeom prst="rect">
+            <a:avLst/>
+          </a:prstGeom>
+          <a:noFill/>
+          <a:extLst>
+            <a:ext uri="{909E8E84-426E-40dd-AFC4-6F175D3DCCD1}">
+              <a14:hiddenFill xmlns:a14="http://schemas.microsoft.com/office/drawing/2010/main">
+                <a:solidFill>
+                  <a:srgbClr val="FFFFFF"/>
+                </a:solidFill>
+              </a14:hiddenFill>
+            </a:ext>
+          </a:extLst>
+        </p:spPr>
+      </p:pic>
+      <p:pic>
+        <p:nvPicPr>
+          <p:cNvPr id="3" name="Picture 2" descr="https://upload.wikimedia.org/wikipedia/commons/thumb/8/84/Galalith_Synthesis_SCHEMATIC_V1.png/800px-Galalith_Synthesis_SCHEMATIC_V1.png">
+            <a:extLst>
+              <a:ext uri="{FF2B5EF4-FFF2-40B4-BE49-F238E27FC236}">
+                <a16:creationId xmlns:a16="http://schemas.microsoft.com/office/drawing/2014/main" xmlns="" id="{52E8D316-F2F4-4F80-B983-1A790164CD25}"/>
+              </a:ext>
+            </a:extLst>
+          </p:cNvPr>
+          <p:cNvPicPr>
+            <a:picLocks noChangeAspect="1" noChangeArrowheads="1"/>
+          </p:cNvPicPr>
+          <p:nvPr/>
+        </p:nvPicPr>
+        <p:blipFill rotWithShape="1">
+          <a:blip r:embed="rId2" cstate="print">
+            <a:extLst>
+              <a:ext uri="{28A0092B-C50C-407E-A947-70E740481C1C}">
+                <a14:useLocalDpi xmlns:a14="http://schemas.microsoft.com/office/drawing/2010/main" val="0"/>
+              </a:ext>
+            </a:extLst>
+          </a:blip>
+          <a:srcRect t="59722"/>
+          <a:stretch/>
+        </p:blipFill>
+        <p:spPr bwMode="auto">
+          <a:xfrm>
+            <a:off x="5436096" y="2407444"/>
+            <a:ext cx="3312000" cy="2461716"/>
+          </a:xfrm>
+          <a:prstGeom prst="rect">
+            <a:avLst/>
+          </a:prstGeom>
+          <a:noFill/>
+          <a:extLst>
+            <a:ext uri="{909E8E84-426E-40dd-AFC4-6F175D3DCCD1}">
+              <a14:hiddenFill xmlns:a14="http://schemas.microsoft.com/office/drawing/2010/main">
+                <a:solidFill>
+                  <a:srgbClr val="FFFFFF"/>
+                </a:solidFill>
+              </a14:hiddenFill>
+            </a:ext>
+          </a:extLst>
+        </p:spPr>
+      </p:pic>
+      <p:cxnSp>
+        <p:nvCxnSpPr>
+          <p:cNvPr id="4" name="Connecteur droit avec flèche 3">
+            <a:extLst>
+              <a:ext uri="{FF2B5EF4-FFF2-40B4-BE49-F238E27FC236}">
+                <a16:creationId xmlns:a16="http://schemas.microsoft.com/office/drawing/2014/main" xmlns="" id="{3DF0FBD4-45AA-4876-BB07-52029D3E4E4E}"/>
+              </a:ext>
+            </a:extLst>
+          </p:cNvPr>
+          <p:cNvCxnSpPr/>
+          <p:nvPr/>
+        </p:nvCxnSpPr>
+        <p:spPr>
+          <a:xfrm>
+            <a:off x="3779912" y="3752850"/>
+            <a:ext cx="1466850" cy="0"/>
+          </a:xfrm>
+          <a:prstGeom prst="straightConnector1">
+            <a:avLst/>
+          </a:prstGeom>
+          <a:ln w="28575">
+            <a:solidFill>
+              <a:schemeClr val="tx1"/>
+            </a:solidFill>
+            <a:tailEnd type="triangle" w="lg" len="lg"/>
+          </a:ln>
+        </p:spPr>
+        <p:style>
+          <a:lnRef idx="1">
+            <a:schemeClr val="accent1"/>
+          </a:lnRef>
+          <a:fillRef idx="0">
+            <a:schemeClr val="accent1"/>
+          </a:fillRef>
+          <a:effectRef idx="0">
+            <a:schemeClr val="accent1"/>
+          </a:effectRef>
+          <a:fontRef idx="minor">
+            <a:schemeClr val="tx1"/>
+          </a:fontRef>
+        </p:style>
+      </p:cxnSp>
+      <p:pic>
+        <p:nvPicPr>
+          <p:cNvPr id="5" name="Picture 2" descr="https://upload.wikimedia.org/wikipedia/commons/thumb/8/84/Galalith_Synthesis_SCHEMATIC_V1.png/800px-Galalith_Synthesis_SCHEMATIC_V1.png">
+            <a:extLst>
+              <a:ext uri="{FF2B5EF4-FFF2-40B4-BE49-F238E27FC236}">
+                <a16:creationId xmlns:a16="http://schemas.microsoft.com/office/drawing/2014/main" xmlns="" id="{45EC3AA1-9FCA-469D-86CE-94B3038B408D}"/>
+              </a:ext>
+            </a:extLst>
+          </p:cNvPr>
+          <p:cNvPicPr>
+            <a:picLocks noChangeAspect="1" noChangeArrowheads="1"/>
+          </p:cNvPicPr>
+          <p:nvPr/>
+        </p:nvPicPr>
+        <p:blipFill rotWithShape="1">
+          <a:blip r:embed="rId2" cstate="print">
+            <a:extLst>
+              <a:ext uri="{28A0092B-C50C-407E-A947-70E740481C1C}">
+                <a14:useLocalDpi xmlns:a14="http://schemas.microsoft.com/office/drawing/2010/main" val="0"/>
+              </a:ext>
+            </a:extLst>
+          </a:blip>
+          <a:srcRect l="50534" t="48750" r="29218" b="45972"/>
+          <a:stretch/>
+        </p:blipFill>
+        <p:spPr bwMode="auto">
+          <a:xfrm>
+            <a:off x="4081696" y="3324225"/>
+            <a:ext cx="752475" cy="361950"/>
+          </a:xfrm>
+          <a:prstGeom prst="rect">
+            <a:avLst/>
+          </a:prstGeom>
+          <a:noFill/>
+          <a:extLst>
+            <a:ext uri="{909E8E84-426E-40dd-AFC4-6F175D3DCCD1}">
+              <a14:hiddenFill xmlns:a14="http://schemas.microsoft.com/office/drawing/2010/main">
+                <a:solidFill>
+                  <a:srgbClr val="FFFFFF"/>
+                </a:solidFill>
+              </a14:hiddenFill>
+            </a:ext>
+          </a:extLst>
+        </p:spPr>
+      </p:pic>
+      <p:sp>
+        <p:nvSpPr>
+          <p:cNvPr id="6" name="Titre 1"/>
+          <p:cNvSpPr txBox="1">
+            <a:spLocks/>
+          </p:cNvSpPr>
+          <p:nvPr/>
+        </p:nvSpPr>
+        <p:spPr>
+          <a:xfrm>
+            <a:off x="0" y="260648"/>
+            <a:ext cx="9144000" cy="634082"/>
+          </a:xfrm>
+          <a:prstGeom prst="rect">
+            <a:avLst/>
+          </a:prstGeom>
+        </p:spPr>
+        <p:txBody>
+          <a:bodyPr>
+            <a:normAutofit fontScale="97500"/>
+          </a:bodyPr>
+          <a:lstStyle/>
+          <a:p>
+            <a:pPr marL="0" marR="0" lvl="0" indent="0" algn="ctr" defTabSz="914400" rtl="0" eaLnBrk="1" fontAlgn="auto" latinLnBrk="0" hangingPunct="1">
+              <a:lnSpc>
+                <a:spcPct val="100000"/>
+              </a:lnSpc>
+              <a:spcBef>
+                <a:spcPct val="0"/>
+              </a:spcBef>
+              <a:spcAft>
+                <a:spcPts val="0"/>
+              </a:spcAft>
+              <a:buClrTx/>
+              <a:buSzTx/>
+              <a:buFontTx/>
+              <a:buNone/>
+              <a:tabLst/>
+              <a:defRPr/>
+            </a:pPr>
+            <a:r>
+              <a:rPr lang="fr-FR" sz="3600" b="1" dirty="0" smtClean="0">
+                <a:solidFill>
+                  <a:schemeClr val="accent2">
+                    <a:lumMod val="60000"/>
+                    <a:lumOff val="40000"/>
+                  </a:schemeClr>
+                </a:solidFill>
+                <a:latin typeface="+mj-lt"/>
+                <a:ea typeface="+mj-ea"/>
+                <a:cs typeface="+mj-cs"/>
+              </a:rPr>
+              <a:t>Polymère réticulé : la Galalithe </a:t>
+            </a:r>
+          </a:p>
+          <a:p>
+            <a:pPr marL="0" marR="0" lvl="0" indent="0" algn="ctr" defTabSz="914400" rtl="0" eaLnBrk="1" fontAlgn="auto" latinLnBrk="0" hangingPunct="1">
+              <a:lnSpc>
+                <a:spcPct val="100000"/>
+              </a:lnSpc>
+              <a:spcBef>
+                <a:spcPct val="0"/>
+              </a:spcBef>
+              <a:spcAft>
+                <a:spcPts val="0"/>
+              </a:spcAft>
+              <a:buClrTx/>
+              <a:buSzTx/>
+              <a:buFontTx/>
+              <a:buNone/>
+              <a:tabLst/>
+              <a:defRPr/>
+            </a:pPr>
+            <a:endParaRPr kumimoji="0" lang="fr-FR" sz="3600" b="1" i="0" u="none" strike="noStrike" kern="1200" cap="none" spc="0" normalizeH="0" baseline="0" noProof="0" dirty="0" smtClean="0">
+              <a:ln>
+                <a:noFill/>
+              </a:ln>
+              <a:solidFill>
+                <a:schemeClr val="accent2">
+                  <a:lumMod val="60000"/>
+                  <a:lumOff val="40000"/>
+                </a:schemeClr>
+              </a:solidFill>
+              <a:effectLst/>
+              <a:uLnTx/>
+              <a:uFillTx/>
+              <a:latin typeface="+mj-lt"/>
+              <a:ea typeface="+mj-ea"/>
+              <a:cs typeface="+mj-cs"/>
+            </a:endParaRPr>
+          </a:p>
+          <a:p>
+            <a:pPr marL="0" marR="0" lvl="0" indent="0" algn="ctr" defTabSz="914400" rtl="0" eaLnBrk="1" fontAlgn="auto" latinLnBrk="0" hangingPunct="1">
+              <a:lnSpc>
+                <a:spcPct val="100000"/>
+              </a:lnSpc>
+              <a:spcBef>
+                <a:spcPct val="0"/>
+              </a:spcBef>
+              <a:spcAft>
+                <a:spcPts val="0"/>
+              </a:spcAft>
+              <a:buClrTx/>
+              <a:buSzTx/>
+              <a:buFontTx/>
+              <a:buNone/>
+              <a:tabLst/>
+              <a:defRPr/>
+            </a:pPr>
+            <a:endParaRPr kumimoji="0" lang="fr-FR" sz="3600" b="1" i="0" u="none" strike="noStrike" kern="1200" cap="none" spc="0" normalizeH="0" baseline="0" noProof="0" dirty="0">
+              <a:ln>
+                <a:noFill/>
+              </a:ln>
+              <a:solidFill>
+                <a:schemeClr val="accent2">
+                  <a:lumMod val="60000"/>
+                  <a:lumOff val="40000"/>
+                </a:schemeClr>
+              </a:solidFill>
+              <a:effectLst/>
+              <a:uLnTx/>
+              <a:uFillTx/>
+              <a:latin typeface="+mj-lt"/>
+              <a:ea typeface="+mj-ea"/>
+              <a:cs typeface="+mj-cs"/>
+            </a:endParaRPr>
+          </a:p>
+        </p:txBody>
+      </p:sp>
+      <p:sp>
+        <p:nvSpPr>
+          <p:cNvPr id="7" name="Espace réservé du numéro de diapositive 6"/>
+          <p:cNvSpPr>
+            <a:spLocks noGrp="1"/>
+          </p:cNvSpPr>
+          <p:nvPr>
+            <p:ph type="sldNum" sz="quarter" idx="12"/>
+          </p:nvPr>
+        </p:nvSpPr>
+        <p:spPr/>
+        <p:txBody>
+          <a:bodyPr/>
+          <a:lstStyle/>
+          <a:p>
+            <a:fld id="{735A510E-A1BE-4B90-83F7-10DDD2C3C062}" type="slidenum">
+              <a:rPr lang="fr-FR" smtClean="0"/>
+              <a:pPr/>
+              <a:t>10</a:t>
+            </a:fld>
+            <a:endParaRPr lang="fr-FR"/>
+          </a:p>
+        </p:txBody>
+      </p:sp>
+    </p:spTree>
+  </p:cSld>
+  <p:clrMapOvr>
+    <a:masterClrMapping/>
+  </p:clrMapOvr>
+</p:sld>
+</file>
+
+<file path=ppt/slides/slide11.xml><?xml version="1.0" encoding="utf-8"?>
+<p:sld xmlns:a="http://schemas.openxmlformats.org/drawingml/2006/main" xmlns:r="http://schemas.openxmlformats.org/officeDocument/2006/relationships" xmlns:p="http://schemas.openxmlformats.org/presentationml/2006/main">
+  <p:cSld>
+    <p:spTree>
+      <p:nvGrpSpPr>
+        <p:cNvPr id="1" name=""/>
+        <p:cNvGrpSpPr/>
+        <p:nvPr/>
+      </p:nvGrpSpPr>
+      <p:grpSpPr>
+        <a:xfrm>
+          <a:off x="0" y="0"/>
+          <a:ext cx="0" cy="0"/>
+          <a:chOff x="0" y="0"/>
+          <a:chExt cx="0" cy="0"/>
+        </a:xfrm>
+      </p:grpSpPr>
+      <p:pic>
+        <p:nvPicPr>
           <p:cNvPr id="2" name="Espace réservé du contenu 5">
             <a:extLst>
               <a:ext uri="{FF2B5EF4-FFF2-40B4-BE49-F238E27FC236}">
-                <a16:creationId xmlns="" xmlns:a16="http://schemas.microsoft.com/office/drawing/2014/main" id="{C750C051-1930-40B6-A2FC-485EE01FBE46}"/>
+                <a16:creationId xmlns:a16="http://schemas.microsoft.com/office/drawing/2014/main" xmlns="" id="{C750C051-1930-40B6-A2FC-485EE01FBE46}"/>
               </a:ext>
             </a:extLst>
           </p:cNvPr>
@@ -3871,7 +4227,7 @@
             <a:fld id="{735A510E-A1BE-4B90-83F7-10DDD2C3C062}" type="slidenum">
               <a:rPr lang="fr-FR" smtClean="0"/>
               <a:pPr/>
-              <a:t>10</a:t>
+              <a:t>11</a:t>
             </a:fld>
             <a:endParaRPr lang="fr-FR"/>
           </a:p>
@@ -3885,7 +4241,7 @@
 </p:sld>
 </file>
 
-<file path=ppt/slides/slide11.xml><?xml version="1.0" encoding="utf-8"?>
+<file path=ppt/slides/slide12.xml><?xml version="1.0" encoding="utf-8"?>
 <p:sld xmlns:a="http://schemas.openxmlformats.org/drawingml/2006/main" xmlns:r="http://schemas.openxmlformats.org/officeDocument/2006/relationships" xmlns:p="http://schemas.openxmlformats.org/presentationml/2006/main">
   <p:cSld>
     <p:spTree>
@@ -3907,7 +4263,7 @@
           <p:cNvPr id="2" name="Espace réservé du contenu 5">
             <a:extLst>
               <a:ext uri="{FF2B5EF4-FFF2-40B4-BE49-F238E27FC236}">
-                <a16:creationId xmlns="" xmlns:a16="http://schemas.microsoft.com/office/drawing/2014/main" id="{95C03259-3944-4462-ADD1-30C5198F5B7D}"/>
+                <a16:creationId xmlns:a16="http://schemas.microsoft.com/office/drawing/2014/main" xmlns="" id="{95C03259-3944-4462-ADD1-30C5198F5B7D}"/>
               </a:ext>
             </a:extLst>
           </p:cNvPr>
@@ -4058,7 +4414,7 @@
             <a:fld id="{735A510E-A1BE-4B90-83F7-10DDD2C3C062}" type="slidenum">
               <a:rPr lang="fr-FR" smtClean="0"/>
               <a:pPr/>
-              <a:t>11</a:t>
+              <a:t>12</a:t>
             </a:fld>
             <a:endParaRPr lang="fr-FR"/>
           </a:p>
@@ -4072,7 +4428,7 @@
 </p:sld>
 </file>
 
-<file path=ppt/slides/slide12.xml><?xml version="1.0" encoding="utf-8"?>
+<file path=ppt/slides/slide13.xml><?xml version="1.0" encoding="utf-8"?>
 <p:sld xmlns:a="http://schemas.openxmlformats.org/drawingml/2006/main" xmlns:r="http://schemas.openxmlformats.org/officeDocument/2006/relationships" xmlns:p="http://schemas.openxmlformats.org/presentationml/2006/main">
   <p:cSld>
     <p:bg>
@@ -4099,7 +4455,7 @@
           <p:cNvPr id="2" name="Titre 1">
             <a:extLst>
               <a:ext uri="{FF2B5EF4-FFF2-40B4-BE49-F238E27FC236}">
-                <a16:creationId xmlns:a16="http://schemas.microsoft.com/office/drawing/2014/main" xmlns="" id="{86528E28-8D8F-459B-AE0D-D7BD9C63C149}"/>
+                <a16:creationId xmlns="" xmlns:a16="http://schemas.microsoft.com/office/drawing/2014/main" id="{86528E28-8D8F-459B-AE0D-D7BD9C63C149}"/>
               </a:ext>
             </a:extLst>
           </p:cNvPr>
@@ -4149,7 +4505,7 @@
             <a:fld id="{735A510E-A1BE-4B90-83F7-10DDD2C3C062}" type="slidenum">
               <a:rPr lang="fr-FR" smtClean="0"/>
               <a:pPr/>
-              <a:t>12</a:t>
+              <a:t>13</a:t>
             </a:fld>
             <a:endParaRPr lang="fr-FR"/>
           </a:p>
@@ -4160,7 +4516,7 @@
           <p:cNvPr id="6" name="Picture 2" descr="https://img.lemde.fr/2017/07/20/0/0/1117/1291/688/0/60/0/c76ed09_10858-l1qo0u.6fteuq5mi.png">
             <a:extLst>
               <a:ext uri="{FF2B5EF4-FFF2-40B4-BE49-F238E27FC236}">
-                <a16:creationId xmlns:a16="http://schemas.microsoft.com/office/drawing/2014/main" xmlns="" id="{773F6970-0547-49BA-99CF-3FE50F54687B}"/>
+                <a16:creationId xmlns="" xmlns:a16="http://schemas.microsoft.com/office/drawing/2014/main" id="{773F6970-0547-49BA-99CF-3FE50F54687B}"/>
               </a:ext>
             </a:extLst>
           </p:cNvPr>
@@ -4205,7 +4561,7 @@
           <p:cNvPr id="7" name="Picture 2" descr="https://img.lemde.fr/2017/07/20/0/0/1117/1291/688/0/60/0/c76ed09_10858-l1qo0u.6fteuq5mi.png">
             <a:extLst>
               <a:ext uri="{FF2B5EF4-FFF2-40B4-BE49-F238E27FC236}">
-                <a16:creationId xmlns:a16="http://schemas.microsoft.com/office/drawing/2014/main" xmlns="" id="{68539D2C-A6FC-4491-983E-C2FB7E2BDC38}"/>
+                <a16:creationId xmlns="" xmlns:a16="http://schemas.microsoft.com/office/drawing/2014/main" id="{68539D2C-A6FC-4491-983E-C2FB7E2BDC38}"/>
               </a:ext>
             </a:extLst>
           </p:cNvPr>
@@ -4656,7 +5012,7 @@
           <p:cNvPr id="2" name="Grouper 449">
             <a:extLst>
               <a:ext uri="{FF2B5EF4-FFF2-40B4-BE49-F238E27FC236}">
-                <a16:creationId xmlns="" xmlns:a16="http://schemas.microsoft.com/office/drawing/2014/main" id="{C761E232-702C-474C-9DAB-BCC555810A77}"/>
+                <a16:creationId xmlns:a16="http://schemas.microsoft.com/office/drawing/2014/main" xmlns="" id="{C761E232-702C-474C-9DAB-BCC555810A77}"/>
               </a:ext>
             </a:extLst>
           </p:cNvPr>
@@ -4665,7 +5021,7 @@
         </p:nvGrpSpPr>
         <p:grpSpPr>
           <a:xfrm>
-            <a:off x="1925388" y="4273675"/>
+            <a:off x="1637356" y="4273675"/>
             <a:ext cx="1647825" cy="560388"/>
             <a:chOff x="0" y="0"/>
             <a:chExt cx="1143000" cy="434975"/>
@@ -4676,7 +5032,7 @@
             <p:cNvPr id="3" name="Grouper 445">
               <a:extLst>
                 <a:ext uri="{FF2B5EF4-FFF2-40B4-BE49-F238E27FC236}">
-                  <a16:creationId xmlns="" xmlns:a16="http://schemas.microsoft.com/office/drawing/2014/main" id="{30A0A3D3-AC0C-4355-8CEB-A48AA4713844}"/>
+                  <a16:creationId xmlns:a16="http://schemas.microsoft.com/office/drawing/2014/main" xmlns="" id="{30A0A3D3-AC0C-4355-8CEB-A48AA4713844}"/>
                 </a:ext>
               </a:extLst>
             </p:cNvPr>
@@ -4696,7 +5052,7 @@
               <p:cNvPr id="5" name="Rectangle 4">
                 <a:extLst>
                   <a:ext uri="{FF2B5EF4-FFF2-40B4-BE49-F238E27FC236}">
-                    <a16:creationId xmlns="" xmlns:a16="http://schemas.microsoft.com/office/drawing/2014/main" id="{81F14499-E73C-45E2-B8E7-07B513AB8E0E}"/>
+                    <a16:creationId xmlns:a16="http://schemas.microsoft.com/office/drawing/2014/main" xmlns="" id="{81F14499-E73C-45E2-B8E7-07B513AB8E0E}"/>
                   </a:ext>
                 </a:extLst>
               </p:cNvPr>
@@ -4753,7 +5109,7 @@
               <p:cNvPr id="6" name="Ellipse 5">
                 <a:extLst>
                   <a:ext uri="{FF2B5EF4-FFF2-40B4-BE49-F238E27FC236}">
-                    <a16:creationId xmlns="" xmlns:a16="http://schemas.microsoft.com/office/drawing/2014/main" id="{F042E671-F379-46EA-A436-00D49F82DF4B}"/>
+                    <a16:creationId xmlns:a16="http://schemas.microsoft.com/office/drawing/2014/main" xmlns="" id="{F042E671-F379-46EA-A436-00D49F82DF4B}"/>
                   </a:ext>
                 </a:extLst>
               </p:cNvPr>
@@ -4817,7 +5173,7 @@
             <p:cNvPr id="4" name="Rectangle 3">
               <a:extLst>
                 <a:ext uri="{FF2B5EF4-FFF2-40B4-BE49-F238E27FC236}">
-                  <a16:creationId xmlns="" xmlns:a16="http://schemas.microsoft.com/office/drawing/2014/main" id="{B83511E0-C307-4ED0-B9F4-32D7EAB93972}"/>
+                  <a16:creationId xmlns:a16="http://schemas.microsoft.com/office/drawing/2014/main" xmlns="" id="{B83511E0-C307-4ED0-B9F4-32D7EAB93972}"/>
                 </a:ext>
               </a:extLst>
             </p:cNvPr>
@@ -4877,7 +5233,7 @@
           <p:cNvPr id="7" name="Grouper 48">
             <a:extLst>
               <a:ext uri="{FF2B5EF4-FFF2-40B4-BE49-F238E27FC236}">
-                <a16:creationId xmlns="" xmlns:a16="http://schemas.microsoft.com/office/drawing/2014/main" id="{B2AAC27B-E70B-4679-8C8E-94C5844A90FF}"/>
+                <a16:creationId xmlns:a16="http://schemas.microsoft.com/office/drawing/2014/main" xmlns="" id="{B2AAC27B-E70B-4679-8C8E-94C5844A90FF}"/>
               </a:ext>
             </a:extLst>
           </p:cNvPr>
@@ -4886,7 +5242,7 @@
         </p:nvGrpSpPr>
         <p:grpSpPr>
           <a:xfrm>
-            <a:off x="2215900" y="2668481"/>
+            <a:off x="1927868" y="2668481"/>
             <a:ext cx="1066800" cy="1602740"/>
             <a:chOff x="0" y="0"/>
             <a:chExt cx="571500" cy="824230"/>
@@ -4897,7 +5253,7 @@
             <p:cNvPr id="8" name="Grouper 31">
               <a:extLst>
                 <a:ext uri="{FF2B5EF4-FFF2-40B4-BE49-F238E27FC236}">
-                  <a16:creationId xmlns="" xmlns:a16="http://schemas.microsoft.com/office/drawing/2014/main" id="{2EE3C015-1A1F-4E21-976B-5ACD456A9267}"/>
+                  <a16:creationId xmlns:a16="http://schemas.microsoft.com/office/drawing/2014/main" xmlns="" id="{2EE3C015-1A1F-4E21-976B-5ACD456A9267}"/>
                 </a:ext>
               </a:extLst>
             </p:cNvPr>
@@ -4917,7 +5273,7 @@
               <p:cNvPr id="10" name="Arrondir un rectangle avec un coin du même côté 29">
                 <a:extLst>
                   <a:ext uri="{FF2B5EF4-FFF2-40B4-BE49-F238E27FC236}">
-                    <a16:creationId xmlns="" xmlns:a16="http://schemas.microsoft.com/office/drawing/2014/main" id="{62CBCA07-A792-494B-8A90-14860195949A}"/>
+                    <a16:creationId xmlns:a16="http://schemas.microsoft.com/office/drawing/2014/main" xmlns="" id="{62CBCA07-A792-494B-8A90-14860195949A}"/>
                   </a:ext>
                 </a:extLst>
               </p:cNvPr>
@@ -4972,7 +5328,7 @@
               <p:cNvPr id="11" name="Arrondir un rectangle avec un coin du même côté 30">
                 <a:extLst>
                   <a:ext uri="{FF2B5EF4-FFF2-40B4-BE49-F238E27FC236}">
-                    <a16:creationId xmlns="" xmlns:a16="http://schemas.microsoft.com/office/drawing/2014/main" id="{C2D6F7A4-1751-4226-A25E-3A9A8BE53D63}"/>
+                    <a16:creationId xmlns:a16="http://schemas.microsoft.com/office/drawing/2014/main" xmlns="" id="{C2D6F7A4-1751-4226-A25E-3A9A8BE53D63}"/>
                   </a:ext>
                 </a:extLst>
               </p:cNvPr>
@@ -5028,7 +5384,7 @@
             <p:cNvPr id="9" name="Rectangle 8">
               <a:extLst>
                 <a:ext uri="{FF2B5EF4-FFF2-40B4-BE49-F238E27FC236}">
-                  <a16:creationId xmlns="" xmlns:a16="http://schemas.microsoft.com/office/drawing/2014/main" id="{DA825BF4-74CA-4AB9-B372-08BBF91B2563}"/>
+                  <a16:creationId xmlns:a16="http://schemas.microsoft.com/office/drawing/2014/main" xmlns="" id="{DA825BF4-74CA-4AB9-B372-08BBF91B2563}"/>
                 </a:ext>
               </a:extLst>
             </p:cNvPr>
@@ -5086,7 +5442,7 @@
           <p:cNvPr id="12" name="Forme libre 5">
             <a:extLst>
               <a:ext uri="{FF2B5EF4-FFF2-40B4-BE49-F238E27FC236}">
-                <a16:creationId xmlns="" xmlns:a16="http://schemas.microsoft.com/office/drawing/2014/main" id="{898D50CB-9E2E-43EF-9AB3-8BB25EF4108A}"/>
+                <a16:creationId xmlns:a16="http://schemas.microsoft.com/office/drawing/2014/main" xmlns="" id="{898D50CB-9E2E-43EF-9AB3-8BB25EF4108A}"/>
               </a:ext>
             </a:extLst>
           </p:cNvPr>
@@ -5095,7 +5451,7 @@
         </p:nvSpPr>
         <p:spPr>
           <a:xfrm>
-            <a:off x="5206748" y="3642735"/>
+            <a:off x="4650677" y="3642735"/>
             <a:ext cx="914404" cy="572855"/>
           </a:xfrm>
           <a:custGeom>
@@ -6451,7 +6807,7 @@
           <p:cNvPr id="13" name="Grouper 48">
             <a:extLst>
               <a:ext uri="{FF2B5EF4-FFF2-40B4-BE49-F238E27FC236}">
-                <a16:creationId xmlns="" xmlns:a16="http://schemas.microsoft.com/office/drawing/2014/main" id="{AA574A42-C15E-4C37-8642-F1A1ED58FC5F}"/>
+                <a16:creationId xmlns:a16="http://schemas.microsoft.com/office/drawing/2014/main" xmlns="" id="{AA574A42-C15E-4C37-8642-F1A1ED58FC5F}"/>
               </a:ext>
             </a:extLst>
           </p:cNvPr>
@@ -6460,7 +6816,7 @@
         </p:nvGrpSpPr>
         <p:grpSpPr>
           <a:xfrm>
-            <a:off x="5130551" y="2666027"/>
+            <a:off x="4574480" y="2666027"/>
             <a:ext cx="1066800" cy="1602740"/>
             <a:chOff x="0" y="0"/>
             <a:chExt cx="571500" cy="824230"/>
@@ -6471,7 +6827,7 @@
             <p:cNvPr id="14" name="Grouper 31">
               <a:extLst>
                 <a:ext uri="{FF2B5EF4-FFF2-40B4-BE49-F238E27FC236}">
-                  <a16:creationId xmlns="" xmlns:a16="http://schemas.microsoft.com/office/drawing/2014/main" id="{BB9BE335-C152-4BBD-967E-292D548CAC9B}"/>
+                  <a16:creationId xmlns:a16="http://schemas.microsoft.com/office/drawing/2014/main" xmlns="" id="{BB9BE335-C152-4BBD-967E-292D548CAC9B}"/>
                 </a:ext>
               </a:extLst>
             </p:cNvPr>
@@ -6491,7 +6847,7 @@
               <p:cNvPr id="16" name="Arrondir un rectangle avec un coin du même côté 29">
                 <a:extLst>
                   <a:ext uri="{FF2B5EF4-FFF2-40B4-BE49-F238E27FC236}">
-                    <a16:creationId xmlns="" xmlns:a16="http://schemas.microsoft.com/office/drawing/2014/main" id="{7A16822A-0020-41E2-8C99-386F13507480}"/>
+                    <a16:creationId xmlns:a16="http://schemas.microsoft.com/office/drawing/2014/main" xmlns="" id="{7A16822A-0020-41E2-8C99-386F13507480}"/>
                   </a:ext>
                 </a:extLst>
               </p:cNvPr>
@@ -6546,7 +6902,7 @@
               <p:cNvPr id="17" name="Arrondir un rectangle avec un coin du même côté 30">
                 <a:extLst>
                   <a:ext uri="{FF2B5EF4-FFF2-40B4-BE49-F238E27FC236}">
-                    <a16:creationId xmlns="" xmlns:a16="http://schemas.microsoft.com/office/drawing/2014/main" id="{7F76B8A5-33FA-488F-A530-80D7933F2DD2}"/>
+                    <a16:creationId xmlns:a16="http://schemas.microsoft.com/office/drawing/2014/main" xmlns="" id="{7F76B8A5-33FA-488F-A530-80D7933F2DD2}"/>
                   </a:ext>
                 </a:extLst>
               </p:cNvPr>
@@ -6602,7 +6958,7 @@
             <p:cNvPr id="15" name="Rectangle 14">
               <a:extLst>
                 <a:ext uri="{FF2B5EF4-FFF2-40B4-BE49-F238E27FC236}">
-                  <a16:creationId xmlns="" xmlns:a16="http://schemas.microsoft.com/office/drawing/2014/main" id="{3B336493-CFA4-4EE0-8937-C340B69139F1}"/>
+                  <a16:creationId xmlns:a16="http://schemas.microsoft.com/office/drawing/2014/main" xmlns="" id="{3B336493-CFA4-4EE0-8937-C340B69139F1}"/>
                 </a:ext>
               </a:extLst>
             </p:cNvPr>
@@ -6660,7 +7016,7 @@
           <p:cNvPr id="18" name="Grouper 449">
             <a:extLst>
               <a:ext uri="{FF2B5EF4-FFF2-40B4-BE49-F238E27FC236}">
-                <a16:creationId xmlns="" xmlns:a16="http://schemas.microsoft.com/office/drawing/2014/main" id="{2CBAE694-9B46-487A-8529-244FABC76489}"/>
+                <a16:creationId xmlns:a16="http://schemas.microsoft.com/office/drawing/2014/main" xmlns="" id="{2CBAE694-9B46-487A-8529-244FABC76489}"/>
               </a:ext>
             </a:extLst>
           </p:cNvPr>
@@ -6669,7 +7025,7 @@
         </p:nvGrpSpPr>
         <p:grpSpPr>
           <a:xfrm>
-            <a:off x="4840039" y="4271221"/>
+            <a:off x="4283968" y="4271221"/>
             <a:ext cx="1647825" cy="560388"/>
             <a:chOff x="0" y="0"/>
             <a:chExt cx="1143000" cy="434975"/>
@@ -6680,7 +7036,7 @@
             <p:cNvPr id="19" name="Grouper 445">
               <a:extLst>
                 <a:ext uri="{FF2B5EF4-FFF2-40B4-BE49-F238E27FC236}">
-                  <a16:creationId xmlns="" xmlns:a16="http://schemas.microsoft.com/office/drawing/2014/main" id="{EA4046AD-224E-40DD-A3F9-E12124D719BB}"/>
+                  <a16:creationId xmlns:a16="http://schemas.microsoft.com/office/drawing/2014/main" xmlns="" id="{EA4046AD-224E-40DD-A3F9-E12124D719BB}"/>
                 </a:ext>
               </a:extLst>
             </p:cNvPr>
@@ -6700,7 +7056,7 @@
               <p:cNvPr id="21" name="Rectangle 20">
                 <a:extLst>
                   <a:ext uri="{FF2B5EF4-FFF2-40B4-BE49-F238E27FC236}">
-                    <a16:creationId xmlns="" xmlns:a16="http://schemas.microsoft.com/office/drawing/2014/main" id="{B21EA09C-A15D-4750-ACB8-A5F93BD928F3}"/>
+                    <a16:creationId xmlns:a16="http://schemas.microsoft.com/office/drawing/2014/main" xmlns="" id="{B21EA09C-A15D-4750-ACB8-A5F93BD928F3}"/>
                   </a:ext>
                 </a:extLst>
               </p:cNvPr>
@@ -6757,7 +7113,7 @@
               <p:cNvPr id="22" name="Ellipse 21">
                 <a:extLst>
                   <a:ext uri="{FF2B5EF4-FFF2-40B4-BE49-F238E27FC236}">
-                    <a16:creationId xmlns="" xmlns:a16="http://schemas.microsoft.com/office/drawing/2014/main" id="{9DE08C47-B336-4EA3-A978-34C23067DBC2}"/>
+                    <a16:creationId xmlns:a16="http://schemas.microsoft.com/office/drawing/2014/main" xmlns="" id="{9DE08C47-B336-4EA3-A978-34C23067DBC2}"/>
                   </a:ext>
                 </a:extLst>
               </p:cNvPr>
@@ -6821,7 +7177,7 @@
             <p:cNvPr id="20" name="Rectangle 19">
               <a:extLst>
                 <a:ext uri="{FF2B5EF4-FFF2-40B4-BE49-F238E27FC236}">
-                  <a16:creationId xmlns="" xmlns:a16="http://schemas.microsoft.com/office/drawing/2014/main" id="{403F88BF-7AC2-4634-AF23-9D6635123340}"/>
+                  <a16:creationId xmlns:a16="http://schemas.microsoft.com/office/drawing/2014/main" xmlns="" id="{403F88BF-7AC2-4634-AF23-9D6635123340}"/>
                 </a:ext>
               </a:extLst>
             </p:cNvPr>
@@ -6964,7 +7320,7 @@
         </p:nvSpPr>
         <p:spPr>
           <a:xfrm>
-            <a:off x="467544" y="3510300"/>
+            <a:off x="179512" y="3510300"/>
             <a:ext cx="1080120" cy="646331"/>
           </a:xfrm>
           <a:prstGeom prst="rect">
@@ -7019,7 +7375,7 @@
         </p:nvCxnSpPr>
         <p:spPr>
           <a:xfrm>
-            <a:off x="1547664" y="3833466"/>
+            <a:off x="1259632" y="3833466"/>
             <a:ext cx="936104" cy="0"/>
           </a:xfrm>
           <a:prstGeom prst="straightConnector1">
@@ -7057,8 +7413,8 @@
         </p:nvCxnSpPr>
         <p:spPr>
           <a:xfrm>
-            <a:off x="3563888" y="2780928"/>
-            <a:ext cx="1296144" cy="0"/>
+            <a:off x="3172307" y="3068960"/>
+            <a:ext cx="1071194" cy="0"/>
           </a:xfrm>
           <a:prstGeom prst="straightConnector1">
             <a:avLst/>
@@ -7095,7 +7451,7 @@
         </p:nvSpPr>
         <p:spPr>
           <a:xfrm>
-            <a:off x="2843808" y="2348880"/>
+            <a:off x="2339752" y="2060848"/>
             <a:ext cx="2736304" cy="369332"/>
           </a:xfrm>
           <a:prstGeom prst="rect">
@@ -7125,9 +7481,9 @@
           <p:nvPr/>
         </p:nvCxnSpPr>
         <p:spPr>
-          <a:xfrm>
-            <a:off x="6372200" y="3798332"/>
-            <a:ext cx="1944216" cy="0"/>
+          <a:xfrm flipV="1">
+            <a:off x="6084168" y="3789040"/>
+            <a:ext cx="1008112" cy="9292"/>
           </a:xfrm>
           <a:prstGeom prst="straightConnector1">
             <a:avLst/>
@@ -7164,8 +7520,8 @@
         </p:nvSpPr>
         <p:spPr>
           <a:xfrm>
-            <a:off x="6228184" y="3068960"/>
-            <a:ext cx="2592288" cy="646331"/>
+            <a:off x="5796136" y="2348880"/>
+            <a:ext cx="1584176" cy="1200329"/>
           </a:xfrm>
           <a:prstGeom prst="rect">
             <a:avLst/>
@@ -7178,6 +7534,7 @@
           </a:bodyPr>
           <a:lstStyle/>
           <a:p>
+            <a:pPr algn="ctr"/>
             <a:r>
               <a:rPr lang="fr-FR" dirty="0" smtClean="0"/>
               <a:t>Essorage pour récupérer la caséine précipité </a:t>
@@ -7210,6 +7567,1045 @@
           </a:p>
         </p:txBody>
       </p:sp>
+      <p:grpSp>
+        <p:nvGrpSpPr>
+          <p:cNvPr id="36" name="Groupe 126"/>
+          <p:cNvGrpSpPr/>
+          <p:nvPr/>
+        </p:nvGrpSpPr>
+        <p:grpSpPr>
+          <a:xfrm>
+            <a:off x="7308304" y="1916832"/>
+            <a:ext cx="1345567" cy="2970080"/>
+            <a:chOff x="6948262" y="2780928"/>
+            <a:chExt cx="1345567" cy="2970080"/>
+          </a:xfrm>
+        </p:grpSpPr>
+        <p:sp>
+          <p:nvSpPr>
+            <p:cNvPr id="38" name="Rectangle 37">
+              <a:extLst>
+                <a:ext uri="{FF2B5EF4-FFF2-40B4-BE49-F238E27FC236}">
+                  <a16:creationId xmlns:a16="http://schemas.microsoft.com/office/drawing/2014/main" xmlns="" id="{6DEBDE08-DBC3-45FE-B35A-1A4430437CE0}"/>
+                </a:ext>
+              </a:extLst>
+            </p:cNvPr>
+            <p:cNvSpPr/>
+            <p:nvPr/>
+          </p:nvSpPr>
+          <p:spPr>
+            <a:xfrm>
+              <a:off x="7185558" y="2912320"/>
+              <a:ext cx="876369" cy="574285"/>
+            </a:xfrm>
+            <a:prstGeom prst="rect">
+              <a:avLst/>
+            </a:prstGeom>
+            <a:solidFill>
+              <a:schemeClr val="bg1"/>
+            </a:solidFill>
+            <a:ln>
+              <a:solidFill>
+                <a:schemeClr val="tx1"/>
+              </a:solidFill>
+            </a:ln>
+            <a:effectLst/>
+          </p:spPr>
+          <p:style>
+            <a:lnRef idx="1">
+              <a:schemeClr val="accent1"/>
+            </a:lnRef>
+            <a:fillRef idx="3">
+              <a:schemeClr val="accent1"/>
+            </a:fillRef>
+            <a:effectRef idx="2">
+              <a:schemeClr val="accent1"/>
+            </a:effectRef>
+            <a:fontRef idx="minor">
+              <a:schemeClr val="lt1"/>
+            </a:fontRef>
+          </p:style>
+          <p:txBody>
+            <a:bodyPr rot="0" spcFirstLastPara="0" vert="horz" wrap="square" lIns="91440" tIns="45720" rIns="91440" bIns="45720" numCol="1" spcCol="0" rtlCol="0" fromWordArt="0" anchor="ctr" anchorCtr="0" forceAA="0" compatLnSpc="1">
+              <a:prstTxWarp prst="textNoShape">
+                <a:avLst/>
+              </a:prstTxWarp>
+              <a:noAutofit/>
+            </a:bodyPr>
+            <a:lstStyle/>
+            <a:p>
+              <a:endParaRPr lang="fr-FR"/>
+            </a:p>
+          </p:txBody>
+        </p:sp>
+        <p:sp>
+          <p:nvSpPr>
+            <p:cNvPr id="39" name="Rectangle 38">
+              <a:extLst>
+                <a:ext uri="{FF2B5EF4-FFF2-40B4-BE49-F238E27FC236}">
+                  <a16:creationId xmlns:a16="http://schemas.microsoft.com/office/drawing/2014/main" xmlns="" id="{7163573F-B458-4F86-B136-407E45B1E977}"/>
+                </a:ext>
+              </a:extLst>
+            </p:cNvPr>
+            <p:cNvSpPr/>
+            <p:nvPr/>
+          </p:nvSpPr>
+          <p:spPr>
+            <a:xfrm>
+              <a:off x="7115448" y="2780928"/>
+              <a:ext cx="1049678" cy="206683"/>
+            </a:xfrm>
+            <a:prstGeom prst="rect">
+              <a:avLst/>
+            </a:prstGeom>
+            <a:solidFill>
+              <a:schemeClr val="bg1"/>
+            </a:solidFill>
+            <a:ln>
+              <a:solidFill>
+                <a:schemeClr val="bg1"/>
+              </a:solidFill>
+            </a:ln>
+            <a:effectLst/>
+          </p:spPr>
+          <p:style>
+            <a:lnRef idx="1">
+              <a:schemeClr val="accent1"/>
+            </a:lnRef>
+            <a:fillRef idx="3">
+              <a:schemeClr val="accent1"/>
+            </a:fillRef>
+            <a:effectRef idx="2">
+              <a:schemeClr val="accent1"/>
+            </a:effectRef>
+            <a:fontRef idx="minor">
+              <a:schemeClr val="lt1"/>
+            </a:fontRef>
+          </p:style>
+          <p:txBody>
+            <a:bodyPr rot="0" spcFirstLastPara="0" vert="horz" wrap="square" lIns="91440" tIns="45720" rIns="91440" bIns="45720" numCol="1" spcCol="0" rtlCol="0" fromWordArt="0" anchor="ctr" anchorCtr="0" forceAA="0" compatLnSpc="1">
+              <a:prstTxWarp prst="textNoShape">
+                <a:avLst/>
+              </a:prstTxWarp>
+              <a:noAutofit/>
+            </a:bodyPr>
+            <a:lstStyle/>
+            <a:p>
+              <a:endParaRPr lang="fr-FR"/>
+            </a:p>
+          </p:txBody>
+        </p:sp>
+        <p:grpSp>
+          <p:nvGrpSpPr>
+            <p:cNvPr id="40" name="Groupe 125"/>
+            <p:cNvGrpSpPr/>
+            <p:nvPr/>
+          </p:nvGrpSpPr>
+          <p:grpSpPr>
+            <a:xfrm>
+              <a:off x="6948262" y="3198719"/>
+              <a:ext cx="1345567" cy="2552289"/>
+              <a:chOff x="6948262" y="3198719"/>
+              <a:chExt cx="1345567" cy="2552289"/>
+            </a:xfrm>
+          </p:grpSpPr>
+          <p:grpSp>
+            <p:nvGrpSpPr>
+              <p:cNvPr id="41" name="Grouper 149">
+                <a:extLst>
+                  <a:ext uri="{FF2B5EF4-FFF2-40B4-BE49-F238E27FC236}">
+                    <a16:creationId xmlns:a16="http://schemas.microsoft.com/office/drawing/2014/main" xmlns="" id="{DE77B0DB-BAC6-4050-AB88-C3042733C80C}"/>
+                  </a:ext>
+                </a:extLst>
+              </p:cNvPr>
+              <p:cNvGrpSpPr/>
+              <p:nvPr/>
+            </p:nvGrpSpPr>
+            <p:grpSpPr>
+              <a:xfrm>
+                <a:off x="6950961" y="3328383"/>
+                <a:ext cx="1342868" cy="2422625"/>
+                <a:chOff x="0" y="0"/>
+                <a:chExt cx="501650" cy="826770"/>
+              </a:xfrm>
+            </p:grpSpPr>
+            <p:grpSp>
+              <p:nvGrpSpPr>
+                <p:cNvPr id="50" name="Grouper 499">
+                  <a:extLst>
+                    <a:ext uri="{FF2B5EF4-FFF2-40B4-BE49-F238E27FC236}">
+                      <a16:creationId xmlns:a16="http://schemas.microsoft.com/office/drawing/2014/main" xmlns="" id="{347352C1-A3D3-4916-9CC7-A6376CDB245D}"/>
+                    </a:ext>
+                  </a:extLst>
+                </p:cNvPr>
+                <p:cNvGrpSpPr/>
+                <p:nvPr/>
+              </p:nvGrpSpPr>
+              <p:grpSpPr>
+                <a:xfrm>
+                  <a:off x="0" y="629285"/>
+                  <a:ext cx="501650" cy="197485"/>
+                  <a:chOff x="0" y="0"/>
+                  <a:chExt cx="641350" cy="222885"/>
+                </a:xfrm>
+              </p:grpSpPr>
+              <p:sp>
+                <p:nvSpPr>
+                  <p:cNvPr id="57" name="Arrondir un rectangle avec un coin du même côté 501">
+                    <a:extLst>
+                      <a:ext uri="{FF2B5EF4-FFF2-40B4-BE49-F238E27FC236}">
+                        <a16:creationId xmlns:a16="http://schemas.microsoft.com/office/drawing/2014/main" xmlns="" id="{5480BAB6-0991-4D15-837B-BCA8EE73806D}"/>
+                      </a:ext>
+                    </a:extLst>
+                  </p:cNvPr>
+                  <p:cNvSpPr/>
+                  <p:nvPr/>
+                </p:nvSpPr>
+                <p:spPr>
+                  <a:xfrm rot="10800000">
+                    <a:off x="0" y="6985"/>
+                    <a:ext cx="641350" cy="215900"/>
+                  </a:xfrm>
+                  <a:prstGeom prst="round2SameRect">
+                    <a:avLst>
+                      <a:gd name="adj1" fmla="val 46667"/>
+                      <a:gd name="adj2" fmla="val 50000"/>
+                    </a:avLst>
+                  </a:prstGeom>
+                  <a:solidFill>
+                    <a:schemeClr val="bg1"/>
+                  </a:solidFill>
+                  <a:ln>
+                    <a:solidFill>
+                      <a:schemeClr val="tx1"/>
+                    </a:solidFill>
+                  </a:ln>
+                  <a:effectLst/>
+                </p:spPr>
+                <p:style>
+                  <a:lnRef idx="1">
+                    <a:schemeClr val="accent1"/>
+                  </a:lnRef>
+                  <a:fillRef idx="3">
+                    <a:schemeClr val="accent1"/>
+                  </a:fillRef>
+                  <a:effectRef idx="2">
+                    <a:schemeClr val="accent1"/>
+                  </a:effectRef>
+                  <a:fontRef idx="minor">
+                    <a:schemeClr val="lt1"/>
+                  </a:fontRef>
+                </p:style>
+                <p:txBody>
+                  <a:bodyPr rot="0" spcFirstLastPara="0" vert="horz" wrap="square" lIns="91440" tIns="45720" rIns="91440" bIns="45720" numCol="1" spcCol="0" rtlCol="0" fromWordArt="0" anchor="ctr" anchorCtr="0" forceAA="0" compatLnSpc="1">
+                    <a:prstTxWarp prst="textNoShape">
+                      <a:avLst/>
+                    </a:prstTxWarp>
+                    <a:noAutofit/>
+                  </a:bodyPr>
+                  <a:lstStyle/>
+                  <a:p>
+                    <a:endParaRPr lang="fr-FR"/>
+                  </a:p>
+                </p:txBody>
+              </p:sp>
+              <p:sp>
+                <p:nvSpPr>
+                  <p:cNvPr id="58" name="Rectangle 57">
+                    <a:extLst>
+                      <a:ext uri="{FF2B5EF4-FFF2-40B4-BE49-F238E27FC236}">
+                        <a16:creationId xmlns:a16="http://schemas.microsoft.com/office/drawing/2014/main" xmlns="" id="{C1E12072-B467-4907-8808-426B389CB7B0}"/>
+                      </a:ext>
+                    </a:extLst>
+                  </p:cNvPr>
+                  <p:cNvSpPr/>
+                  <p:nvPr/>
+                </p:nvSpPr>
+                <p:spPr>
+                  <a:xfrm>
+                    <a:off x="0" y="0"/>
+                    <a:ext cx="641350" cy="82550"/>
+                  </a:xfrm>
+                  <a:prstGeom prst="rect">
+                    <a:avLst/>
+                  </a:prstGeom>
+                  <a:solidFill>
+                    <a:schemeClr val="bg1"/>
+                  </a:solidFill>
+                  <a:ln>
+                    <a:solidFill>
+                      <a:srgbClr val="FFFFFF"/>
+                    </a:solidFill>
+                  </a:ln>
+                  <a:effectLst/>
+                </p:spPr>
+                <p:style>
+                  <a:lnRef idx="1">
+                    <a:schemeClr val="accent1"/>
+                  </a:lnRef>
+                  <a:fillRef idx="3">
+                    <a:schemeClr val="accent1"/>
+                  </a:fillRef>
+                  <a:effectRef idx="2">
+                    <a:schemeClr val="accent1"/>
+                  </a:effectRef>
+                  <a:fontRef idx="minor">
+                    <a:schemeClr val="lt1"/>
+                  </a:fontRef>
+                </p:style>
+                <p:txBody>
+                  <a:bodyPr rot="0" spcFirstLastPara="0" vert="horz" wrap="square" lIns="91440" tIns="45720" rIns="91440" bIns="45720" numCol="1" spcCol="0" rtlCol="0" fromWordArt="0" anchor="ctr" anchorCtr="0" forceAA="0" compatLnSpc="1">
+                    <a:prstTxWarp prst="textNoShape">
+                      <a:avLst/>
+                    </a:prstTxWarp>
+                    <a:noAutofit/>
+                  </a:bodyPr>
+                  <a:lstStyle/>
+                  <a:p>
+                    <a:endParaRPr lang="fr-FR"/>
+                  </a:p>
+                </p:txBody>
+              </p:sp>
+            </p:grpSp>
+            <p:sp>
+              <p:nvSpPr>
+                <p:cNvPr id="51" name="Rectangle 50">
+                  <a:extLst>
+                    <a:ext uri="{FF2B5EF4-FFF2-40B4-BE49-F238E27FC236}">
+                      <a16:creationId xmlns:a16="http://schemas.microsoft.com/office/drawing/2014/main" xmlns="" id="{0B981122-6D93-4885-B81B-7CEA64583885}"/>
+                    </a:ext>
+                  </a:extLst>
+                </p:cNvPr>
+                <p:cNvSpPr/>
+                <p:nvPr/>
+              </p:nvSpPr>
+              <p:spPr>
+                <a:xfrm>
+                  <a:off x="3810" y="626745"/>
+                  <a:ext cx="494665" cy="74930"/>
+                </a:xfrm>
+                <a:prstGeom prst="rect">
+                  <a:avLst/>
+                </a:prstGeom>
+                <a:solidFill>
+                  <a:schemeClr val="bg1"/>
+                </a:solidFill>
+                <a:ln>
+                  <a:solidFill>
+                    <a:srgbClr val="FFFFFF"/>
+                  </a:solidFill>
+                </a:ln>
+                <a:effectLst/>
+              </p:spPr>
+              <p:style>
+                <a:lnRef idx="1">
+                  <a:schemeClr val="accent1"/>
+                </a:lnRef>
+                <a:fillRef idx="3">
+                  <a:schemeClr val="accent1"/>
+                </a:fillRef>
+                <a:effectRef idx="2">
+                  <a:schemeClr val="accent1"/>
+                </a:effectRef>
+                <a:fontRef idx="minor">
+                  <a:schemeClr val="lt1"/>
+                </a:fontRef>
+              </p:style>
+              <p:txBody>
+                <a:bodyPr rot="0" spcFirstLastPara="0" vert="horz" wrap="square" lIns="91440" tIns="45720" rIns="91440" bIns="45720" numCol="1" spcCol="0" rtlCol="0" fromWordArt="0" anchor="ctr" anchorCtr="0" forceAA="0" compatLnSpc="1">
+                  <a:prstTxWarp prst="textNoShape">
+                    <a:avLst/>
+                  </a:prstTxWarp>
+                  <a:noAutofit/>
+                </a:bodyPr>
+                <a:lstStyle/>
+                <a:p>
+                  <a:endParaRPr lang="fr-FR"/>
+                </a:p>
+              </p:txBody>
+            </p:sp>
+            <p:sp>
+              <p:nvSpPr>
+                <p:cNvPr id="52" name="Triangle isocèle 51">
+                  <a:extLst>
+                    <a:ext uri="{FF2B5EF4-FFF2-40B4-BE49-F238E27FC236}">
+                      <a16:creationId xmlns:a16="http://schemas.microsoft.com/office/drawing/2014/main" xmlns="" id="{E7C8AF1B-8FE3-4307-A695-DBF0E054A776}"/>
+                    </a:ext>
+                  </a:extLst>
+                </p:cNvPr>
+                <p:cNvSpPr/>
+                <p:nvPr/>
+              </p:nvSpPr>
+              <p:spPr>
+                <a:xfrm>
+                  <a:off x="3810" y="82550"/>
+                  <a:ext cx="494665" cy="619760"/>
+                </a:xfrm>
+                <a:prstGeom prst="triangle">
+                  <a:avLst/>
+                </a:prstGeom>
+                <a:noFill/>
+                <a:ln>
+                  <a:solidFill>
+                    <a:schemeClr val="tx1"/>
+                  </a:solidFill>
+                </a:ln>
+                <a:effectLst/>
+              </p:spPr>
+              <p:style>
+                <a:lnRef idx="1">
+                  <a:schemeClr val="accent1"/>
+                </a:lnRef>
+                <a:fillRef idx="3">
+                  <a:schemeClr val="accent1"/>
+                </a:fillRef>
+                <a:effectRef idx="2">
+                  <a:schemeClr val="accent1"/>
+                </a:effectRef>
+                <a:fontRef idx="minor">
+                  <a:schemeClr val="lt1"/>
+                </a:fontRef>
+              </p:style>
+              <p:txBody>
+                <a:bodyPr rot="0" spcFirstLastPara="0" vert="horz" wrap="square" lIns="91440" tIns="45720" rIns="91440" bIns="45720" numCol="1" spcCol="0" rtlCol="0" fromWordArt="0" anchor="ctr" anchorCtr="0" forceAA="0" compatLnSpc="1">
+                  <a:prstTxWarp prst="textNoShape">
+                    <a:avLst/>
+                  </a:prstTxWarp>
+                  <a:noAutofit/>
+                </a:bodyPr>
+                <a:lstStyle/>
+                <a:p>
+                  <a:endParaRPr lang="fr-FR"/>
+                </a:p>
+              </p:txBody>
+            </p:sp>
+            <p:sp>
+              <p:nvSpPr>
+                <p:cNvPr id="53" name="Rectangle 52">
+                  <a:extLst>
+                    <a:ext uri="{FF2B5EF4-FFF2-40B4-BE49-F238E27FC236}">
+                      <a16:creationId xmlns:a16="http://schemas.microsoft.com/office/drawing/2014/main" xmlns="" id="{9ECC6EBD-6FCE-4E5F-BBF9-77ACEBBB7989}"/>
+                    </a:ext>
+                  </a:extLst>
+                </p:cNvPr>
+                <p:cNvSpPr/>
+                <p:nvPr/>
+              </p:nvSpPr>
+              <p:spPr>
+                <a:xfrm>
+                  <a:off x="180340" y="0"/>
+                  <a:ext cx="140335" cy="339725"/>
+                </a:xfrm>
+                <a:prstGeom prst="rect">
+                  <a:avLst/>
+                </a:prstGeom>
+                <a:solidFill>
+                  <a:schemeClr val="bg1"/>
+                </a:solidFill>
+                <a:ln>
+                  <a:noFill/>
+                </a:ln>
+                <a:effectLst/>
+              </p:spPr>
+              <p:style>
+                <a:lnRef idx="1">
+                  <a:schemeClr val="accent1"/>
+                </a:lnRef>
+                <a:fillRef idx="3">
+                  <a:schemeClr val="accent1"/>
+                </a:fillRef>
+                <a:effectRef idx="2">
+                  <a:schemeClr val="accent1"/>
+                </a:effectRef>
+                <a:fontRef idx="minor">
+                  <a:schemeClr val="lt1"/>
+                </a:fontRef>
+              </p:style>
+              <p:txBody>
+                <a:bodyPr rot="0" spcFirstLastPara="0" vert="horz" wrap="square" lIns="91440" tIns="45720" rIns="91440" bIns="45720" numCol="1" spcCol="0" rtlCol="0" fromWordArt="0" anchor="ctr" anchorCtr="0" forceAA="0" compatLnSpc="1">
+                  <a:prstTxWarp prst="textNoShape">
+                    <a:avLst/>
+                  </a:prstTxWarp>
+                  <a:noAutofit/>
+                </a:bodyPr>
+                <a:lstStyle/>
+                <a:p>
+                  <a:endParaRPr lang="fr-FR"/>
+                </a:p>
+              </p:txBody>
+            </p:sp>
+            <p:grpSp>
+              <p:nvGrpSpPr>
+                <p:cNvPr id="54" name="Grouper 564">
+                  <a:extLst>
+                    <a:ext uri="{FF2B5EF4-FFF2-40B4-BE49-F238E27FC236}">
+                      <a16:creationId xmlns:a16="http://schemas.microsoft.com/office/drawing/2014/main" xmlns="" id="{C24EDCD2-12F8-4271-84F3-79C72637F052}"/>
+                    </a:ext>
+                  </a:extLst>
+                </p:cNvPr>
+                <p:cNvGrpSpPr/>
+                <p:nvPr/>
+              </p:nvGrpSpPr>
+              <p:grpSpPr>
+                <a:xfrm>
+                  <a:off x="3810" y="530225"/>
+                  <a:ext cx="494665" cy="294005"/>
+                  <a:chOff x="0" y="0"/>
+                  <a:chExt cx="633095" cy="331451"/>
+                </a:xfrm>
+              </p:grpSpPr>
+              <p:sp>
+                <p:nvSpPr>
+                  <p:cNvPr id="55" name="Arrondir un rectangle avec un coin du même côté 566">
+                    <a:extLst>
+                      <a:ext uri="{FF2B5EF4-FFF2-40B4-BE49-F238E27FC236}">
+                        <a16:creationId xmlns:a16="http://schemas.microsoft.com/office/drawing/2014/main" xmlns="" id="{9C6B199E-5A1E-44E9-AA49-C7276E7ED066}"/>
+                      </a:ext>
+                    </a:extLst>
+                  </p:cNvPr>
+                  <p:cNvSpPr/>
+                  <p:nvPr/>
+                </p:nvSpPr>
+                <p:spPr>
+                  <a:xfrm rot="10800000">
+                    <a:off x="0" y="109220"/>
+                    <a:ext cx="633095" cy="222231"/>
+                  </a:xfrm>
+                  <a:prstGeom prst="round2SameRect">
+                    <a:avLst>
+                      <a:gd name="adj1" fmla="val 46667"/>
+                      <a:gd name="adj2" fmla="val 50000"/>
+                    </a:avLst>
+                  </a:prstGeom>
+                  <a:solidFill>
+                    <a:srgbClr val="FFFFFF"/>
+                  </a:solidFill>
+                  <a:ln>
+                    <a:noFill/>
+                  </a:ln>
+                  <a:effectLst/>
+                </p:spPr>
+                <p:style>
+                  <a:lnRef idx="1">
+                    <a:schemeClr val="accent1"/>
+                  </a:lnRef>
+                  <a:fillRef idx="3">
+                    <a:schemeClr val="accent1"/>
+                  </a:fillRef>
+                  <a:effectRef idx="2">
+                    <a:schemeClr val="accent1"/>
+                  </a:effectRef>
+                  <a:fontRef idx="minor">
+                    <a:schemeClr val="lt1"/>
+                  </a:fontRef>
+                </p:style>
+                <p:txBody>
+                  <a:bodyPr rot="0" spcFirstLastPara="0" vert="horz" wrap="square" lIns="91440" tIns="45720" rIns="91440" bIns="45720" numCol="1" spcCol="0" rtlCol="0" fromWordArt="0" anchor="ctr" anchorCtr="0" forceAA="0" compatLnSpc="1">
+                    <a:prstTxWarp prst="textNoShape">
+                      <a:avLst/>
+                    </a:prstTxWarp>
+                    <a:noAutofit/>
+                  </a:bodyPr>
+                  <a:lstStyle/>
+                  <a:p>
+                    <a:endParaRPr lang="fr-FR"/>
+                  </a:p>
+                </p:txBody>
+              </p:sp>
+              <p:sp>
+                <p:nvSpPr>
+                  <p:cNvPr id="56" name="Trapèze 55">
+                    <a:extLst>
+                      <a:ext uri="{FF2B5EF4-FFF2-40B4-BE49-F238E27FC236}">
+                        <a16:creationId xmlns:a16="http://schemas.microsoft.com/office/drawing/2014/main" xmlns="" id="{03703774-D6EF-4E04-B1CD-70CC0EDEA982}"/>
+                      </a:ext>
+                    </a:extLst>
+                  </p:cNvPr>
+                  <p:cNvSpPr/>
+                  <p:nvPr/>
+                </p:nvSpPr>
+                <p:spPr>
+                  <a:xfrm>
+                    <a:off x="5080" y="0"/>
+                    <a:ext cx="622300" cy="198120"/>
+                  </a:xfrm>
+                  <a:prstGeom prst="trapezoid">
+                    <a:avLst>
+                      <a:gd name="adj" fmla="val 45513"/>
+                    </a:avLst>
+                  </a:prstGeom>
+                  <a:solidFill>
+                    <a:srgbClr val="FFFFFF"/>
+                  </a:solidFill>
+                  <a:ln>
+                    <a:solidFill>
+                      <a:srgbClr val="FFFFFF"/>
+                    </a:solidFill>
+                  </a:ln>
+                  <a:effectLst/>
+                </p:spPr>
+                <p:style>
+                  <a:lnRef idx="1">
+                    <a:schemeClr val="accent1"/>
+                  </a:lnRef>
+                  <a:fillRef idx="3">
+                    <a:schemeClr val="accent1"/>
+                  </a:fillRef>
+                  <a:effectRef idx="2">
+                    <a:schemeClr val="accent1"/>
+                  </a:effectRef>
+                  <a:fontRef idx="minor">
+                    <a:schemeClr val="lt1"/>
+                  </a:fontRef>
+                </p:style>
+                <p:txBody>
+                  <a:bodyPr rot="0" spcFirstLastPara="0" vert="horz" wrap="square" lIns="91440" tIns="45720" rIns="91440" bIns="45720" numCol="1" spcCol="0" rtlCol="0" fromWordArt="0" anchor="ctr" anchorCtr="0" forceAA="0" compatLnSpc="1">
+                    <a:prstTxWarp prst="textNoShape">
+                      <a:avLst/>
+                    </a:prstTxWarp>
+                    <a:noAutofit/>
+                  </a:bodyPr>
+                  <a:lstStyle/>
+                  <a:p>
+                    <a:endParaRPr lang="fr-FR"/>
+                  </a:p>
+                </p:txBody>
+              </p:sp>
+            </p:grpSp>
+          </p:grpSp>
+          <p:cxnSp>
+            <p:nvCxnSpPr>
+              <p:cNvPr id="42" name="Connecteur droit 41">
+                <a:extLst>
+                  <a:ext uri="{FF2B5EF4-FFF2-40B4-BE49-F238E27FC236}">
+                    <a16:creationId xmlns:a16="http://schemas.microsoft.com/office/drawing/2014/main" xmlns="" id="{8F35840E-9A58-421E-BACD-E41738526BD4}"/>
+                  </a:ext>
+                </a:extLst>
+              </p:cNvPr>
+              <p:cNvCxnSpPr/>
+              <p:nvPr/>
+            </p:nvCxnSpPr>
+            <p:spPr>
+              <a:xfrm>
+                <a:off x="7100618" y="5043855"/>
+                <a:ext cx="1065125" cy="0"/>
+              </a:xfrm>
+              <a:prstGeom prst="line">
+                <a:avLst/>
+              </a:prstGeom>
+              <a:ln w="9525" cmpd="sng">
+                <a:solidFill>
+                  <a:schemeClr val="tx1"/>
+                </a:solidFill>
+              </a:ln>
+              <a:effectLst/>
+            </p:spPr>
+            <p:style>
+              <a:lnRef idx="2">
+                <a:schemeClr val="accent1"/>
+              </a:lnRef>
+              <a:fillRef idx="0">
+                <a:schemeClr val="accent1"/>
+              </a:fillRef>
+              <a:effectRef idx="1">
+                <a:schemeClr val="accent1"/>
+              </a:effectRef>
+              <a:fontRef idx="minor">
+                <a:schemeClr val="tx1"/>
+              </a:fontRef>
+            </p:style>
+          </p:cxnSp>
+          <p:sp>
+            <p:nvSpPr>
+              <p:cNvPr id="43" name="Rectangle 42">
+                <a:extLst>
+                  <a:ext uri="{FF2B5EF4-FFF2-40B4-BE49-F238E27FC236}">
+                    <a16:creationId xmlns:a16="http://schemas.microsoft.com/office/drawing/2014/main" xmlns="" id="{E3099697-078A-40A9-B7C9-15D3135CB506}"/>
+                  </a:ext>
+                </a:extLst>
+              </p:cNvPr>
+              <p:cNvSpPr/>
+              <p:nvPr/>
+            </p:nvSpPr>
+            <p:spPr>
+              <a:xfrm rot="16200000">
+                <a:off x="7153018" y="4199365"/>
+                <a:ext cx="211112" cy="285018"/>
+              </a:xfrm>
+              <a:prstGeom prst="rect">
+                <a:avLst/>
+              </a:prstGeom>
+              <a:solidFill>
+                <a:schemeClr val="bg1"/>
+              </a:solidFill>
+              <a:ln>
+                <a:solidFill>
+                  <a:schemeClr val="tx1"/>
+                </a:solidFill>
+              </a:ln>
+              <a:effectLst/>
+            </p:spPr>
+            <p:style>
+              <a:lnRef idx="1">
+                <a:schemeClr val="accent1"/>
+              </a:lnRef>
+              <a:fillRef idx="3">
+                <a:schemeClr val="accent1"/>
+              </a:fillRef>
+              <a:effectRef idx="2">
+                <a:schemeClr val="accent1"/>
+              </a:effectRef>
+              <a:fontRef idx="minor">
+                <a:schemeClr val="lt1"/>
+              </a:fontRef>
+            </p:style>
+            <p:txBody>
+              <a:bodyPr rot="0" spcFirstLastPara="0" vert="horz" wrap="square" lIns="91440" tIns="45720" rIns="91440" bIns="45720" numCol="1" spcCol="0" rtlCol="0" fromWordArt="0" anchor="ctr" anchorCtr="0" forceAA="0" compatLnSpc="1">
+                <a:prstTxWarp prst="textNoShape">
+                  <a:avLst/>
+                </a:prstTxWarp>
+                <a:noAutofit/>
+              </a:bodyPr>
+              <a:lstStyle/>
+              <a:p>
+                <a:endParaRPr lang="fr-FR"/>
+              </a:p>
+            </p:txBody>
+          </p:sp>
+          <p:sp>
+            <p:nvSpPr>
+              <p:cNvPr id="44" name="Rectangle 43">
+                <a:extLst>
+                  <a:ext uri="{FF2B5EF4-FFF2-40B4-BE49-F238E27FC236}">
+                    <a16:creationId xmlns:a16="http://schemas.microsoft.com/office/drawing/2014/main" xmlns="" id="{4EBB177B-E762-403F-BCFD-E1F1AAC487D3}"/>
+                  </a:ext>
+                </a:extLst>
+              </p:cNvPr>
+              <p:cNvSpPr/>
+              <p:nvPr/>
+            </p:nvSpPr>
+            <p:spPr>
+              <a:xfrm rot="16200000">
+                <a:off x="7146262" y="4062451"/>
+                <a:ext cx="180000" cy="576000"/>
+              </a:xfrm>
+              <a:prstGeom prst="rect">
+                <a:avLst/>
+              </a:prstGeom>
+              <a:solidFill>
+                <a:schemeClr val="bg1"/>
+              </a:solidFill>
+              <a:ln>
+                <a:noFill/>
+              </a:ln>
+              <a:effectLst/>
+            </p:spPr>
+            <p:style>
+              <a:lnRef idx="1">
+                <a:schemeClr val="accent1"/>
+              </a:lnRef>
+              <a:fillRef idx="3">
+                <a:schemeClr val="accent1"/>
+              </a:fillRef>
+              <a:effectRef idx="2">
+                <a:schemeClr val="accent1"/>
+              </a:effectRef>
+              <a:fontRef idx="minor">
+                <a:schemeClr val="lt1"/>
+              </a:fontRef>
+            </p:style>
+            <p:txBody>
+              <a:bodyPr rot="0" spcFirstLastPara="0" vert="horz" wrap="square" lIns="91440" tIns="45720" rIns="91440" bIns="45720" numCol="1" spcCol="0" rtlCol="0" fromWordArt="0" anchor="ctr" anchorCtr="0" forceAA="0" compatLnSpc="1">
+                <a:prstTxWarp prst="textNoShape">
+                  <a:avLst/>
+                </a:prstTxWarp>
+                <a:noAutofit/>
+              </a:bodyPr>
+              <a:lstStyle/>
+              <a:p>
+                <a:endParaRPr lang="fr-FR"/>
+              </a:p>
+            </p:txBody>
+          </p:sp>
+          <p:sp>
+            <p:nvSpPr>
+              <p:cNvPr id="45" name="Triangle isocèle 44">
+                <a:extLst>
+                  <a:ext uri="{FF2B5EF4-FFF2-40B4-BE49-F238E27FC236}">
+                    <a16:creationId xmlns:a16="http://schemas.microsoft.com/office/drawing/2014/main" xmlns="" id="{F20FFDBD-FF34-4225-B6B6-42595247620A}"/>
+                  </a:ext>
+                </a:extLst>
+              </p:cNvPr>
+              <p:cNvSpPr/>
+              <p:nvPr/>
+            </p:nvSpPr>
+            <p:spPr>
+              <a:xfrm>
+                <a:off x="7185558" y="3198719"/>
+                <a:ext cx="876369" cy="287880"/>
+              </a:xfrm>
+              <a:prstGeom prst="triangle">
+                <a:avLst/>
+              </a:prstGeom>
+              <a:solidFill>
+                <a:schemeClr val="bg1">
+                  <a:lumMod val="75000"/>
+                </a:schemeClr>
+              </a:solidFill>
+              <a:ln>
+                <a:solidFill>
+                  <a:schemeClr val="tx1"/>
+                </a:solidFill>
+              </a:ln>
+              <a:effectLst/>
+            </p:spPr>
+            <p:style>
+              <a:lnRef idx="1">
+                <a:schemeClr val="accent1"/>
+              </a:lnRef>
+              <a:fillRef idx="3">
+                <a:schemeClr val="accent1"/>
+              </a:fillRef>
+              <a:effectRef idx="2">
+                <a:schemeClr val="accent1"/>
+              </a:effectRef>
+              <a:fontRef idx="minor">
+                <a:schemeClr val="lt1"/>
+              </a:fontRef>
+            </p:style>
+            <p:txBody>
+              <a:bodyPr rot="0" spcFirstLastPara="0" vert="horz" wrap="square" lIns="91440" tIns="45720" rIns="91440" bIns="45720" numCol="1" spcCol="0" rtlCol="0" fromWordArt="0" anchor="ctr" anchorCtr="0" forceAA="0" compatLnSpc="1">
+                <a:prstTxWarp prst="textNoShape">
+                  <a:avLst/>
+                </a:prstTxWarp>
+                <a:noAutofit/>
+              </a:bodyPr>
+              <a:lstStyle/>
+              <a:p>
+                <a:endParaRPr lang="fr-FR"/>
+              </a:p>
+            </p:txBody>
+          </p:sp>
+          <p:sp>
+            <p:nvSpPr>
+              <p:cNvPr id="46" name="Triangle isocèle 45">
+                <a:extLst>
+                  <a:ext uri="{FF2B5EF4-FFF2-40B4-BE49-F238E27FC236}">
+                    <a16:creationId xmlns:a16="http://schemas.microsoft.com/office/drawing/2014/main" xmlns="" id="{8D014817-A420-4291-8ABF-A9799D6A092E}"/>
+                  </a:ext>
+                </a:extLst>
+              </p:cNvPr>
+              <p:cNvSpPr/>
+              <p:nvPr/>
+            </p:nvSpPr>
+            <p:spPr>
+              <a:xfrm rot="10800000">
+                <a:off x="7185558" y="3486302"/>
+                <a:ext cx="876369" cy="294079"/>
+              </a:xfrm>
+              <a:prstGeom prst="triangle">
+                <a:avLst/>
+              </a:prstGeom>
+              <a:solidFill>
+                <a:schemeClr val="bg1"/>
+              </a:solidFill>
+              <a:ln>
+                <a:solidFill>
+                  <a:schemeClr val="tx1"/>
+                </a:solidFill>
+              </a:ln>
+              <a:effectLst/>
+            </p:spPr>
+            <p:style>
+              <a:lnRef idx="1">
+                <a:schemeClr val="accent1"/>
+              </a:lnRef>
+              <a:fillRef idx="3">
+                <a:schemeClr val="accent1"/>
+              </a:fillRef>
+              <a:effectRef idx="2">
+                <a:schemeClr val="accent1"/>
+              </a:effectRef>
+              <a:fontRef idx="minor">
+                <a:schemeClr val="lt1"/>
+              </a:fontRef>
+            </p:style>
+            <p:txBody>
+              <a:bodyPr rot="0" spcFirstLastPara="0" vert="horz" wrap="square" lIns="91440" tIns="45720" rIns="91440" bIns="45720" numCol="1" spcCol="0" rtlCol="0" fromWordArt="0" anchor="ctr" anchorCtr="0" forceAA="0" compatLnSpc="1">
+                <a:prstTxWarp prst="textNoShape">
+                  <a:avLst/>
+                </a:prstTxWarp>
+                <a:noAutofit/>
+              </a:bodyPr>
+              <a:lstStyle/>
+              <a:p>
+                <a:endParaRPr lang="fr-FR"/>
+              </a:p>
+            </p:txBody>
+          </p:sp>
+          <p:sp>
+            <p:nvSpPr>
+              <p:cNvPr id="47" name="Rectangle 46">
+                <a:extLst>
+                  <a:ext uri="{FF2B5EF4-FFF2-40B4-BE49-F238E27FC236}">
+                    <a16:creationId xmlns:a16="http://schemas.microsoft.com/office/drawing/2014/main" xmlns="" id="{3325EB11-CEAD-4248-9094-97847FF1CB90}"/>
+                  </a:ext>
+                </a:extLst>
+              </p:cNvPr>
+              <p:cNvSpPr/>
+              <p:nvPr/>
+            </p:nvSpPr>
+            <p:spPr>
+              <a:xfrm>
+                <a:off x="7461072" y="3616264"/>
+                <a:ext cx="315183" cy="477952"/>
+              </a:xfrm>
+              <a:prstGeom prst="rect">
+                <a:avLst/>
+              </a:prstGeom>
+              <a:solidFill>
+                <a:schemeClr val="bg1"/>
+              </a:solidFill>
+              <a:ln>
+                <a:noFill/>
+              </a:ln>
+              <a:effectLst/>
+            </p:spPr>
+            <p:style>
+              <a:lnRef idx="1">
+                <a:schemeClr val="accent1"/>
+              </a:lnRef>
+              <a:fillRef idx="3">
+                <a:schemeClr val="accent1"/>
+              </a:fillRef>
+              <a:effectRef idx="2">
+                <a:schemeClr val="accent1"/>
+              </a:effectRef>
+              <a:fontRef idx="minor">
+                <a:schemeClr val="lt1"/>
+              </a:fontRef>
+            </p:style>
+            <p:txBody>
+              <a:bodyPr rot="0" spcFirstLastPara="0" vert="horz" wrap="square" lIns="91440" tIns="45720" rIns="91440" bIns="45720" numCol="1" spcCol="0" rtlCol="0" fromWordArt="0" anchor="ctr" anchorCtr="0" forceAA="0" compatLnSpc="1">
+                <a:prstTxWarp prst="textNoShape">
+                  <a:avLst/>
+                </a:prstTxWarp>
+                <a:noAutofit/>
+              </a:bodyPr>
+              <a:lstStyle/>
+              <a:p>
+                <a:endParaRPr lang="fr-FR"/>
+              </a:p>
+            </p:txBody>
+          </p:sp>
+          <p:sp>
+            <p:nvSpPr>
+              <p:cNvPr id="48" name="Rectangle 47">
+                <a:extLst>
+                  <a:ext uri="{FF2B5EF4-FFF2-40B4-BE49-F238E27FC236}">
+                    <a16:creationId xmlns:a16="http://schemas.microsoft.com/office/drawing/2014/main" xmlns="" id="{26CA3F78-CDBF-4700-9BEA-0687B5C93C88}"/>
+                  </a:ext>
+                </a:extLst>
+              </p:cNvPr>
+              <p:cNvSpPr/>
+              <p:nvPr/>
+            </p:nvSpPr>
+            <p:spPr>
+              <a:xfrm>
+                <a:off x="7433714" y="3675873"/>
+                <a:ext cx="375663" cy="418337"/>
+              </a:xfrm>
+              <a:prstGeom prst="rect">
+                <a:avLst/>
+              </a:prstGeom>
+              <a:solidFill>
+                <a:schemeClr val="bg1"/>
+              </a:solidFill>
+              <a:ln w="12700">
+                <a:solidFill>
+                  <a:schemeClr val="tx1"/>
+                </a:solidFill>
+              </a:ln>
+            </p:spPr>
+            <p:style>
+              <a:lnRef idx="2">
+                <a:schemeClr val="accent1">
+                  <a:shade val="50000"/>
+                </a:schemeClr>
+              </a:lnRef>
+              <a:fillRef idx="1">
+                <a:schemeClr val="accent1"/>
+              </a:fillRef>
+              <a:effectRef idx="0">
+                <a:schemeClr val="accent1"/>
+              </a:effectRef>
+              <a:fontRef idx="minor">
+                <a:schemeClr val="lt1"/>
+              </a:fontRef>
+            </p:style>
+            <p:txBody>
+              <a:bodyPr rtlCol="0" anchor="ctr"/>
+              <a:lstStyle/>
+              <a:p>
+                <a:pPr algn="ctr"/>
+                <a:endParaRPr lang="fr-FR"/>
+              </a:p>
+            </p:txBody>
+          </p:sp>
+          <p:sp>
+            <p:nvSpPr>
+              <p:cNvPr id="49" name="Rectangle 48">
+                <a:extLst>
+                  <a:ext uri="{FF2B5EF4-FFF2-40B4-BE49-F238E27FC236}">
+                    <a16:creationId xmlns:a16="http://schemas.microsoft.com/office/drawing/2014/main" xmlns="" id="{349062FD-68B8-4364-BBD4-B47A2F94D1FE}"/>
+                  </a:ext>
+                </a:extLst>
+              </p:cNvPr>
+              <p:cNvSpPr/>
+              <p:nvPr/>
+            </p:nvSpPr>
+            <p:spPr>
+              <a:xfrm>
+                <a:off x="7443676" y="3607633"/>
+                <a:ext cx="360000" cy="517382"/>
+              </a:xfrm>
+              <a:prstGeom prst="rect">
+                <a:avLst/>
+              </a:prstGeom>
+              <a:solidFill>
+                <a:schemeClr val="bg1"/>
+              </a:solidFill>
+              <a:ln w="12700">
+                <a:noFill/>
+              </a:ln>
+            </p:spPr>
+            <p:style>
+              <a:lnRef idx="2">
+                <a:schemeClr val="accent1">
+                  <a:shade val="50000"/>
+                </a:schemeClr>
+              </a:lnRef>
+              <a:fillRef idx="1">
+                <a:schemeClr val="accent1"/>
+              </a:fillRef>
+              <a:effectRef idx="0">
+                <a:schemeClr val="accent1"/>
+              </a:effectRef>
+              <a:fontRef idx="minor">
+                <a:schemeClr val="lt1"/>
+              </a:fontRef>
+            </p:style>
+            <p:txBody>
+              <a:bodyPr rtlCol="0" anchor="ctr"/>
+              <a:lstStyle/>
+              <a:p>
+                <a:pPr algn="ctr"/>
+                <a:endParaRPr lang="fr-FR"/>
+              </a:p>
+            </p:txBody>
+          </p:sp>
+        </p:grpSp>
+      </p:grpSp>
     </p:spTree>
   </p:cSld>
   <p:clrMapOvr>
@@ -7693,7 +9089,7 @@
           <p:cNvPr id="7" name="Picture 8" descr="Image illustrative de lâarticle PolystyrÃ¨ne">
             <a:extLst>
               <a:ext uri="{FF2B5EF4-FFF2-40B4-BE49-F238E27FC236}">
-                <a16:creationId xmlns:a16="http://schemas.microsoft.com/office/drawing/2014/main" xmlns="" id="{9DCFE998-1C19-49AC-914B-680A00BC9636}"/>
+                <a16:creationId xmlns="" xmlns:a16="http://schemas.microsoft.com/office/drawing/2014/main" id="{9DCFE998-1C19-49AC-914B-680A00BC9636}"/>
               </a:ext>
             </a:extLst>
           </p:cNvPr>
@@ -7740,7 +9136,7 @@
           <p:cNvPr id="8" name="Picture 10" descr="RÃ©sultat de recherche d'images pour &quot;styrene&quot;">
             <a:extLst>
               <a:ext uri="{FF2B5EF4-FFF2-40B4-BE49-F238E27FC236}">
-                <a16:creationId xmlns:a16="http://schemas.microsoft.com/office/drawing/2014/main" xmlns="" id="{CDF3DB6C-CDBE-4E8E-B46A-AE406D3B7EB0}"/>
+                <a16:creationId xmlns="" xmlns:a16="http://schemas.microsoft.com/office/drawing/2014/main" id="{CDF3DB6C-CDBE-4E8E-B46A-AE406D3B7EB0}"/>
               </a:ext>
             </a:extLst>
           </p:cNvPr>
@@ -7797,7 +9193,7 @@
           <p:cNvPr id="9" name="Picture 12" descr="Image illustrative de lâarticle Nylon">
             <a:extLst>
               <a:ext uri="{FF2B5EF4-FFF2-40B4-BE49-F238E27FC236}">
-                <a16:creationId xmlns:a16="http://schemas.microsoft.com/office/drawing/2014/main" xmlns="" id="{41FFC564-F299-4AA9-A610-67A56872D948}"/>
+                <a16:creationId xmlns="" xmlns:a16="http://schemas.microsoft.com/office/drawing/2014/main" id="{41FFC564-F299-4AA9-A610-67A56872D948}"/>
               </a:ext>
             </a:extLst>
           </p:cNvPr>
@@ -7844,7 +9240,7 @@
           <p:cNvPr id="10" name="Picture 14" descr="Image illustrative de lâarticle HexamÃ©thylÃ¨nediamine">
             <a:extLst>
               <a:ext uri="{FF2B5EF4-FFF2-40B4-BE49-F238E27FC236}">
-                <a16:creationId xmlns:a16="http://schemas.microsoft.com/office/drawing/2014/main" xmlns="" id="{349EDE68-6E8C-4F8E-B590-066E214859C9}"/>
+                <a16:creationId xmlns="" xmlns:a16="http://schemas.microsoft.com/office/drawing/2014/main" id="{349EDE68-6E8C-4F8E-B590-066E214859C9}"/>
               </a:ext>
             </a:extLst>
           </p:cNvPr>
@@ -7891,7 +9287,7 @@
           <p:cNvPr id="11" name="Picture 16" descr="RÃ©sultat de recherche d'images pour &quot;chlorure d'adipoyle&quot;">
             <a:extLst>
               <a:ext uri="{FF2B5EF4-FFF2-40B4-BE49-F238E27FC236}">
-                <a16:creationId xmlns:a16="http://schemas.microsoft.com/office/drawing/2014/main" xmlns="" id="{68703D4B-7715-4E43-A44F-238F6106CC14}"/>
+                <a16:creationId xmlns="" xmlns:a16="http://schemas.microsoft.com/office/drawing/2014/main" id="{68703D4B-7715-4E43-A44F-238F6106CC14}"/>
               </a:ext>
             </a:extLst>
           </p:cNvPr>
@@ -8044,2880 +9440,6 @@
           <a:chExt cx="0" cy="0"/>
         </a:xfrm>
       </p:grpSpPr>
-      <p:sp>
-        <p:nvSpPr>
-          <p:cNvPr id="49" name="ZoneTexte 48">
-            <a:extLst>
-              <a:ext uri="{FF2B5EF4-FFF2-40B4-BE49-F238E27FC236}">
-                <a16:creationId xmlns="" xmlns:a16="http://schemas.microsoft.com/office/drawing/2014/main" id="{2CC6C950-7F79-47D4-8130-41E229F84049}"/>
-              </a:ext>
-            </a:extLst>
-          </p:cNvPr>
-          <p:cNvSpPr txBox="1"/>
-          <p:nvPr/>
-        </p:nvSpPr>
-        <p:spPr>
-          <a:xfrm>
-            <a:off x="2411760" y="1124744"/>
-            <a:ext cx="340158" cy="461665"/>
-          </a:xfrm>
-          <a:prstGeom prst="rect">
-            <a:avLst/>
-          </a:prstGeom>
-          <a:noFill/>
-          <a:ln>
-            <a:solidFill>
-              <a:schemeClr val="accent6">
-                <a:lumMod val="75000"/>
-              </a:schemeClr>
-            </a:solidFill>
-          </a:ln>
-        </p:spPr>
-        <p:txBody>
-          <a:bodyPr wrap="none" rtlCol="0">
-            <a:spAutoFit/>
-          </a:bodyPr>
-          <a:lstStyle/>
-          <a:p>
-            <a:r>
-              <a:rPr lang="fr-FR" sz="2400" b="1" dirty="0">
-                <a:solidFill>
-                  <a:schemeClr val="accent6">
-                    <a:lumMod val="75000"/>
-                  </a:schemeClr>
-                </a:solidFill>
-              </a:rPr>
-              <a:t>1</a:t>
-            </a:r>
-          </a:p>
-        </p:txBody>
-      </p:sp>
-      <p:grpSp>
-        <p:nvGrpSpPr>
-          <p:cNvPr id="100" name="Groupe 99"/>
-          <p:cNvGrpSpPr/>
-          <p:nvPr/>
-        </p:nvGrpSpPr>
-        <p:grpSpPr>
-          <a:xfrm>
-            <a:off x="1797773" y="1295384"/>
-            <a:ext cx="1982139" cy="4005824"/>
-            <a:chOff x="789661" y="1772816"/>
-            <a:chExt cx="1982139" cy="4005824"/>
-          </a:xfrm>
-        </p:grpSpPr>
-        <p:pic>
-          <p:nvPicPr>
-            <p:cNvPr id="48" name="Image 47">
-              <a:extLst>
-                <a:ext uri="{FF2B5EF4-FFF2-40B4-BE49-F238E27FC236}">
-                  <a16:creationId xmlns="" xmlns:a16="http://schemas.microsoft.com/office/drawing/2014/main" id="{53FA6AFA-F328-4610-9E9E-766B56215EB5}"/>
-                </a:ext>
-              </a:extLst>
-            </p:cNvPr>
-            <p:cNvPicPr>
-              <a:picLocks noChangeAspect="1"/>
-            </p:cNvPicPr>
-            <p:nvPr/>
-          </p:nvPicPr>
-          <p:blipFill>
-            <a:blip r:embed="rId2" cstate="print">
-              <a:clrChange>
-                <a:clrFrom>
-                  <a:srgbClr val="FFFFFF"/>
-                </a:clrFrom>
-                <a:clrTo>
-                  <a:srgbClr val="FFFFFF">
-                    <a:alpha val="0"/>
-                  </a:srgbClr>
-                </a:clrTo>
-              </a:clrChange>
-              <a:extLst>
-                <a:ext uri="{28A0092B-C50C-407E-A947-70E740481C1C}">
-                  <a14:useLocalDpi xmlns:a14="http://schemas.microsoft.com/office/drawing/2010/main" val="0"/>
-                </a:ext>
-              </a:extLst>
-            </a:blip>
-            <a:stretch>
-              <a:fillRect/>
-            </a:stretch>
-          </p:blipFill>
-          <p:spPr>
-            <a:xfrm>
-              <a:off x="789661" y="2081087"/>
-              <a:ext cx="1043470" cy="1403469"/>
-            </a:xfrm>
-            <a:prstGeom prst="rect">
-              <a:avLst/>
-            </a:prstGeom>
-          </p:spPr>
-        </p:pic>
-        <p:grpSp>
-          <p:nvGrpSpPr>
-            <p:cNvPr id="99" name="Groupe 98"/>
-            <p:cNvGrpSpPr/>
-            <p:nvPr/>
-          </p:nvGrpSpPr>
-          <p:grpSpPr>
-            <a:xfrm>
-              <a:off x="1280917" y="1772816"/>
-              <a:ext cx="1490883" cy="4005824"/>
-              <a:chOff x="1285806" y="1772816"/>
-              <a:chExt cx="1490883" cy="4005824"/>
-            </a:xfrm>
-          </p:grpSpPr>
-          <p:grpSp>
-            <p:nvGrpSpPr>
-              <p:cNvPr id="2" name="Grouper 444">
-                <a:extLst>
-                  <a:ext uri="{FF2B5EF4-FFF2-40B4-BE49-F238E27FC236}">
-                    <a16:creationId xmlns="" xmlns:a16="http://schemas.microsoft.com/office/drawing/2014/main" id="{656AC9F3-480F-49EE-B07A-BAB39F93A244}"/>
-                  </a:ext>
-                </a:extLst>
-              </p:cNvPr>
-              <p:cNvGrpSpPr/>
-              <p:nvPr/>
-            </p:nvGrpSpPr>
-            <p:grpSpPr>
-              <a:xfrm>
-                <a:off x="1295745" y="3265282"/>
-                <a:ext cx="1462935" cy="1062395"/>
-                <a:chOff x="-421" y="0"/>
-                <a:chExt cx="571921" cy="824230"/>
-              </a:xfrm>
-            </p:grpSpPr>
-            <p:sp>
-              <p:nvSpPr>
-                <p:cNvPr id="3" name="Arrondir un rectangle avec un coin du même côté 49">
-                  <a:extLst>
-                    <a:ext uri="{FF2B5EF4-FFF2-40B4-BE49-F238E27FC236}">
-                      <a16:creationId xmlns="" xmlns:a16="http://schemas.microsoft.com/office/drawing/2014/main" id="{4B1ADF7B-8989-46DB-92D4-8756CCA74AC8}"/>
-                    </a:ext>
-                  </a:extLst>
-                </p:cNvPr>
-                <p:cNvSpPr/>
-                <p:nvPr/>
-              </p:nvSpPr>
-              <p:spPr>
-                <a:xfrm rot="10800000">
-                  <a:off x="-421" y="273052"/>
-                  <a:ext cx="571500" cy="551178"/>
-                </a:xfrm>
-                <a:prstGeom prst="round2SameRect">
-                  <a:avLst/>
-                </a:prstGeom>
-                <a:solidFill>
-                  <a:schemeClr val="accent6">
-                    <a:lumMod val="20000"/>
-                    <a:lumOff val="80000"/>
-                  </a:schemeClr>
-                </a:solidFill>
-                <a:ln>
-                  <a:solidFill>
-                    <a:srgbClr val="000000"/>
-                  </a:solidFill>
-                </a:ln>
-                <a:effectLst/>
-              </p:spPr>
-              <p:style>
-                <a:lnRef idx="1">
-                  <a:schemeClr val="accent1"/>
-                </a:lnRef>
-                <a:fillRef idx="3">
-                  <a:schemeClr val="accent1"/>
-                </a:fillRef>
-                <a:effectRef idx="2">
-                  <a:schemeClr val="accent1"/>
-                </a:effectRef>
-                <a:fontRef idx="minor">
-                  <a:schemeClr val="lt1"/>
-                </a:fontRef>
-              </p:style>
-              <p:txBody>
-                <a:bodyPr rot="0" spcFirstLastPara="0" vert="horz" wrap="square" lIns="91440" tIns="45720" rIns="91440" bIns="45720" numCol="1" spcCol="0" rtlCol="0" fromWordArt="0" anchor="ctr" anchorCtr="0" forceAA="0" compatLnSpc="1">
-                  <a:prstTxWarp prst="textNoShape">
-                    <a:avLst/>
-                  </a:prstTxWarp>
-                  <a:noAutofit/>
-                </a:bodyPr>
-                <a:lstStyle/>
-                <a:p>
-                  <a:endParaRPr lang="fr-FR"/>
-                </a:p>
-              </p:txBody>
-            </p:sp>
-            <p:grpSp>
-              <p:nvGrpSpPr>
-                <p:cNvPr id="4" name="Grouper 441">
-                  <a:extLst>
-                    <a:ext uri="{FF2B5EF4-FFF2-40B4-BE49-F238E27FC236}">
-                      <a16:creationId xmlns="" xmlns:a16="http://schemas.microsoft.com/office/drawing/2014/main" id="{C20390D7-F44E-4DF9-A16D-B687EE5273F6}"/>
-                    </a:ext>
-                  </a:extLst>
-                </p:cNvPr>
-                <p:cNvGrpSpPr/>
-                <p:nvPr/>
-              </p:nvGrpSpPr>
-              <p:grpSpPr>
-                <a:xfrm>
-                  <a:off x="0" y="0"/>
-                  <a:ext cx="571500" cy="824230"/>
-                  <a:chOff x="0" y="0"/>
-                  <a:chExt cx="571500" cy="824230"/>
-                </a:xfrm>
-              </p:grpSpPr>
-              <p:sp>
-                <p:nvSpPr>
-                  <p:cNvPr id="5" name="Arrondir un rectangle avec un coin du même côté 442">
-                    <a:extLst>
-                      <a:ext uri="{FF2B5EF4-FFF2-40B4-BE49-F238E27FC236}">
-                        <a16:creationId xmlns="" xmlns:a16="http://schemas.microsoft.com/office/drawing/2014/main" id="{B9B895E7-0769-4189-89B4-88E8505F3051}"/>
-                      </a:ext>
-                    </a:extLst>
-                  </p:cNvPr>
-                  <p:cNvSpPr/>
-                  <p:nvPr/>
-                </p:nvSpPr>
-                <p:spPr>
-                  <a:xfrm rot="10800000">
-                    <a:off x="0" y="24130"/>
-                    <a:ext cx="571500" cy="800100"/>
-                  </a:xfrm>
-                  <a:prstGeom prst="round2SameRect">
-                    <a:avLst/>
-                  </a:prstGeom>
-                  <a:noFill/>
-                  <a:ln>
-                    <a:solidFill>
-                      <a:schemeClr val="tx1"/>
-                    </a:solidFill>
-                  </a:ln>
-                  <a:effectLst/>
-                </p:spPr>
-                <p:style>
-                  <a:lnRef idx="1">
-                    <a:schemeClr val="accent1"/>
-                  </a:lnRef>
-                  <a:fillRef idx="3">
-                    <a:schemeClr val="accent1"/>
-                  </a:fillRef>
-                  <a:effectRef idx="2">
-                    <a:schemeClr val="accent1"/>
-                  </a:effectRef>
-                  <a:fontRef idx="minor">
-                    <a:schemeClr val="lt1"/>
-                  </a:fontRef>
-                </p:style>
-                <p:txBody>
-                  <a:bodyPr rot="0" spcFirstLastPara="0" vert="horz" wrap="square" lIns="91440" tIns="45720" rIns="91440" bIns="45720" numCol="1" spcCol="0" rtlCol="0" fromWordArt="0" anchor="ctr" anchorCtr="0" forceAA="0" compatLnSpc="1">
-                    <a:prstTxWarp prst="textNoShape">
-                      <a:avLst/>
-                    </a:prstTxWarp>
-                    <a:noAutofit/>
-                  </a:bodyPr>
-                  <a:lstStyle/>
-                  <a:p>
-                    <a:endParaRPr lang="fr-FR"/>
-                  </a:p>
-                </p:txBody>
-              </p:sp>
-              <p:sp>
-                <p:nvSpPr>
-                  <p:cNvPr id="6" name="Rectangle 5">
-                    <a:extLst>
-                      <a:ext uri="{FF2B5EF4-FFF2-40B4-BE49-F238E27FC236}">
-                        <a16:creationId xmlns="" xmlns:a16="http://schemas.microsoft.com/office/drawing/2014/main" id="{732AB1E3-DDDF-4B68-AD40-D4099633B26E}"/>
-                      </a:ext>
-                    </a:extLst>
-                  </p:cNvPr>
-                  <p:cNvSpPr/>
-                  <p:nvPr/>
-                </p:nvSpPr>
-                <p:spPr>
-                  <a:xfrm flipV="1">
-                    <a:off x="0" y="0"/>
-                    <a:ext cx="571500" cy="45085"/>
-                  </a:xfrm>
-                  <a:prstGeom prst="rect">
-                    <a:avLst/>
-                  </a:prstGeom>
-                  <a:solidFill>
-                    <a:srgbClr val="FFFFFF"/>
-                  </a:solidFill>
-                  <a:ln>
-                    <a:solidFill>
-                      <a:schemeClr val="bg1"/>
-                    </a:solidFill>
-                  </a:ln>
-                  <a:effectLst/>
-                </p:spPr>
-                <p:style>
-                  <a:lnRef idx="1">
-                    <a:schemeClr val="accent1"/>
-                  </a:lnRef>
-                  <a:fillRef idx="3">
-                    <a:schemeClr val="accent1"/>
-                  </a:fillRef>
-                  <a:effectRef idx="2">
-                    <a:schemeClr val="accent1"/>
-                  </a:effectRef>
-                  <a:fontRef idx="minor">
-                    <a:schemeClr val="lt1"/>
-                  </a:fontRef>
-                </p:style>
-                <p:txBody>
-                  <a:bodyPr rot="0" spcFirstLastPara="0" vert="horz" wrap="square" lIns="91440" tIns="45720" rIns="91440" bIns="45720" numCol="1" spcCol="0" rtlCol="0" fromWordArt="0" anchor="ctr" anchorCtr="0" forceAA="0" compatLnSpc="1">
-                    <a:prstTxWarp prst="textNoShape">
-                      <a:avLst/>
-                    </a:prstTxWarp>
-                    <a:noAutofit/>
-                  </a:bodyPr>
-                  <a:lstStyle/>
-                  <a:p>
-                    <a:endParaRPr lang="fr-FR"/>
-                  </a:p>
-                </p:txBody>
-              </p:sp>
-            </p:grpSp>
-          </p:grpSp>
-          <p:grpSp>
-            <p:nvGrpSpPr>
-              <p:cNvPr id="7" name="Grouper 1156">
-                <a:extLst>
-                  <a:ext uri="{FF2B5EF4-FFF2-40B4-BE49-F238E27FC236}">
-                    <a16:creationId xmlns="" xmlns:a16="http://schemas.microsoft.com/office/drawing/2014/main" id="{DD7FDBDA-4721-4E4E-AD0C-4DA8335C3C0A}"/>
-                  </a:ext>
-                </a:extLst>
-              </p:cNvPr>
-              <p:cNvGrpSpPr/>
-              <p:nvPr/>
-            </p:nvGrpSpPr>
-            <p:grpSpPr>
-              <a:xfrm>
-                <a:off x="1285807" y="4622920"/>
-                <a:ext cx="1490882" cy="1155720"/>
-                <a:chOff x="0" y="0"/>
-                <a:chExt cx="1156970" cy="815340"/>
-              </a:xfrm>
-            </p:grpSpPr>
-            <p:sp>
-              <p:nvSpPr>
-                <p:cNvPr id="8" name="Rectangle 7">
-                  <a:extLst>
-                    <a:ext uri="{FF2B5EF4-FFF2-40B4-BE49-F238E27FC236}">
-                      <a16:creationId xmlns="" xmlns:a16="http://schemas.microsoft.com/office/drawing/2014/main" id="{DA3A9EB2-CF52-4A30-A692-1E416A7C4108}"/>
-                    </a:ext>
-                  </a:extLst>
-                </p:cNvPr>
-                <p:cNvSpPr/>
-                <p:nvPr/>
-              </p:nvSpPr>
-              <p:spPr>
-                <a:xfrm>
-                  <a:off x="0" y="0"/>
-                  <a:ext cx="1143000" cy="100330"/>
-                </a:xfrm>
-                <a:prstGeom prst="rect">
-                  <a:avLst/>
-                </a:prstGeom>
-                <a:solidFill>
-                  <a:srgbClr val="BFBFBF"/>
-                </a:solidFill>
-                <a:ln>
-                  <a:solidFill>
-                    <a:schemeClr val="tx1"/>
-                  </a:solidFill>
-                </a:ln>
-                <a:effectLst/>
-              </p:spPr>
-              <p:style>
-                <a:lnRef idx="1">
-                  <a:schemeClr val="accent1"/>
-                </a:lnRef>
-                <a:fillRef idx="3">
-                  <a:schemeClr val="accent1"/>
-                </a:fillRef>
-                <a:effectRef idx="2">
-                  <a:schemeClr val="accent1"/>
-                </a:effectRef>
-                <a:fontRef idx="minor">
-                  <a:schemeClr val="lt1"/>
-                </a:fontRef>
-              </p:style>
-              <p:txBody>
-                <a:bodyPr rot="0" spcFirstLastPara="0" vert="horz" wrap="square" lIns="91440" tIns="45720" rIns="91440" bIns="45720" numCol="1" spcCol="0" rtlCol="0" fromWordArt="0" anchor="ctr" anchorCtr="0" forceAA="0" compatLnSpc="1">
-                  <a:prstTxWarp prst="textNoShape">
-                    <a:avLst/>
-                  </a:prstTxWarp>
-                  <a:noAutofit/>
-                </a:bodyPr>
-                <a:lstStyle/>
-                <a:p>
-                  <a:endParaRPr lang="fr-FR"/>
-                </a:p>
-              </p:txBody>
-            </p:sp>
-            <p:sp>
-              <p:nvSpPr>
-                <p:cNvPr id="9" name="Rectangle 8">
-                  <a:extLst>
-                    <a:ext uri="{FF2B5EF4-FFF2-40B4-BE49-F238E27FC236}">
-                      <a16:creationId xmlns="" xmlns:a16="http://schemas.microsoft.com/office/drawing/2014/main" id="{0ECD4ACF-C5A8-4845-8F4A-62E2B2E83EC1}"/>
-                    </a:ext>
-                  </a:extLst>
-                </p:cNvPr>
-                <p:cNvSpPr/>
-                <p:nvPr/>
-              </p:nvSpPr>
-              <p:spPr>
-                <a:xfrm>
-                  <a:off x="13970" y="715010"/>
-                  <a:ext cx="1143000" cy="100330"/>
-                </a:xfrm>
-                <a:prstGeom prst="rect">
-                  <a:avLst/>
-                </a:prstGeom>
-                <a:solidFill>
-                  <a:srgbClr val="BFBFBF"/>
-                </a:solidFill>
-                <a:ln>
-                  <a:solidFill>
-                    <a:schemeClr val="tx1"/>
-                  </a:solidFill>
-                </a:ln>
-                <a:effectLst/>
-              </p:spPr>
-              <p:style>
-                <a:lnRef idx="1">
-                  <a:schemeClr val="accent1"/>
-                </a:lnRef>
-                <a:fillRef idx="3">
-                  <a:schemeClr val="accent1"/>
-                </a:fillRef>
-                <a:effectRef idx="2">
-                  <a:schemeClr val="accent1"/>
-                </a:effectRef>
-                <a:fontRef idx="minor">
-                  <a:schemeClr val="lt1"/>
-                </a:fontRef>
-              </p:style>
-              <p:txBody>
-                <a:bodyPr rot="0" spcFirstLastPara="0" vert="horz" wrap="square" lIns="91440" tIns="45720" rIns="91440" bIns="45720" numCol="1" spcCol="0" rtlCol="0" fromWordArt="0" anchor="ctr" anchorCtr="0" forceAA="0" compatLnSpc="1">
-                  <a:prstTxWarp prst="textNoShape">
-                    <a:avLst/>
-                  </a:prstTxWarp>
-                  <a:noAutofit/>
-                </a:bodyPr>
-                <a:lstStyle/>
-                <a:p>
-                  <a:endParaRPr lang="fr-FR"/>
-                </a:p>
-              </p:txBody>
-            </p:sp>
-            <p:cxnSp>
-              <p:nvCxnSpPr>
-                <p:cNvPr id="10" name="Connecteur droit 9">
-                  <a:extLst>
-                    <a:ext uri="{FF2B5EF4-FFF2-40B4-BE49-F238E27FC236}">
-                      <a16:creationId xmlns="" xmlns:a16="http://schemas.microsoft.com/office/drawing/2014/main" id="{29C6A009-C639-4B70-862E-1B2100CF509B}"/>
-                    </a:ext>
-                  </a:extLst>
-                </p:cNvPr>
-                <p:cNvCxnSpPr/>
-                <p:nvPr/>
-              </p:nvCxnSpPr>
-              <p:spPr>
-                <a:xfrm>
-                  <a:off x="113665" y="100330"/>
-                  <a:ext cx="924227" cy="304800"/>
-                </a:xfrm>
-                <a:prstGeom prst="line">
-                  <a:avLst/>
-                </a:prstGeom>
-                <a:ln w="12700" cmpd="sng">
-                  <a:solidFill>
-                    <a:schemeClr val="tx1"/>
-                  </a:solidFill>
-                </a:ln>
-                <a:effectLst/>
-              </p:spPr>
-              <p:style>
-                <a:lnRef idx="2">
-                  <a:schemeClr val="accent1"/>
-                </a:lnRef>
-                <a:fillRef idx="0">
-                  <a:schemeClr val="accent1"/>
-                </a:fillRef>
-                <a:effectRef idx="1">
-                  <a:schemeClr val="accent1"/>
-                </a:effectRef>
-                <a:fontRef idx="minor">
-                  <a:schemeClr val="tx1"/>
-                </a:fontRef>
-              </p:style>
-            </p:cxnSp>
-            <p:cxnSp>
-              <p:nvCxnSpPr>
-                <p:cNvPr id="11" name="Connecteur droit 10">
-                  <a:extLst>
-                    <a:ext uri="{FF2B5EF4-FFF2-40B4-BE49-F238E27FC236}">
-                      <a16:creationId xmlns="" xmlns:a16="http://schemas.microsoft.com/office/drawing/2014/main" id="{C7D2058C-F800-47FE-B4A2-02B0876DE70B}"/>
-                    </a:ext>
-                  </a:extLst>
-                </p:cNvPr>
-                <p:cNvCxnSpPr/>
-                <p:nvPr/>
-              </p:nvCxnSpPr>
-              <p:spPr>
-                <a:xfrm flipH="1">
-                  <a:off x="113665" y="100330"/>
-                  <a:ext cx="924862" cy="304800"/>
-                </a:xfrm>
-                <a:prstGeom prst="line">
-                  <a:avLst/>
-                </a:prstGeom>
-                <a:ln w="12700" cmpd="sng">
-                  <a:solidFill>
-                    <a:schemeClr val="tx1"/>
-                  </a:solidFill>
-                </a:ln>
-                <a:effectLst/>
-              </p:spPr>
-              <p:style>
-                <a:lnRef idx="2">
-                  <a:schemeClr val="accent1"/>
-                </a:lnRef>
-                <a:fillRef idx="0">
-                  <a:schemeClr val="accent1"/>
-                </a:fillRef>
-                <a:effectRef idx="1">
-                  <a:schemeClr val="accent1"/>
-                </a:effectRef>
-                <a:fontRef idx="minor">
-                  <a:schemeClr val="tx1"/>
-                </a:fontRef>
-              </p:style>
-            </p:cxnSp>
-            <p:cxnSp>
-              <p:nvCxnSpPr>
-                <p:cNvPr id="12" name="Connecteur droit 11">
-                  <a:extLst>
-                    <a:ext uri="{FF2B5EF4-FFF2-40B4-BE49-F238E27FC236}">
-                      <a16:creationId xmlns="" xmlns:a16="http://schemas.microsoft.com/office/drawing/2014/main" id="{4EA63120-E227-4EB6-A530-6E8A2CE0B2F5}"/>
-                    </a:ext>
-                  </a:extLst>
-                </p:cNvPr>
-                <p:cNvCxnSpPr/>
-                <p:nvPr/>
-              </p:nvCxnSpPr>
-              <p:spPr>
-                <a:xfrm>
-                  <a:off x="113665" y="405130"/>
-                  <a:ext cx="924227" cy="304800"/>
-                </a:xfrm>
-                <a:prstGeom prst="line">
-                  <a:avLst/>
-                </a:prstGeom>
-                <a:ln w="12700" cmpd="sng">
-                  <a:solidFill>
-                    <a:schemeClr val="tx1"/>
-                  </a:solidFill>
-                </a:ln>
-                <a:effectLst/>
-              </p:spPr>
-              <p:style>
-                <a:lnRef idx="2">
-                  <a:schemeClr val="accent1"/>
-                </a:lnRef>
-                <a:fillRef idx="0">
-                  <a:schemeClr val="accent1"/>
-                </a:fillRef>
-                <a:effectRef idx="1">
-                  <a:schemeClr val="accent1"/>
-                </a:effectRef>
-                <a:fontRef idx="minor">
-                  <a:schemeClr val="tx1"/>
-                </a:fontRef>
-              </p:style>
-            </p:cxnSp>
-            <p:cxnSp>
-              <p:nvCxnSpPr>
-                <p:cNvPr id="13" name="Connecteur droit 12">
-                  <a:extLst>
-                    <a:ext uri="{FF2B5EF4-FFF2-40B4-BE49-F238E27FC236}">
-                      <a16:creationId xmlns="" xmlns:a16="http://schemas.microsoft.com/office/drawing/2014/main" id="{D8DCB5F7-6410-46D6-8ECC-6480E1B40781}"/>
-                    </a:ext>
-                  </a:extLst>
-                </p:cNvPr>
-                <p:cNvCxnSpPr/>
-                <p:nvPr/>
-              </p:nvCxnSpPr>
-              <p:spPr>
-                <a:xfrm flipH="1">
-                  <a:off x="113665" y="405130"/>
-                  <a:ext cx="924560" cy="304800"/>
-                </a:xfrm>
-                <a:prstGeom prst="line">
-                  <a:avLst/>
-                </a:prstGeom>
-                <a:ln w="12700" cmpd="sng">
-                  <a:solidFill>
-                    <a:schemeClr val="tx1"/>
-                  </a:solidFill>
-                </a:ln>
-                <a:effectLst/>
-              </p:spPr>
-              <p:style>
-                <a:lnRef idx="2">
-                  <a:schemeClr val="accent1"/>
-                </a:lnRef>
-                <a:fillRef idx="0">
-                  <a:schemeClr val="accent1"/>
-                </a:fillRef>
-                <a:effectRef idx="1">
-                  <a:schemeClr val="accent1"/>
-                </a:effectRef>
-                <a:fontRef idx="minor">
-                  <a:schemeClr val="tx1"/>
-                </a:fontRef>
-              </p:style>
-            </p:cxnSp>
-          </p:grpSp>
-          <p:grpSp>
-            <p:nvGrpSpPr>
-              <p:cNvPr id="14" name="Grouper 1286">
-                <a:extLst>
-                  <a:ext uri="{FF2B5EF4-FFF2-40B4-BE49-F238E27FC236}">
-                    <a16:creationId xmlns="" xmlns:a16="http://schemas.microsoft.com/office/drawing/2014/main" id="{EA11ADE9-7A80-4DE7-BC94-0A03909F0492}"/>
-                  </a:ext>
-                </a:extLst>
-              </p:cNvPr>
-              <p:cNvGrpSpPr/>
-              <p:nvPr/>
-            </p:nvGrpSpPr>
-            <p:grpSpPr>
-              <a:xfrm>
-                <a:off x="1580382" y="3000952"/>
-                <a:ext cx="893548" cy="1252030"/>
-                <a:chOff x="0" y="0"/>
-                <a:chExt cx="693420" cy="883285"/>
-              </a:xfrm>
-            </p:grpSpPr>
-            <p:grpSp>
-              <p:nvGrpSpPr>
-                <p:cNvPr id="15" name="Grouper 1231">
-                  <a:extLst>
-                    <a:ext uri="{FF2B5EF4-FFF2-40B4-BE49-F238E27FC236}">
-                      <a16:creationId xmlns="" xmlns:a16="http://schemas.microsoft.com/office/drawing/2014/main" id="{AEE0D83C-875A-41EB-983B-1EA5793A3501}"/>
-                    </a:ext>
-                  </a:extLst>
-                </p:cNvPr>
-                <p:cNvGrpSpPr/>
-                <p:nvPr/>
-              </p:nvGrpSpPr>
-              <p:grpSpPr>
-                <a:xfrm>
-                  <a:off x="0" y="0"/>
-                  <a:ext cx="693420" cy="883285"/>
-                  <a:chOff x="0" y="0"/>
-                  <a:chExt cx="693420" cy="883285"/>
-                </a:xfrm>
-              </p:grpSpPr>
-              <p:sp>
-                <p:nvSpPr>
-                  <p:cNvPr id="43" name="Rectangle 42">
-                    <a:extLst>
-                      <a:ext uri="{FF2B5EF4-FFF2-40B4-BE49-F238E27FC236}">
-                        <a16:creationId xmlns="" xmlns:a16="http://schemas.microsoft.com/office/drawing/2014/main" id="{78C04890-E0FC-4CFC-AE03-004F18362EE1}"/>
-                      </a:ext>
-                    </a:extLst>
-                  </p:cNvPr>
-                  <p:cNvSpPr/>
-                  <p:nvPr/>
-                </p:nvSpPr>
-                <p:spPr>
-                  <a:xfrm rot="19775393">
-                    <a:off x="28575" y="148590"/>
-                    <a:ext cx="152400" cy="254000"/>
-                  </a:xfrm>
-                  <a:prstGeom prst="rect">
-                    <a:avLst/>
-                  </a:prstGeom>
-                  <a:solidFill>
-                    <a:schemeClr val="bg1"/>
-                  </a:solidFill>
-                  <a:ln>
-                    <a:solidFill>
-                      <a:schemeClr val="tx1"/>
-                    </a:solidFill>
-                  </a:ln>
-                  <a:effectLst/>
-                </p:spPr>
-                <p:style>
-                  <a:lnRef idx="1">
-                    <a:schemeClr val="accent1"/>
-                  </a:lnRef>
-                  <a:fillRef idx="3">
-                    <a:schemeClr val="accent1"/>
-                  </a:fillRef>
-                  <a:effectRef idx="2">
-                    <a:schemeClr val="accent1"/>
-                  </a:effectRef>
-                  <a:fontRef idx="minor">
-                    <a:schemeClr val="lt1"/>
-                  </a:fontRef>
-                </p:style>
-                <p:txBody>
-                  <a:bodyPr rot="0" spcFirstLastPara="0" vert="horz" wrap="square" lIns="91440" tIns="45720" rIns="91440" bIns="45720" numCol="1" spcCol="0" rtlCol="0" fromWordArt="0" anchor="ctr" anchorCtr="0" forceAA="0" compatLnSpc="1">
-                    <a:prstTxWarp prst="textNoShape">
-                      <a:avLst/>
-                    </a:prstTxWarp>
-                    <a:noAutofit/>
-                  </a:bodyPr>
-                  <a:lstStyle/>
-                  <a:p>
-                    <a:endParaRPr lang="fr-FR"/>
-                  </a:p>
-                </p:txBody>
-              </p:sp>
-              <p:sp>
-                <p:nvSpPr>
-                  <p:cNvPr id="44" name="Rectangle 43">
-                    <a:extLst>
-                      <a:ext uri="{FF2B5EF4-FFF2-40B4-BE49-F238E27FC236}">
-                        <a16:creationId xmlns="" xmlns:a16="http://schemas.microsoft.com/office/drawing/2014/main" id="{4B6675BE-4C92-4EA1-9F8B-F7BB36DF2835}"/>
-                      </a:ext>
-                    </a:extLst>
-                  </p:cNvPr>
-                  <p:cNvSpPr/>
-                  <p:nvPr/>
-                </p:nvSpPr>
-                <p:spPr>
-                  <a:xfrm>
-                    <a:off x="272415" y="12700"/>
-                    <a:ext cx="152400" cy="254000"/>
-                  </a:xfrm>
-                  <a:prstGeom prst="rect">
-                    <a:avLst/>
-                  </a:prstGeom>
-                  <a:solidFill>
-                    <a:schemeClr val="bg1"/>
-                  </a:solidFill>
-                  <a:ln>
-                    <a:solidFill>
-                      <a:schemeClr val="tx1"/>
-                    </a:solidFill>
-                  </a:ln>
-                  <a:effectLst/>
-                </p:spPr>
-                <p:style>
-                  <a:lnRef idx="1">
-                    <a:schemeClr val="accent1"/>
-                  </a:lnRef>
-                  <a:fillRef idx="3">
-                    <a:schemeClr val="accent1"/>
-                  </a:fillRef>
-                  <a:effectRef idx="2">
-                    <a:schemeClr val="accent1"/>
-                  </a:effectRef>
-                  <a:fontRef idx="minor">
-                    <a:schemeClr val="lt1"/>
-                  </a:fontRef>
-                </p:style>
-                <p:txBody>
-                  <a:bodyPr rot="0" spcFirstLastPara="0" vert="horz" wrap="square" lIns="91440" tIns="45720" rIns="91440" bIns="45720" numCol="1" spcCol="0" rtlCol="0" fromWordArt="0" anchor="ctr" anchorCtr="0" forceAA="0" compatLnSpc="1">
-                    <a:prstTxWarp prst="textNoShape">
-                      <a:avLst/>
-                    </a:prstTxWarp>
-                    <a:noAutofit/>
-                  </a:bodyPr>
-                  <a:lstStyle/>
-                  <a:p>
-                    <a:endParaRPr lang="fr-FR"/>
-                  </a:p>
-                </p:txBody>
-              </p:sp>
-              <p:sp>
-                <p:nvSpPr>
-                  <p:cNvPr id="45" name="Ellipse 44">
-                    <a:extLst>
-                      <a:ext uri="{FF2B5EF4-FFF2-40B4-BE49-F238E27FC236}">
-                        <a16:creationId xmlns="" xmlns:a16="http://schemas.microsoft.com/office/drawing/2014/main" id="{567A960A-737A-455A-A30F-F99E9F24C518}"/>
-                      </a:ext>
-                    </a:extLst>
-                  </p:cNvPr>
-                  <p:cNvSpPr/>
-                  <p:nvPr/>
-                </p:nvSpPr>
-                <p:spPr>
-                  <a:xfrm>
-                    <a:off x="0" y="189865"/>
-                    <a:ext cx="693420" cy="693420"/>
-                  </a:xfrm>
-                  <a:prstGeom prst="ellipse">
-                    <a:avLst/>
-                  </a:prstGeom>
-                  <a:solidFill>
-                    <a:schemeClr val="bg1"/>
-                  </a:solidFill>
-                  <a:ln>
-                    <a:solidFill>
-                      <a:schemeClr val="tx1"/>
-                    </a:solidFill>
-                  </a:ln>
-                  <a:effectLst/>
-                </p:spPr>
-                <p:style>
-                  <a:lnRef idx="1">
-                    <a:schemeClr val="accent1"/>
-                  </a:lnRef>
-                  <a:fillRef idx="3">
-                    <a:schemeClr val="accent1"/>
-                  </a:fillRef>
-                  <a:effectRef idx="2">
-                    <a:schemeClr val="accent1"/>
-                  </a:effectRef>
-                  <a:fontRef idx="minor">
-                    <a:schemeClr val="lt1"/>
-                  </a:fontRef>
-                </p:style>
-                <p:txBody>
-                  <a:bodyPr rot="0" spcFirstLastPara="0" vert="horz" wrap="square" lIns="91440" tIns="45720" rIns="91440" bIns="45720" numCol="1" spcCol="0" rtlCol="0" fromWordArt="0" anchor="ctr" anchorCtr="0" forceAA="0" compatLnSpc="1">
-                    <a:prstTxWarp prst="textNoShape">
-                      <a:avLst/>
-                    </a:prstTxWarp>
-                    <a:noAutofit/>
-                  </a:bodyPr>
-                  <a:lstStyle/>
-                  <a:p>
-                    <a:endParaRPr lang="fr-FR"/>
-                  </a:p>
-                </p:txBody>
-              </p:sp>
-              <p:sp>
-                <p:nvSpPr>
-                  <p:cNvPr id="46" name="Rectangle 45">
-                    <a:extLst>
-                      <a:ext uri="{FF2B5EF4-FFF2-40B4-BE49-F238E27FC236}">
-                        <a16:creationId xmlns="" xmlns:a16="http://schemas.microsoft.com/office/drawing/2014/main" id="{43527F41-D3EE-4E17-8F84-5981802C63B4}"/>
-                      </a:ext>
-                    </a:extLst>
-                  </p:cNvPr>
-                  <p:cNvSpPr/>
-                  <p:nvPr/>
-                </p:nvSpPr>
-                <p:spPr>
-                  <a:xfrm rot="19775393">
-                    <a:off x="38735" y="136525"/>
-                    <a:ext cx="134620" cy="287020"/>
-                  </a:xfrm>
-                  <a:prstGeom prst="rect">
-                    <a:avLst/>
-                  </a:prstGeom>
-                  <a:solidFill>
-                    <a:schemeClr val="bg1"/>
-                  </a:solidFill>
-                  <a:ln>
-                    <a:noFill/>
-                  </a:ln>
-                  <a:effectLst/>
-                </p:spPr>
-                <p:style>
-                  <a:lnRef idx="1">
-                    <a:schemeClr val="accent1"/>
-                  </a:lnRef>
-                  <a:fillRef idx="3">
-                    <a:schemeClr val="accent1"/>
-                  </a:fillRef>
-                  <a:effectRef idx="2">
-                    <a:schemeClr val="accent1"/>
-                  </a:effectRef>
-                  <a:fontRef idx="minor">
-                    <a:schemeClr val="lt1"/>
-                  </a:fontRef>
-                </p:style>
-                <p:txBody>
-                  <a:bodyPr rot="0" spcFirstLastPara="0" vert="horz" wrap="square" lIns="91440" tIns="45720" rIns="91440" bIns="45720" numCol="1" spcCol="0" rtlCol="0" fromWordArt="0" anchor="ctr" anchorCtr="0" forceAA="0" compatLnSpc="1">
-                    <a:prstTxWarp prst="textNoShape">
-                      <a:avLst/>
-                    </a:prstTxWarp>
-                    <a:noAutofit/>
-                  </a:bodyPr>
-                  <a:lstStyle/>
-                  <a:p>
-                    <a:endParaRPr lang="fr-FR"/>
-                  </a:p>
-                </p:txBody>
-              </p:sp>
-              <p:sp>
-                <p:nvSpPr>
-                  <p:cNvPr id="47" name="Rectangle 46">
-                    <a:extLst>
-                      <a:ext uri="{FF2B5EF4-FFF2-40B4-BE49-F238E27FC236}">
-                        <a16:creationId xmlns="" xmlns:a16="http://schemas.microsoft.com/office/drawing/2014/main" id="{080489AD-E48D-4CBD-897E-18135D040B15}"/>
-                      </a:ext>
-                    </a:extLst>
-                  </p:cNvPr>
-                  <p:cNvSpPr/>
-                  <p:nvPr/>
-                </p:nvSpPr>
-                <p:spPr>
-                  <a:xfrm>
-                    <a:off x="280035" y="0"/>
-                    <a:ext cx="134620" cy="287020"/>
-                  </a:xfrm>
-                  <a:prstGeom prst="rect">
-                    <a:avLst/>
-                  </a:prstGeom>
-                  <a:solidFill>
-                    <a:schemeClr val="bg1"/>
-                  </a:solidFill>
-                  <a:ln>
-                    <a:noFill/>
-                  </a:ln>
-                  <a:effectLst/>
-                </p:spPr>
-                <p:style>
-                  <a:lnRef idx="1">
-                    <a:schemeClr val="accent1"/>
-                  </a:lnRef>
-                  <a:fillRef idx="3">
-                    <a:schemeClr val="accent1"/>
-                  </a:fillRef>
-                  <a:effectRef idx="2">
-                    <a:schemeClr val="accent1"/>
-                  </a:effectRef>
-                  <a:fontRef idx="minor">
-                    <a:schemeClr val="lt1"/>
-                  </a:fontRef>
-                </p:style>
-                <p:txBody>
-                  <a:bodyPr rot="0" spcFirstLastPara="0" vert="horz" wrap="square" lIns="91440" tIns="45720" rIns="91440" bIns="45720" numCol="1" spcCol="0" rtlCol="0" fromWordArt="0" anchor="ctr" anchorCtr="0" forceAA="0" compatLnSpc="1">
-                    <a:prstTxWarp prst="textNoShape">
-                      <a:avLst/>
-                    </a:prstTxWarp>
-                    <a:noAutofit/>
-                  </a:bodyPr>
-                  <a:lstStyle/>
-                  <a:p>
-                    <a:endParaRPr lang="fr-FR"/>
-                  </a:p>
-                </p:txBody>
-              </p:sp>
-            </p:grpSp>
-            <p:grpSp>
-              <p:nvGrpSpPr>
-                <p:cNvPr id="16" name="Grouper 1285">
-                  <a:extLst>
-                    <a:ext uri="{FF2B5EF4-FFF2-40B4-BE49-F238E27FC236}">
-                      <a16:creationId xmlns="" xmlns:a16="http://schemas.microsoft.com/office/drawing/2014/main" id="{78A34525-85A7-4C54-A645-28DFD07BF52D}"/>
-                    </a:ext>
-                  </a:extLst>
-                </p:cNvPr>
-                <p:cNvGrpSpPr/>
-                <p:nvPr/>
-              </p:nvGrpSpPr>
-              <p:grpSpPr>
-                <a:xfrm>
-                  <a:off x="0" y="189230"/>
-                  <a:ext cx="693420" cy="693420"/>
-                  <a:chOff x="0" y="0"/>
-                  <a:chExt cx="693420" cy="693420"/>
-                </a:xfrm>
-              </p:grpSpPr>
-              <p:sp>
-                <p:nvSpPr>
-                  <p:cNvPr id="17" name="Corde 16">
-                    <a:extLst>
-                      <a:ext uri="{FF2B5EF4-FFF2-40B4-BE49-F238E27FC236}">
-                        <a16:creationId xmlns="" xmlns:a16="http://schemas.microsoft.com/office/drawing/2014/main" id="{CB4E2EBF-3E02-467E-AF08-CC8E97B6B1B2}"/>
-                      </a:ext>
-                    </a:extLst>
-                  </p:cNvPr>
-                  <p:cNvSpPr/>
-                  <p:nvPr/>
-                </p:nvSpPr>
-                <p:spPr>
-                  <a:xfrm rot="17560116">
-                    <a:off x="0" y="0"/>
-                    <a:ext cx="693420" cy="693420"/>
-                  </a:xfrm>
-                  <a:prstGeom prst="chord">
-                    <a:avLst>
-                      <a:gd name="adj1" fmla="val 4447445"/>
-                      <a:gd name="adj2" fmla="val 14321630"/>
-                    </a:avLst>
-                  </a:prstGeom>
-                  <a:solidFill>
-                    <a:schemeClr val="tx2">
-                      <a:lumMod val="40000"/>
-                      <a:lumOff val="60000"/>
-                    </a:schemeClr>
-                  </a:solidFill>
-                  <a:ln>
-                    <a:solidFill>
-                      <a:schemeClr val="tx1"/>
-                    </a:solidFill>
-                  </a:ln>
-                  <a:effectLst/>
-                </p:spPr>
-                <p:style>
-                  <a:lnRef idx="1">
-                    <a:schemeClr val="accent1"/>
-                  </a:lnRef>
-                  <a:fillRef idx="3">
-                    <a:schemeClr val="accent1"/>
-                  </a:fillRef>
-                  <a:effectRef idx="2">
-                    <a:schemeClr val="accent1"/>
-                  </a:effectRef>
-                  <a:fontRef idx="minor">
-                    <a:schemeClr val="lt1"/>
-                  </a:fontRef>
-                </p:style>
-                <p:txBody>
-                  <a:bodyPr rot="0" spcFirstLastPara="0" vert="horz" wrap="square" lIns="91440" tIns="45720" rIns="91440" bIns="45720" numCol="1" spcCol="0" rtlCol="0" fromWordArt="0" anchor="ctr" anchorCtr="0" forceAA="0" compatLnSpc="1">
-                    <a:prstTxWarp prst="textNoShape">
-                      <a:avLst/>
-                    </a:prstTxWarp>
-                    <a:noAutofit/>
-                  </a:bodyPr>
-                  <a:lstStyle/>
-                  <a:p>
-                    <a:endParaRPr lang="fr-FR"/>
-                  </a:p>
-                </p:txBody>
-              </p:sp>
-              <p:grpSp>
-                <p:nvGrpSpPr>
-                  <p:cNvPr id="18" name="Grouper 1119">
-                    <a:extLst>
-                      <a:ext uri="{FF2B5EF4-FFF2-40B4-BE49-F238E27FC236}">
-                        <a16:creationId xmlns="" xmlns:a16="http://schemas.microsoft.com/office/drawing/2014/main" id="{53CBF938-859F-48B4-93B6-2DBEEAFF6083}"/>
-                      </a:ext>
-                    </a:extLst>
-                  </p:cNvPr>
-                  <p:cNvGrpSpPr/>
-                  <p:nvPr/>
-                </p:nvGrpSpPr>
-                <p:grpSpPr>
-                  <a:xfrm>
-                    <a:off x="150495" y="434341"/>
-                    <a:ext cx="410210" cy="220343"/>
-                    <a:chOff x="0" y="1"/>
-                    <a:chExt cx="410210" cy="220343"/>
-                  </a:xfrm>
-                </p:grpSpPr>
-                <p:grpSp>
-                  <p:nvGrpSpPr>
-                    <p:cNvPr id="19" name="Grouper 1121">
-                      <a:extLst>
-                        <a:ext uri="{FF2B5EF4-FFF2-40B4-BE49-F238E27FC236}">
-                          <a16:creationId xmlns="" xmlns:a16="http://schemas.microsoft.com/office/drawing/2014/main" id="{94122E6B-1F23-4F33-9B5F-2813C262DB42}"/>
-                        </a:ext>
-                      </a:extLst>
-                    </p:cNvPr>
-                    <p:cNvGrpSpPr/>
-                    <p:nvPr/>
-                  </p:nvGrpSpPr>
-                  <p:grpSpPr>
-                    <a:xfrm flipH="1">
-                      <a:off x="274322" y="1"/>
-                      <a:ext cx="135888" cy="203840"/>
-                      <a:chOff x="0" y="134620"/>
-                      <a:chExt cx="291465" cy="530225"/>
-                    </a:xfrm>
-                  </p:grpSpPr>
-                  <p:sp>
-                    <p:nvSpPr>
-                      <p:cNvPr id="36" name="Ellipse 35">
-                        <a:extLst>
-                          <a:ext uri="{FF2B5EF4-FFF2-40B4-BE49-F238E27FC236}">
-                            <a16:creationId xmlns="" xmlns:a16="http://schemas.microsoft.com/office/drawing/2014/main" id="{5888463A-511C-475A-9CE6-47FE7C91B553}"/>
-                          </a:ext>
-                        </a:extLst>
-                      </p:cNvPr>
-                      <p:cNvSpPr/>
-                      <p:nvPr/>
-                    </p:nvSpPr>
-                    <p:spPr>
-                      <a:xfrm>
-                        <a:off x="0" y="357505"/>
-                        <a:ext cx="60325" cy="67946"/>
-                      </a:xfrm>
-                      <a:prstGeom prst="ellipse">
-                        <a:avLst/>
-                      </a:prstGeom>
-                      <a:solidFill>
-                        <a:srgbClr val="FFFFFF"/>
-                      </a:solidFill>
-                      <a:ln w="6350" cmpd="sng">
-                        <a:solidFill>
-                          <a:schemeClr val="tx1"/>
-                        </a:solidFill>
-                      </a:ln>
-                      <a:effectLst/>
-                    </p:spPr>
-                    <p:style>
-                      <a:lnRef idx="1">
-                        <a:schemeClr val="accent1"/>
-                      </a:lnRef>
-                      <a:fillRef idx="3">
-                        <a:schemeClr val="accent1"/>
-                      </a:fillRef>
-                      <a:effectRef idx="2">
-                        <a:schemeClr val="accent1"/>
-                      </a:effectRef>
-                      <a:fontRef idx="minor">
-                        <a:schemeClr val="lt1"/>
-                      </a:fontRef>
-                    </p:style>
-                    <p:txBody>
-                      <a:bodyPr rot="0" spcFirstLastPara="0" vert="horz" wrap="square" lIns="91440" tIns="45720" rIns="91440" bIns="45720" numCol="1" spcCol="0" rtlCol="0" fromWordArt="0" anchor="ctr" anchorCtr="0" forceAA="0" compatLnSpc="1">
-                        <a:prstTxWarp prst="textNoShape">
-                          <a:avLst/>
-                        </a:prstTxWarp>
-                        <a:noAutofit/>
-                      </a:bodyPr>
-                      <a:lstStyle/>
-                      <a:p>
-                        <a:endParaRPr lang="fr-FR"/>
-                      </a:p>
-                    </p:txBody>
-                  </p:sp>
-                  <p:sp>
-                    <p:nvSpPr>
-                      <p:cNvPr id="37" name="Ellipse 36">
-                        <a:extLst>
-                          <a:ext uri="{FF2B5EF4-FFF2-40B4-BE49-F238E27FC236}">
-                            <a16:creationId xmlns="" xmlns:a16="http://schemas.microsoft.com/office/drawing/2014/main" id="{3ABD53CE-44F4-4A58-85C7-4CE424BBD555}"/>
-                          </a:ext>
-                        </a:extLst>
-                      </p:cNvPr>
-                      <p:cNvSpPr/>
-                      <p:nvPr/>
-                    </p:nvSpPr>
-                    <p:spPr>
-                      <a:xfrm>
-                        <a:off x="95885" y="400685"/>
-                        <a:ext cx="75565" cy="88900"/>
-                      </a:xfrm>
-                      <a:prstGeom prst="ellipse">
-                        <a:avLst/>
-                      </a:prstGeom>
-                      <a:solidFill>
-                        <a:srgbClr val="FFFFFF"/>
-                      </a:solidFill>
-                      <a:ln w="6350" cmpd="sng">
-                        <a:solidFill>
-                          <a:schemeClr val="tx1"/>
-                        </a:solidFill>
-                      </a:ln>
-                      <a:effectLst/>
-                    </p:spPr>
-                    <p:style>
-                      <a:lnRef idx="1">
-                        <a:schemeClr val="accent1"/>
-                      </a:lnRef>
-                      <a:fillRef idx="3">
-                        <a:schemeClr val="accent1"/>
-                      </a:fillRef>
-                      <a:effectRef idx="2">
-                        <a:schemeClr val="accent1"/>
-                      </a:effectRef>
-                      <a:fontRef idx="minor">
-                        <a:schemeClr val="lt1"/>
-                      </a:fontRef>
-                    </p:style>
-                    <p:txBody>
-                      <a:bodyPr rot="0" spcFirstLastPara="0" vert="horz" wrap="square" lIns="91440" tIns="45720" rIns="91440" bIns="45720" numCol="1" spcCol="0" rtlCol="0" fromWordArt="0" anchor="ctr" anchorCtr="0" forceAA="0" compatLnSpc="1">
-                        <a:prstTxWarp prst="textNoShape">
-                          <a:avLst/>
-                        </a:prstTxWarp>
-                        <a:noAutofit/>
-                      </a:bodyPr>
-                      <a:lstStyle/>
-                      <a:p>
-                        <a:endParaRPr lang="fr-FR"/>
-                      </a:p>
-                    </p:txBody>
-                  </p:sp>
-                  <p:sp>
-                    <p:nvSpPr>
-                      <p:cNvPr id="38" name="Ellipse 37">
-                        <a:extLst>
-                          <a:ext uri="{FF2B5EF4-FFF2-40B4-BE49-F238E27FC236}">
-                            <a16:creationId xmlns="" xmlns:a16="http://schemas.microsoft.com/office/drawing/2014/main" id="{518B3D57-D09C-403E-9D65-EC2050112ADD}"/>
-                          </a:ext>
-                        </a:extLst>
-                      </p:cNvPr>
-                      <p:cNvSpPr/>
-                      <p:nvPr/>
-                    </p:nvSpPr>
-                    <p:spPr>
-                      <a:xfrm>
-                        <a:off x="167640" y="238760"/>
-                        <a:ext cx="76200" cy="90170"/>
-                      </a:xfrm>
-                      <a:prstGeom prst="ellipse">
-                        <a:avLst/>
-                      </a:prstGeom>
-                      <a:solidFill>
-                        <a:srgbClr val="FFFFFF"/>
-                      </a:solidFill>
-                      <a:ln w="6350" cmpd="sng">
-                        <a:solidFill>
-                          <a:schemeClr val="tx1"/>
-                        </a:solidFill>
-                      </a:ln>
-                      <a:effectLst/>
-                    </p:spPr>
-                    <p:style>
-                      <a:lnRef idx="1">
-                        <a:schemeClr val="accent1"/>
-                      </a:lnRef>
-                      <a:fillRef idx="3">
-                        <a:schemeClr val="accent1"/>
-                      </a:fillRef>
-                      <a:effectRef idx="2">
-                        <a:schemeClr val="accent1"/>
-                      </a:effectRef>
-                      <a:fontRef idx="minor">
-                        <a:schemeClr val="lt1"/>
-                      </a:fontRef>
-                    </p:style>
-                    <p:txBody>
-                      <a:bodyPr rot="0" spcFirstLastPara="0" vert="horz" wrap="square" lIns="91440" tIns="45720" rIns="91440" bIns="45720" numCol="1" spcCol="0" rtlCol="0" fromWordArt="0" anchor="ctr" anchorCtr="0" forceAA="0" compatLnSpc="1">
-                        <a:prstTxWarp prst="textNoShape">
-                          <a:avLst/>
-                        </a:prstTxWarp>
-                        <a:noAutofit/>
-                      </a:bodyPr>
-                      <a:lstStyle/>
-                      <a:p>
-                        <a:endParaRPr lang="fr-FR"/>
-                      </a:p>
-                    </p:txBody>
-                  </p:sp>
-                  <p:sp>
-                    <p:nvSpPr>
-                      <p:cNvPr id="39" name="Ellipse 38">
-                        <a:extLst>
-                          <a:ext uri="{FF2B5EF4-FFF2-40B4-BE49-F238E27FC236}">
-                            <a16:creationId xmlns="" xmlns:a16="http://schemas.microsoft.com/office/drawing/2014/main" id="{F03BAD20-1A40-4EE0-8FBB-DEDE3101FE77}"/>
-                          </a:ext>
-                        </a:extLst>
-                      </p:cNvPr>
-                      <p:cNvSpPr/>
-                      <p:nvPr/>
-                    </p:nvSpPr>
-                    <p:spPr>
-                      <a:xfrm>
-                        <a:off x="0" y="176530"/>
-                        <a:ext cx="88265" cy="97155"/>
-                      </a:xfrm>
-                      <a:prstGeom prst="ellipse">
-                        <a:avLst/>
-                      </a:prstGeom>
-                      <a:solidFill>
-                        <a:srgbClr val="FFFFFF"/>
-                      </a:solidFill>
-                      <a:ln w="6350" cmpd="sng">
-                        <a:solidFill>
-                          <a:schemeClr val="tx1"/>
-                        </a:solidFill>
-                      </a:ln>
-                      <a:effectLst/>
-                    </p:spPr>
-                    <p:style>
-                      <a:lnRef idx="1">
-                        <a:schemeClr val="accent1"/>
-                      </a:lnRef>
-                      <a:fillRef idx="3">
-                        <a:schemeClr val="accent1"/>
-                      </a:fillRef>
-                      <a:effectRef idx="2">
-                        <a:schemeClr val="accent1"/>
-                      </a:effectRef>
-                      <a:fontRef idx="minor">
-                        <a:schemeClr val="lt1"/>
-                      </a:fontRef>
-                    </p:style>
-                    <p:txBody>
-                      <a:bodyPr rot="0" spcFirstLastPara="0" vert="horz" wrap="square" lIns="91440" tIns="45720" rIns="91440" bIns="45720" numCol="1" spcCol="0" rtlCol="0" fromWordArt="0" anchor="ctr" anchorCtr="0" forceAA="0" compatLnSpc="1">
-                        <a:prstTxWarp prst="textNoShape">
-                          <a:avLst/>
-                        </a:prstTxWarp>
-                        <a:noAutofit/>
-                      </a:bodyPr>
-                      <a:lstStyle/>
-                      <a:p>
-                        <a:endParaRPr lang="fr-FR"/>
-                      </a:p>
-                    </p:txBody>
-                  </p:sp>
-                  <p:sp>
-                    <p:nvSpPr>
-                      <p:cNvPr id="40" name="Ellipse 39">
-                        <a:extLst>
-                          <a:ext uri="{FF2B5EF4-FFF2-40B4-BE49-F238E27FC236}">
-                            <a16:creationId xmlns="" xmlns:a16="http://schemas.microsoft.com/office/drawing/2014/main" id="{283F035B-5C1C-41C8-A582-012104942056}"/>
-                          </a:ext>
-                        </a:extLst>
-                      </p:cNvPr>
-                      <p:cNvSpPr/>
-                      <p:nvPr/>
-                    </p:nvSpPr>
-                    <p:spPr>
-                      <a:xfrm>
-                        <a:off x="152400" y="134620"/>
-                        <a:ext cx="60325" cy="67945"/>
-                      </a:xfrm>
-                      <a:prstGeom prst="ellipse">
-                        <a:avLst/>
-                      </a:prstGeom>
-                      <a:solidFill>
-                        <a:srgbClr val="FFFFFF"/>
-                      </a:solidFill>
-                      <a:ln w="6350" cmpd="sng">
-                        <a:solidFill>
-                          <a:schemeClr val="tx1"/>
-                        </a:solidFill>
-                      </a:ln>
-                      <a:effectLst/>
-                    </p:spPr>
-                    <p:style>
-                      <a:lnRef idx="1">
-                        <a:schemeClr val="accent1"/>
-                      </a:lnRef>
-                      <a:fillRef idx="3">
-                        <a:schemeClr val="accent1"/>
-                      </a:fillRef>
-                      <a:effectRef idx="2">
-                        <a:schemeClr val="accent1"/>
-                      </a:effectRef>
-                      <a:fontRef idx="minor">
-                        <a:schemeClr val="lt1"/>
-                      </a:fontRef>
-                    </p:style>
-                    <p:txBody>
-                      <a:bodyPr rot="0" spcFirstLastPara="0" vert="horz" wrap="square" lIns="91440" tIns="45720" rIns="91440" bIns="45720" numCol="1" spcCol="0" rtlCol="0" fromWordArt="0" anchor="ctr" anchorCtr="0" forceAA="0" compatLnSpc="1">
-                        <a:prstTxWarp prst="textNoShape">
-                          <a:avLst/>
-                        </a:prstTxWarp>
-                        <a:noAutofit/>
-                      </a:bodyPr>
-                      <a:lstStyle/>
-                      <a:p>
-                        <a:endParaRPr lang="fr-FR"/>
-                      </a:p>
-                    </p:txBody>
-                  </p:sp>
-                  <p:sp>
-                    <p:nvSpPr>
-                      <p:cNvPr id="41" name="Ellipse 40">
-                        <a:extLst>
-                          <a:ext uri="{FF2B5EF4-FFF2-40B4-BE49-F238E27FC236}">
-                            <a16:creationId xmlns="" xmlns:a16="http://schemas.microsoft.com/office/drawing/2014/main" id="{27ADC272-E9C5-4B38-BD44-20724FFF7E9B}"/>
-                          </a:ext>
-                        </a:extLst>
-                      </p:cNvPr>
-                      <p:cNvSpPr/>
-                      <p:nvPr/>
-                    </p:nvSpPr>
-                    <p:spPr>
-                      <a:xfrm>
-                        <a:off x="231140" y="439420"/>
-                        <a:ext cx="60325" cy="67945"/>
-                      </a:xfrm>
-                      <a:prstGeom prst="ellipse">
-                        <a:avLst/>
-                      </a:prstGeom>
-                      <a:solidFill>
-                        <a:srgbClr val="FFFFFF"/>
-                      </a:solidFill>
-                      <a:ln w="6350" cmpd="sng">
-                        <a:solidFill>
-                          <a:schemeClr val="tx1"/>
-                        </a:solidFill>
-                      </a:ln>
-                      <a:effectLst/>
-                    </p:spPr>
-                    <p:style>
-                      <a:lnRef idx="1">
-                        <a:schemeClr val="accent1"/>
-                      </a:lnRef>
-                      <a:fillRef idx="3">
-                        <a:schemeClr val="accent1"/>
-                      </a:fillRef>
-                      <a:effectRef idx="2">
-                        <a:schemeClr val="accent1"/>
-                      </a:effectRef>
-                      <a:fontRef idx="minor">
-                        <a:schemeClr val="lt1"/>
-                      </a:fontRef>
-                    </p:style>
-                    <p:txBody>
-                      <a:bodyPr rot="0" spcFirstLastPara="0" vert="horz" wrap="square" lIns="91440" tIns="45720" rIns="91440" bIns="45720" numCol="1" spcCol="0" rtlCol="0" fromWordArt="0" anchor="ctr" anchorCtr="0" forceAA="0" compatLnSpc="1">
-                        <a:prstTxWarp prst="textNoShape">
-                          <a:avLst/>
-                        </a:prstTxWarp>
-                        <a:noAutofit/>
-                      </a:bodyPr>
-                      <a:lstStyle/>
-                      <a:p>
-                        <a:endParaRPr lang="fr-FR"/>
-                      </a:p>
-                    </p:txBody>
-                  </p:sp>
-                  <p:sp>
-                    <p:nvSpPr>
-                      <p:cNvPr id="42" name="Ellipse 41">
-                        <a:extLst>
-                          <a:ext uri="{FF2B5EF4-FFF2-40B4-BE49-F238E27FC236}">
-                            <a16:creationId xmlns="" xmlns:a16="http://schemas.microsoft.com/office/drawing/2014/main" id="{3C464B47-78CD-4C1B-9DBB-D52C0C45CE7A}"/>
-                          </a:ext>
-                        </a:extLst>
-                      </p:cNvPr>
-                      <p:cNvSpPr/>
-                      <p:nvPr/>
-                    </p:nvSpPr>
-                    <p:spPr>
-                      <a:xfrm>
-                        <a:off x="107315" y="596900"/>
-                        <a:ext cx="60325" cy="67945"/>
-                      </a:xfrm>
-                      <a:prstGeom prst="ellipse">
-                        <a:avLst/>
-                      </a:prstGeom>
-                      <a:solidFill>
-                        <a:srgbClr val="FFFFFF"/>
-                      </a:solidFill>
-                      <a:ln w="6350" cmpd="sng">
-                        <a:solidFill>
-                          <a:schemeClr val="tx1"/>
-                        </a:solidFill>
-                      </a:ln>
-                      <a:effectLst/>
-                    </p:spPr>
-                    <p:style>
-                      <a:lnRef idx="1">
-                        <a:schemeClr val="accent1"/>
-                      </a:lnRef>
-                      <a:fillRef idx="3">
-                        <a:schemeClr val="accent1"/>
-                      </a:fillRef>
-                      <a:effectRef idx="2">
-                        <a:schemeClr val="accent1"/>
-                      </a:effectRef>
-                      <a:fontRef idx="minor">
-                        <a:schemeClr val="lt1"/>
-                      </a:fontRef>
-                    </p:style>
-                    <p:txBody>
-                      <a:bodyPr rot="0" spcFirstLastPara="0" vert="horz" wrap="square" lIns="91440" tIns="45720" rIns="91440" bIns="45720" numCol="1" spcCol="0" rtlCol="0" fromWordArt="0" anchor="ctr" anchorCtr="0" forceAA="0" compatLnSpc="1">
-                        <a:prstTxWarp prst="textNoShape">
-                          <a:avLst/>
-                        </a:prstTxWarp>
-                        <a:noAutofit/>
-                      </a:bodyPr>
-                      <a:lstStyle/>
-                      <a:p>
-                        <a:endParaRPr lang="fr-FR"/>
-                      </a:p>
-                    </p:txBody>
-                  </p:sp>
-                </p:grpSp>
-                <p:grpSp>
-                  <p:nvGrpSpPr>
-                    <p:cNvPr id="20" name="Grouper 1129">
-                      <a:extLst>
-                        <a:ext uri="{FF2B5EF4-FFF2-40B4-BE49-F238E27FC236}">
-                          <a16:creationId xmlns="" xmlns:a16="http://schemas.microsoft.com/office/drawing/2014/main" id="{51D6B9D4-FD74-4E48-8F6E-D688C184B5D8}"/>
-                        </a:ext>
-                      </a:extLst>
-                    </p:cNvPr>
-                    <p:cNvGrpSpPr/>
-                    <p:nvPr/>
-                  </p:nvGrpSpPr>
-                  <p:grpSpPr>
-                    <a:xfrm>
-                      <a:off x="0" y="636"/>
-                      <a:ext cx="135888" cy="203840"/>
-                      <a:chOff x="0" y="134620"/>
-                      <a:chExt cx="291465" cy="530225"/>
-                    </a:xfrm>
-                  </p:grpSpPr>
-                  <p:sp>
-                    <p:nvSpPr>
-                      <p:cNvPr id="29" name="Ellipse 28">
-                        <a:extLst>
-                          <a:ext uri="{FF2B5EF4-FFF2-40B4-BE49-F238E27FC236}">
-                            <a16:creationId xmlns="" xmlns:a16="http://schemas.microsoft.com/office/drawing/2014/main" id="{B91163FD-A757-4A7A-B085-771825D2AB1D}"/>
-                          </a:ext>
-                        </a:extLst>
-                      </p:cNvPr>
-                      <p:cNvSpPr/>
-                      <p:nvPr/>
-                    </p:nvSpPr>
-                    <p:spPr>
-                      <a:xfrm>
-                        <a:off x="0" y="357505"/>
-                        <a:ext cx="60325" cy="67946"/>
-                      </a:xfrm>
-                      <a:prstGeom prst="ellipse">
-                        <a:avLst/>
-                      </a:prstGeom>
-                      <a:solidFill>
-                        <a:srgbClr val="FFFFFF"/>
-                      </a:solidFill>
-                      <a:ln w="6350" cmpd="sng">
-                        <a:solidFill>
-                          <a:schemeClr val="tx1"/>
-                        </a:solidFill>
-                      </a:ln>
-                      <a:effectLst/>
-                    </p:spPr>
-                    <p:style>
-                      <a:lnRef idx="1">
-                        <a:schemeClr val="accent1"/>
-                      </a:lnRef>
-                      <a:fillRef idx="3">
-                        <a:schemeClr val="accent1"/>
-                      </a:fillRef>
-                      <a:effectRef idx="2">
-                        <a:schemeClr val="accent1"/>
-                      </a:effectRef>
-                      <a:fontRef idx="minor">
-                        <a:schemeClr val="lt1"/>
-                      </a:fontRef>
-                    </p:style>
-                    <p:txBody>
-                      <a:bodyPr rot="0" spcFirstLastPara="0" vert="horz" wrap="square" lIns="91440" tIns="45720" rIns="91440" bIns="45720" numCol="1" spcCol="0" rtlCol="0" fromWordArt="0" anchor="ctr" anchorCtr="0" forceAA="0" compatLnSpc="1">
-                        <a:prstTxWarp prst="textNoShape">
-                          <a:avLst/>
-                        </a:prstTxWarp>
-                        <a:noAutofit/>
-                      </a:bodyPr>
-                      <a:lstStyle/>
-                      <a:p>
-                        <a:endParaRPr lang="fr-FR"/>
-                      </a:p>
-                    </p:txBody>
-                  </p:sp>
-                  <p:sp>
-                    <p:nvSpPr>
-                      <p:cNvPr id="30" name="Ellipse 29">
-                        <a:extLst>
-                          <a:ext uri="{FF2B5EF4-FFF2-40B4-BE49-F238E27FC236}">
-                            <a16:creationId xmlns="" xmlns:a16="http://schemas.microsoft.com/office/drawing/2014/main" id="{33503D8E-DBF1-407F-B8C0-A604FBCA6DB4}"/>
-                          </a:ext>
-                        </a:extLst>
-                      </p:cNvPr>
-                      <p:cNvSpPr/>
-                      <p:nvPr/>
-                    </p:nvSpPr>
-                    <p:spPr>
-                      <a:xfrm>
-                        <a:off x="95885" y="400685"/>
-                        <a:ext cx="75565" cy="88900"/>
-                      </a:xfrm>
-                      <a:prstGeom prst="ellipse">
-                        <a:avLst/>
-                      </a:prstGeom>
-                      <a:solidFill>
-                        <a:srgbClr val="FFFFFF"/>
-                      </a:solidFill>
-                      <a:ln w="6350" cmpd="sng">
-                        <a:solidFill>
-                          <a:schemeClr val="tx1"/>
-                        </a:solidFill>
-                      </a:ln>
-                      <a:effectLst/>
-                    </p:spPr>
-                    <p:style>
-                      <a:lnRef idx="1">
-                        <a:schemeClr val="accent1"/>
-                      </a:lnRef>
-                      <a:fillRef idx="3">
-                        <a:schemeClr val="accent1"/>
-                      </a:fillRef>
-                      <a:effectRef idx="2">
-                        <a:schemeClr val="accent1"/>
-                      </a:effectRef>
-                      <a:fontRef idx="minor">
-                        <a:schemeClr val="lt1"/>
-                      </a:fontRef>
-                    </p:style>
-                    <p:txBody>
-                      <a:bodyPr rot="0" spcFirstLastPara="0" vert="horz" wrap="square" lIns="91440" tIns="45720" rIns="91440" bIns="45720" numCol="1" spcCol="0" rtlCol="0" fromWordArt="0" anchor="ctr" anchorCtr="0" forceAA="0" compatLnSpc="1">
-                        <a:prstTxWarp prst="textNoShape">
-                          <a:avLst/>
-                        </a:prstTxWarp>
-                        <a:noAutofit/>
-                      </a:bodyPr>
-                      <a:lstStyle/>
-                      <a:p>
-                        <a:endParaRPr lang="fr-FR"/>
-                      </a:p>
-                    </p:txBody>
-                  </p:sp>
-                  <p:sp>
-                    <p:nvSpPr>
-                      <p:cNvPr id="31" name="Ellipse 30">
-                        <a:extLst>
-                          <a:ext uri="{FF2B5EF4-FFF2-40B4-BE49-F238E27FC236}">
-                            <a16:creationId xmlns="" xmlns:a16="http://schemas.microsoft.com/office/drawing/2014/main" id="{9B85BD8C-06B7-45FD-A45B-53706D161209}"/>
-                          </a:ext>
-                        </a:extLst>
-                      </p:cNvPr>
-                      <p:cNvSpPr/>
-                      <p:nvPr/>
-                    </p:nvSpPr>
-                    <p:spPr>
-                      <a:xfrm>
-                        <a:off x="167640" y="238760"/>
-                        <a:ext cx="76200" cy="90170"/>
-                      </a:xfrm>
-                      <a:prstGeom prst="ellipse">
-                        <a:avLst/>
-                      </a:prstGeom>
-                      <a:solidFill>
-                        <a:srgbClr val="FFFFFF"/>
-                      </a:solidFill>
-                      <a:ln w="6350" cmpd="sng">
-                        <a:solidFill>
-                          <a:schemeClr val="tx1"/>
-                        </a:solidFill>
-                      </a:ln>
-                      <a:effectLst/>
-                    </p:spPr>
-                    <p:style>
-                      <a:lnRef idx="1">
-                        <a:schemeClr val="accent1"/>
-                      </a:lnRef>
-                      <a:fillRef idx="3">
-                        <a:schemeClr val="accent1"/>
-                      </a:fillRef>
-                      <a:effectRef idx="2">
-                        <a:schemeClr val="accent1"/>
-                      </a:effectRef>
-                      <a:fontRef idx="minor">
-                        <a:schemeClr val="lt1"/>
-                      </a:fontRef>
-                    </p:style>
-                    <p:txBody>
-                      <a:bodyPr rot="0" spcFirstLastPara="0" vert="horz" wrap="square" lIns="91440" tIns="45720" rIns="91440" bIns="45720" numCol="1" spcCol="0" rtlCol="0" fromWordArt="0" anchor="ctr" anchorCtr="0" forceAA="0" compatLnSpc="1">
-                        <a:prstTxWarp prst="textNoShape">
-                          <a:avLst/>
-                        </a:prstTxWarp>
-                        <a:noAutofit/>
-                      </a:bodyPr>
-                      <a:lstStyle/>
-                      <a:p>
-                        <a:endParaRPr lang="fr-FR"/>
-                      </a:p>
-                    </p:txBody>
-                  </p:sp>
-                  <p:sp>
-                    <p:nvSpPr>
-                      <p:cNvPr id="32" name="Ellipse 31">
-                        <a:extLst>
-                          <a:ext uri="{FF2B5EF4-FFF2-40B4-BE49-F238E27FC236}">
-                            <a16:creationId xmlns="" xmlns:a16="http://schemas.microsoft.com/office/drawing/2014/main" id="{6D369700-2547-49D8-B6C4-6BC2BB2F496E}"/>
-                          </a:ext>
-                        </a:extLst>
-                      </p:cNvPr>
-                      <p:cNvSpPr/>
-                      <p:nvPr/>
-                    </p:nvSpPr>
-                    <p:spPr>
-                      <a:xfrm>
-                        <a:off x="0" y="176530"/>
-                        <a:ext cx="88265" cy="97155"/>
-                      </a:xfrm>
-                      <a:prstGeom prst="ellipse">
-                        <a:avLst/>
-                      </a:prstGeom>
-                      <a:solidFill>
-                        <a:srgbClr val="FFFFFF"/>
-                      </a:solidFill>
-                      <a:ln w="6350" cmpd="sng">
-                        <a:solidFill>
-                          <a:schemeClr val="tx1"/>
-                        </a:solidFill>
-                      </a:ln>
-                      <a:effectLst/>
-                    </p:spPr>
-                    <p:style>
-                      <a:lnRef idx="1">
-                        <a:schemeClr val="accent1"/>
-                      </a:lnRef>
-                      <a:fillRef idx="3">
-                        <a:schemeClr val="accent1"/>
-                      </a:fillRef>
-                      <a:effectRef idx="2">
-                        <a:schemeClr val="accent1"/>
-                      </a:effectRef>
-                      <a:fontRef idx="minor">
-                        <a:schemeClr val="lt1"/>
-                      </a:fontRef>
-                    </p:style>
-                    <p:txBody>
-                      <a:bodyPr rot="0" spcFirstLastPara="0" vert="horz" wrap="square" lIns="91440" tIns="45720" rIns="91440" bIns="45720" numCol="1" spcCol="0" rtlCol="0" fromWordArt="0" anchor="ctr" anchorCtr="0" forceAA="0" compatLnSpc="1">
-                        <a:prstTxWarp prst="textNoShape">
-                          <a:avLst/>
-                        </a:prstTxWarp>
-                        <a:noAutofit/>
-                      </a:bodyPr>
-                      <a:lstStyle/>
-                      <a:p>
-                        <a:endParaRPr lang="fr-FR"/>
-                      </a:p>
-                    </p:txBody>
-                  </p:sp>
-                  <p:sp>
-                    <p:nvSpPr>
-                      <p:cNvPr id="33" name="Ellipse 32">
-                        <a:extLst>
-                          <a:ext uri="{FF2B5EF4-FFF2-40B4-BE49-F238E27FC236}">
-                            <a16:creationId xmlns="" xmlns:a16="http://schemas.microsoft.com/office/drawing/2014/main" id="{2BE5C111-B7C2-4693-B0A2-48CEBF67A36F}"/>
-                          </a:ext>
-                        </a:extLst>
-                      </p:cNvPr>
-                      <p:cNvSpPr/>
-                      <p:nvPr/>
-                    </p:nvSpPr>
-                    <p:spPr>
-                      <a:xfrm>
-                        <a:off x="152400" y="134620"/>
-                        <a:ext cx="60325" cy="67945"/>
-                      </a:xfrm>
-                      <a:prstGeom prst="ellipse">
-                        <a:avLst/>
-                      </a:prstGeom>
-                      <a:solidFill>
-                        <a:srgbClr val="FFFFFF"/>
-                      </a:solidFill>
-                      <a:ln w="6350" cmpd="sng">
-                        <a:solidFill>
-                          <a:schemeClr val="tx1"/>
-                        </a:solidFill>
-                      </a:ln>
-                      <a:effectLst/>
-                    </p:spPr>
-                    <p:style>
-                      <a:lnRef idx="1">
-                        <a:schemeClr val="accent1"/>
-                      </a:lnRef>
-                      <a:fillRef idx="3">
-                        <a:schemeClr val="accent1"/>
-                      </a:fillRef>
-                      <a:effectRef idx="2">
-                        <a:schemeClr val="accent1"/>
-                      </a:effectRef>
-                      <a:fontRef idx="minor">
-                        <a:schemeClr val="lt1"/>
-                      </a:fontRef>
-                    </p:style>
-                    <p:txBody>
-                      <a:bodyPr rot="0" spcFirstLastPara="0" vert="horz" wrap="square" lIns="91440" tIns="45720" rIns="91440" bIns="45720" numCol="1" spcCol="0" rtlCol="0" fromWordArt="0" anchor="ctr" anchorCtr="0" forceAA="0" compatLnSpc="1">
-                        <a:prstTxWarp prst="textNoShape">
-                          <a:avLst/>
-                        </a:prstTxWarp>
-                        <a:noAutofit/>
-                      </a:bodyPr>
-                      <a:lstStyle/>
-                      <a:p>
-                        <a:endParaRPr lang="fr-FR"/>
-                      </a:p>
-                    </p:txBody>
-                  </p:sp>
-                  <p:sp>
-                    <p:nvSpPr>
-                      <p:cNvPr id="34" name="Ellipse 33">
-                        <a:extLst>
-                          <a:ext uri="{FF2B5EF4-FFF2-40B4-BE49-F238E27FC236}">
-                            <a16:creationId xmlns="" xmlns:a16="http://schemas.microsoft.com/office/drawing/2014/main" id="{6C205E95-BFCE-448E-9EC0-AF5A0C6B9EEC}"/>
-                          </a:ext>
-                        </a:extLst>
-                      </p:cNvPr>
-                      <p:cNvSpPr/>
-                      <p:nvPr/>
-                    </p:nvSpPr>
-                    <p:spPr>
-                      <a:xfrm>
-                        <a:off x="231140" y="439420"/>
-                        <a:ext cx="60325" cy="67945"/>
-                      </a:xfrm>
-                      <a:prstGeom prst="ellipse">
-                        <a:avLst/>
-                      </a:prstGeom>
-                      <a:solidFill>
-                        <a:srgbClr val="FFFFFF"/>
-                      </a:solidFill>
-                      <a:ln w="6350" cmpd="sng">
-                        <a:solidFill>
-                          <a:schemeClr val="tx1"/>
-                        </a:solidFill>
-                      </a:ln>
-                      <a:effectLst/>
-                    </p:spPr>
-                    <p:style>
-                      <a:lnRef idx="1">
-                        <a:schemeClr val="accent1"/>
-                      </a:lnRef>
-                      <a:fillRef idx="3">
-                        <a:schemeClr val="accent1"/>
-                      </a:fillRef>
-                      <a:effectRef idx="2">
-                        <a:schemeClr val="accent1"/>
-                      </a:effectRef>
-                      <a:fontRef idx="minor">
-                        <a:schemeClr val="lt1"/>
-                      </a:fontRef>
-                    </p:style>
-                    <p:txBody>
-                      <a:bodyPr rot="0" spcFirstLastPara="0" vert="horz" wrap="square" lIns="91440" tIns="45720" rIns="91440" bIns="45720" numCol="1" spcCol="0" rtlCol="0" fromWordArt="0" anchor="ctr" anchorCtr="0" forceAA="0" compatLnSpc="1">
-                        <a:prstTxWarp prst="textNoShape">
-                          <a:avLst/>
-                        </a:prstTxWarp>
-                        <a:noAutofit/>
-                      </a:bodyPr>
-                      <a:lstStyle/>
-                      <a:p>
-                        <a:endParaRPr lang="fr-FR"/>
-                      </a:p>
-                    </p:txBody>
-                  </p:sp>
-                  <p:sp>
-                    <p:nvSpPr>
-                      <p:cNvPr id="35" name="Ellipse 34">
-                        <a:extLst>
-                          <a:ext uri="{FF2B5EF4-FFF2-40B4-BE49-F238E27FC236}">
-                            <a16:creationId xmlns="" xmlns:a16="http://schemas.microsoft.com/office/drawing/2014/main" id="{F211C9B1-048A-4056-B0F8-506FDFF1E388}"/>
-                          </a:ext>
-                        </a:extLst>
-                      </p:cNvPr>
-                      <p:cNvSpPr/>
-                      <p:nvPr/>
-                    </p:nvSpPr>
-                    <p:spPr>
-                      <a:xfrm>
-                        <a:off x="107315" y="596900"/>
-                        <a:ext cx="60325" cy="67945"/>
-                      </a:xfrm>
-                      <a:prstGeom prst="ellipse">
-                        <a:avLst/>
-                      </a:prstGeom>
-                      <a:solidFill>
-                        <a:srgbClr val="FFFFFF"/>
-                      </a:solidFill>
-                      <a:ln w="6350" cmpd="sng">
-                        <a:solidFill>
-                          <a:schemeClr val="tx1"/>
-                        </a:solidFill>
-                      </a:ln>
-                      <a:effectLst/>
-                    </p:spPr>
-                    <p:style>
-                      <a:lnRef idx="1">
-                        <a:schemeClr val="accent1"/>
-                      </a:lnRef>
-                      <a:fillRef idx="3">
-                        <a:schemeClr val="accent1"/>
-                      </a:fillRef>
-                      <a:effectRef idx="2">
-                        <a:schemeClr val="accent1"/>
-                      </a:effectRef>
-                      <a:fontRef idx="minor">
-                        <a:schemeClr val="lt1"/>
-                      </a:fontRef>
-                    </p:style>
-                    <p:txBody>
-                      <a:bodyPr rot="0" spcFirstLastPara="0" vert="horz" wrap="square" lIns="91440" tIns="45720" rIns="91440" bIns="45720" numCol="1" spcCol="0" rtlCol="0" fromWordArt="0" anchor="ctr" anchorCtr="0" forceAA="0" compatLnSpc="1">
-                        <a:prstTxWarp prst="textNoShape">
-                          <a:avLst/>
-                        </a:prstTxWarp>
-                        <a:noAutofit/>
-                      </a:bodyPr>
-                      <a:lstStyle/>
-                      <a:p>
-                        <a:endParaRPr lang="fr-FR"/>
-                      </a:p>
-                    </p:txBody>
-                  </p:sp>
-                </p:grpSp>
-                <p:grpSp>
-                  <p:nvGrpSpPr>
-                    <p:cNvPr id="21" name="Grouper 1137">
-                      <a:extLst>
-                        <a:ext uri="{FF2B5EF4-FFF2-40B4-BE49-F238E27FC236}">
-                          <a16:creationId xmlns="" xmlns:a16="http://schemas.microsoft.com/office/drawing/2014/main" id="{F5B7B0C9-0692-40CC-8FFF-1510570E4D66}"/>
-                        </a:ext>
-                      </a:extLst>
-                    </p:cNvPr>
-                    <p:cNvGrpSpPr/>
-                    <p:nvPr/>
-                  </p:nvGrpSpPr>
-                  <p:grpSpPr>
-                    <a:xfrm flipV="1">
-                      <a:off x="139065" y="16504"/>
-                      <a:ext cx="135888" cy="203840"/>
-                      <a:chOff x="0" y="134620"/>
-                      <a:chExt cx="291465" cy="530225"/>
-                    </a:xfrm>
-                  </p:grpSpPr>
-                  <p:sp>
-                    <p:nvSpPr>
-                      <p:cNvPr id="22" name="Ellipse 21">
-                        <a:extLst>
-                          <a:ext uri="{FF2B5EF4-FFF2-40B4-BE49-F238E27FC236}">
-                            <a16:creationId xmlns="" xmlns:a16="http://schemas.microsoft.com/office/drawing/2014/main" id="{774AA0C7-A8F0-4F7B-B67E-E5190F36F93E}"/>
-                          </a:ext>
-                        </a:extLst>
-                      </p:cNvPr>
-                      <p:cNvSpPr/>
-                      <p:nvPr/>
-                    </p:nvSpPr>
-                    <p:spPr>
-                      <a:xfrm>
-                        <a:off x="0" y="357505"/>
-                        <a:ext cx="60325" cy="67946"/>
-                      </a:xfrm>
-                      <a:prstGeom prst="ellipse">
-                        <a:avLst/>
-                      </a:prstGeom>
-                      <a:solidFill>
-                        <a:srgbClr val="FFFFFF"/>
-                      </a:solidFill>
-                      <a:ln w="6350" cmpd="sng">
-                        <a:solidFill>
-                          <a:schemeClr val="tx1"/>
-                        </a:solidFill>
-                      </a:ln>
-                      <a:effectLst/>
-                    </p:spPr>
-                    <p:style>
-                      <a:lnRef idx="1">
-                        <a:schemeClr val="accent1"/>
-                      </a:lnRef>
-                      <a:fillRef idx="3">
-                        <a:schemeClr val="accent1"/>
-                      </a:fillRef>
-                      <a:effectRef idx="2">
-                        <a:schemeClr val="accent1"/>
-                      </a:effectRef>
-                      <a:fontRef idx="minor">
-                        <a:schemeClr val="lt1"/>
-                      </a:fontRef>
-                    </p:style>
-                    <p:txBody>
-                      <a:bodyPr rot="0" spcFirstLastPara="0" vert="horz" wrap="square" lIns="91440" tIns="45720" rIns="91440" bIns="45720" numCol="1" spcCol="0" rtlCol="0" fromWordArt="0" anchor="ctr" anchorCtr="0" forceAA="0" compatLnSpc="1">
-                        <a:prstTxWarp prst="textNoShape">
-                          <a:avLst/>
-                        </a:prstTxWarp>
-                        <a:noAutofit/>
-                      </a:bodyPr>
-                      <a:lstStyle/>
-                      <a:p>
-                        <a:endParaRPr lang="fr-FR"/>
-                      </a:p>
-                    </p:txBody>
-                  </p:sp>
-                  <p:sp>
-                    <p:nvSpPr>
-                      <p:cNvPr id="23" name="Ellipse 22">
-                        <a:extLst>
-                          <a:ext uri="{FF2B5EF4-FFF2-40B4-BE49-F238E27FC236}">
-                            <a16:creationId xmlns="" xmlns:a16="http://schemas.microsoft.com/office/drawing/2014/main" id="{FEEC0C77-DF90-4BCD-A99C-64CC28559019}"/>
-                          </a:ext>
-                        </a:extLst>
-                      </p:cNvPr>
-                      <p:cNvSpPr/>
-                      <p:nvPr/>
-                    </p:nvSpPr>
-                    <p:spPr>
-                      <a:xfrm>
-                        <a:off x="95885" y="400685"/>
-                        <a:ext cx="75565" cy="88900"/>
-                      </a:xfrm>
-                      <a:prstGeom prst="ellipse">
-                        <a:avLst/>
-                      </a:prstGeom>
-                      <a:solidFill>
-                        <a:srgbClr val="FFFFFF"/>
-                      </a:solidFill>
-                      <a:ln w="6350" cmpd="sng">
-                        <a:solidFill>
-                          <a:schemeClr val="tx1"/>
-                        </a:solidFill>
-                      </a:ln>
-                      <a:effectLst/>
-                    </p:spPr>
-                    <p:style>
-                      <a:lnRef idx="1">
-                        <a:schemeClr val="accent1"/>
-                      </a:lnRef>
-                      <a:fillRef idx="3">
-                        <a:schemeClr val="accent1"/>
-                      </a:fillRef>
-                      <a:effectRef idx="2">
-                        <a:schemeClr val="accent1"/>
-                      </a:effectRef>
-                      <a:fontRef idx="minor">
-                        <a:schemeClr val="lt1"/>
-                      </a:fontRef>
-                    </p:style>
-                    <p:txBody>
-                      <a:bodyPr rot="0" spcFirstLastPara="0" vert="horz" wrap="square" lIns="91440" tIns="45720" rIns="91440" bIns="45720" numCol="1" spcCol="0" rtlCol="0" fromWordArt="0" anchor="ctr" anchorCtr="0" forceAA="0" compatLnSpc="1">
-                        <a:prstTxWarp prst="textNoShape">
-                          <a:avLst/>
-                        </a:prstTxWarp>
-                        <a:noAutofit/>
-                      </a:bodyPr>
-                      <a:lstStyle/>
-                      <a:p>
-                        <a:endParaRPr lang="fr-FR"/>
-                      </a:p>
-                    </p:txBody>
-                  </p:sp>
-                  <p:sp>
-                    <p:nvSpPr>
-                      <p:cNvPr id="24" name="Ellipse 23">
-                        <a:extLst>
-                          <a:ext uri="{FF2B5EF4-FFF2-40B4-BE49-F238E27FC236}">
-                            <a16:creationId xmlns="" xmlns:a16="http://schemas.microsoft.com/office/drawing/2014/main" id="{D63DF0E6-3C9B-495E-8907-2F8CE5A6E481}"/>
-                          </a:ext>
-                        </a:extLst>
-                      </p:cNvPr>
-                      <p:cNvSpPr/>
-                      <p:nvPr/>
-                    </p:nvSpPr>
-                    <p:spPr>
-                      <a:xfrm>
-                        <a:off x="167640" y="238760"/>
-                        <a:ext cx="76200" cy="90170"/>
-                      </a:xfrm>
-                      <a:prstGeom prst="ellipse">
-                        <a:avLst/>
-                      </a:prstGeom>
-                      <a:solidFill>
-                        <a:srgbClr val="FFFFFF"/>
-                      </a:solidFill>
-                      <a:ln w="6350" cmpd="sng">
-                        <a:solidFill>
-                          <a:schemeClr val="tx1"/>
-                        </a:solidFill>
-                      </a:ln>
-                      <a:effectLst/>
-                    </p:spPr>
-                    <p:style>
-                      <a:lnRef idx="1">
-                        <a:schemeClr val="accent1"/>
-                      </a:lnRef>
-                      <a:fillRef idx="3">
-                        <a:schemeClr val="accent1"/>
-                      </a:fillRef>
-                      <a:effectRef idx="2">
-                        <a:schemeClr val="accent1"/>
-                      </a:effectRef>
-                      <a:fontRef idx="minor">
-                        <a:schemeClr val="lt1"/>
-                      </a:fontRef>
-                    </p:style>
-                    <p:txBody>
-                      <a:bodyPr rot="0" spcFirstLastPara="0" vert="horz" wrap="square" lIns="91440" tIns="45720" rIns="91440" bIns="45720" numCol="1" spcCol="0" rtlCol="0" fromWordArt="0" anchor="ctr" anchorCtr="0" forceAA="0" compatLnSpc="1">
-                        <a:prstTxWarp prst="textNoShape">
-                          <a:avLst/>
-                        </a:prstTxWarp>
-                        <a:noAutofit/>
-                      </a:bodyPr>
-                      <a:lstStyle/>
-                      <a:p>
-                        <a:endParaRPr lang="fr-FR"/>
-                      </a:p>
-                    </p:txBody>
-                  </p:sp>
-                  <p:sp>
-                    <p:nvSpPr>
-                      <p:cNvPr id="25" name="Ellipse 24">
-                        <a:extLst>
-                          <a:ext uri="{FF2B5EF4-FFF2-40B4-BE49-F238E27FC236}">
-                            <a16:creationId xmlns="" xmlns:a16="http://schemas.microsoft.com/office/drawing/2014/main" id="{3E6CE2EF-E17F-4659-B270-DB1BF050F89A}"/>
-                          </a:ext>
-                        </a:extLst>
-                      </p:cNvPr>
-                      <p:cNvSpPr/>
-                      <p:nvPr/>
-                    </p:nvSpPr>
-                    <p:spPr>
-                      <a:xfrm>
-                        <a:off x="0" y="176530"/>
-                        <a:ext cx="88265" cy="97155"/>
-                      </a:xfrm>
-                      <a:prstGeom prst="ellipse">
-                        <a:avLst/>
-                      </a:prstGeom>
-                      <a:solidFill>
-                        <a:srgbClr val="FFFFFF"/>
-                      </a:solidFill>
-                      <a:ln w="6350" cmpd="sng">
-                        <a:solidFill>
-                          <a:schemeClr val="tx1"/>
-                        </a:solidFill>
-                      </a:ln>
-                      <a:effectLst/>
-                    </p:spPr>
-                    <p:style>
-                      <a:lnRef idx="1">
-                        <a:schemeClr val="accent1"/>
-                      </a:lnRef>
-                      <a:fillRef idx="3">
-                        <a:schemeClr val="accent1"/>
-                      </a:fillRef>
-                      <a:effectRef idx="2">
-                        <a:schemeClr val="accent1"/>
-                      </a:effectRef>
-                      <a:fontRef idx="minor">
-                        <a:schemeClr val="lt1"/>
-                      </a:fontRef>
-                    </p:style>
-                    <p:txBody>
-                      <a:bodyPr rot="0" spcFirstLastPara="0" vert="horz" wrap="square" lIns="91440" tIns="45720" rIns="91440" bIns="45720" numCol="1" spcCol="0" rtlCol="0" fromWordArt="0" anchor="ctr" anchorCtr="0" forceAA="0" compatLnSpc="1">
-                        <a:prstTxWarp prst="textNoShape">
-                          <a:avLst/>
-                        </a:prstTxWarp>
-                        <a:noAutofit/>
-                      </a:bodyPr>
-                      <a:lstStyle/>
-                      <a:p>
-                        <a:endParaRPr lang="fr-FR"/>
-                      </a:p>
-                    </p:txBody>
-                  </p:sp>
-                  <p:sp>
-                    <p:nvSpPr>
-                      <p:cNvPr id="26" name="Ellipse 25">
-                        <a:extLst>
-                          <a:ext uri="{FF2B5EF4-FFF2-40B4-BE49-F238E27FC236}">
-                            <a16:creationId xmlns="" xmlns:a16="http://schemas.microsoft.com/office/drawing/2014/main" id="{5E345AF9-576D-4D5F-9B99-69299E9CE7AF}"/>
-                          </a:ext>
-                        </a:extLst>
-                      </p:cNvPr>
-                      <p:cNvSpPr/>
-                      <p:nvPr/>
-                    </p:nvSpPr>
-                    <p:spPr>
-                      <a:xfrm>
-                        <a:off x="152400" y="134620"/>
-                        <a:ext cx="60325" cy="67945"/>
-                      </a:xfrm>
-                      <a:prstGeom prst="ellipse">
-                        <a:avLst/>
-                      </a:prstGeom>
-                      <a:solidFill>
-                        <a:srgbClr val="FFFFFF"/>
-                      </a:solidFill>
-                      <a:ln w="6350" cmpd="sng">
-                        <a:solidFill>
-                          <a:schemeClr val="tx1"/>
-                        </a:solidFill>
-                      </a:ln>
-                      <a:effectLst/>
-                    </p:spPr>
-                    <p:style>
-                      <a:lnRef idx="1">
-                        <a:schemeClr val="accent1"/>
-                      </a:lnRef>
-                      <a:fillRef idx="3">
-                        <a:schemeClr val="accent1"/>
-                      </a:fillRef>
-                      <a:effectRef idx="2">
-                        <a:schemeClr val="accent1"/>
-                      </a:effectRef>
-                      <a:fontRef idx="minor">
-                        <a:schemeClr val="lt1"/>
-                      </a:fontRef>
-                    </p:style>
-                    <p:txBody>
-                      <a:bodyPr rot="0" spcFirstLastPara="0" vert="horz" wrap="square" lIns="91440" tIns="45720" rIns="91440" bIns="45720" numCol="1" spcCol="0" rtlCol="0" fromWordArt="0" anchor="ctr" anchorCtr="0" forceAA="0" compatLnSpc="1">
-                        <a:prstTxWarp prst="textNoShape">
-                          <a:avLst/>
-                        </a:prstTxWarp>
-                        <a:noAutofit/>
-                      </a:bodyPr>
-                      <a:lstStyle/>
-                      <a:p>
-                        <a:endParaRPr lang="fr-FR"/>
-                      </a:p>
-                    </p:txBody>
-                  </p:sp>
-                  <p:sp>
-                    <p:nvSpPr>
-                      <p:cNvPr id="27" name="Ellipse 26">
-                        <a:extLst>
-                          <a:ext uri="{FF2B5EF4-FFF2-40B4-BE49-F238E27FC236}">
-                            <a16:creationId xmlns="" xmlns:a16="http://schemas.microsoft.com/office/drawing/2014/main" id="{76F2CFD5-C3C5-4A76-97A8-92571DE2741B}"/>
-                          </a:ext>
-                        </a:extLst>
-                      </p:cNvPr>
-                      <p:cNvSpPr/>
-                      <p:nvPr/>
-                    </p:nvSpPr>
-                    <p:spPr>
-                      <a:xfrm>
-                        <a:off x="231140" y="439420"/>
-                        <a:ext cx="60325" cy="67945"/>
-                      </a:xfrm>
-                      <a:prstGeom prst="ellipse">
-                        <a:avLst/>
-                      </a:prstGeom>
-                      <a:solidFill>
-                        <a:srgbClr val="FFFFFF"/>
-                      </a:solidFill>
-                      <a:ln w="6350" cmpd="sng">
-                        <a:solidFill>
-                          <a:schemeClr val="tx1"/>
-                        </a:solidFill>
-                      </a:ln>
-                      <a:effectLst/>
-                    </p:spPr>
-                    <p:style>
-                      <a:lnRef idx="1">
-                        <a:schemeClr val="accent1"/>
-                      </a:lnRef>
-                      <a:fillRef idx="3">
-                        <a:schemeClr val="accent1"/>
-                      </a:fillRef>
-                      <a:effectRef idx="2">
-                        <a:schemeClr val="accent1"/>
-                      </a:effectRef>
-                      <a:fontRef idx="minor">
-                        <a:schemeClr val="lt1"/>
-                      </a:fontRef>
-                    </p:style>
-                    <p:txBody>
-                      <a:bodyPr rot="0" spcFirstLastPara="0" vert="horz" wrap="square" lIns="91440" tIns="45720" rIns="91440" bIns="45720" numCol="1" spcCol="0" rtlCol="0" fromWordArt="0" anchor="ctr" anchorCtr="0" forceAA="0" compatLnSpc="1">
-                        <a:prstTxWarp prst="textNoShape">
-                          <a:avLst/>
-                        </a:prstTxWarp>
-                        <a:noAutofit/>
-                      </a:bodyPr>
-                      <a:lstStyle/>
-                      <a:p>
-                        <a:endParaRPr lang="fr-FR"/>
-                      </a:p>
-                    </p:txBody>
-                  </p:sp>
-                  <p:sp>
-                    <p:nvSpPr>
-                      <p:cNvPr id="28" name="Ellipse 27">
-                        <a:extLst>
-                          <a:ext uri="{FF2B5EF4-FFF2-40B4-BE49-F238E27FC236}">
-                            <a16:creationId xmlns="" xmlns:a16="http://schemas.microsoft.com/office/drawing/2014/main" id="{AD272114-C144-4FD2-AFB8-F43C6C8DD750}"/>
-                          </a:ext>
-                        </a:extLst>
-                      </p:cNvPr>
-                      <p:cNvSpPr/>
-                      <p:nvPr/>
-                    </p:nvSpPr>
-                    <p:spPr>
-                      <a:xfrm>
-                        <a:off x="107315" y="596900"/>
-                        <a:ext cx="60325" cy="67945"/>
-                      </a:xfrm>
-                      <a:prstGeom prst="ellipse">
-                        <a:avLst/>
-                      </a:prstGeom>
-                      <a:solidFill>
-                        <a:srgbClr val="FFFFFF"/>
-                      </a:solidFill>
-                      <a:ln w="6350" cmpd="sng">
-                        <a:solidFill>
-                          <a:schemeClr val="tx1"/>
-                        </a:solidFill>
-                      </a:ln>
-                      <a:effectLst/>
-                    </p:spPr>
-                    <p:style>
-                      <a:lnRef idx="1">
-                        <a:schemeClr val="accent1"/>
-                      </a:lnRef>
-                      <a:fillRef idx="3">
-                        <a:schemeClr val="accent1"/>
-                      </a:fillRef>
-                      <a:effectRef idx="2">
-                        <a:schemeClr val="accent1"/>
-                      </a:effectRef>
-                      <a:fontRef idx="minor">
-                        <a:schemeClr val="lt1"/>
-                      </a:fontRef>
-                    </p:style>
-                    <p:txBody>
-                      <a:bodyPr rot="0" spcFirstLastPara="0" vert="horz" wrap="square" lIns="91440" tIns="45720" rIns="91440" bIns="45720" numCol="1" spcCol="0" rtlCol="0" fromWordArt="0" anchor="ctr" anchorCtr="0" forceAA="0" compatLnSpc="1">
-                        <a:prstTxWarp prst="textNoShape">
-                          <a:avLst/>
-                        </a:prstTxWarp>
-                        <a:noAutofit/>
-                      </a:bodyPr>
-                      <a:lstStyle/>
-                      <a:p>
-                        <a:endParaRPr lang="fr-FR"/>
-                      </a:p>
-                    </p:txBody>
-                  </p:sp>
-                </p:grpSp>
-              </p:grpSp>
-            </p:grpSp>
-          </p:grpSp>
-          <p:grpSp>
-            <p:nvGrpSpPr>
-              <p:cNvPr id="50" name="Grouper 449">
-                <a:extLst>
-                  <a:ext uri="{FF2B5EF4-FFF2-40B4-BE49-F238E27FC236}">
-                    <a16:creationId xmlns="" xmlns:a16="http://schemas.microsoft.com/office/drawing/2014/main" id="{9C57DA80-3135-4FF0-8A9C-86435D269443}"/>
-                  </a:ext>
-                </a:extLst>
-              </p:cNvPr>
-              <p:cNvGrpSpPr/>
-              <p:nvPr/>
-            </p:nvGrpSpPr>
-            <p:grpSpPr>
-              <a:xfrm>
-                <a:off x="1285806" y="4325481"/>
-                <a:ext cx="1472875" cy="287546"/>
-                <a:chOff x="0" y="0"/>
-                <a:chExt cx="1143000" cy="434975"/>
-              </a:xfrm>
-            </p:grpSpPr>
-            <p:grpSp>
-              <p:nvGrpSpPr>
-                <p:cNvPr id="51" name="Grouper 445">
-                  <a:extLst>
-                    <a:ext uri="{FF2B5EF4-FFF2-40B4-BE49-F238E27FC236}">
-                      <a16:creationId xmlns="" xmlns:a16="http://schemas.microsoft.com/office/drawing/2014/main" id="{615689D8-4CF1-4BD0-829B-353ACD465EF3}"/>
-                    </a:ext>
-                  </a:extLst>
-                </p:cNvPr>
-                <p:cNvGrpSpPr/>
-                <p:nvPr/>
-              </p:nvGrpSpPr>
-              <p:grpSpPr>
-                <a:xfrm>
-                  <a:off x="0" y="71120"/>
-                  <a:ext cx="1143000" cy="363855"/>
-                  <a:chOff x="0" y="0"/>
-                  <a:chExt cx="1143000" cy="363855"/>
-                </a:xfrm>
-              </p:grpSpPr>
-              <p:sp>
-                <p:nvSpPr>
-                  <p:cNvPr id="53" name="Rectangle 52">
-                    <a:extLst>
-                      <a:ext uri="{FF2B5EF4-FFF2-40B4-BE49-F238E27FC236}">
-                        <a16:creationId xmlns="" xmlns:a16="http://schemas.microsoft.com/office/drawing/2014/main" id="{A641D3FA-80B7-4CBD-BEE0-26B2A421F1C4}"/>
-                      </a:ext>
-                    </a:extLst>
-                  </p:cNvPr>
-                  <p:cNvSpPr/>
-                  <p:nvPr/>
-                </p:nvSpPr>
-                <p:spPr>
-                  <a:xfrm>
-                    <a:off x="0" y="0"/>
-                    <a:ext cx="1143000" cy="363855"/>
-                  </a:xfrm>
-                  <a:prstGeom prst="rect">
-                    <a:avLst/>
-                  </a:prstGeom>
-                  <a:solidFill>
-                    <a:srgbClr val="BFBFBF"/>
-                  </a:solidFill>
-                  <a:ln>
-                    <a:solidFill>
-                      <a:schemeClr val="tx1"/>
-                    </a:solidFill>
-                  </a:ln>
-                  <a:effectLst/>
-                </p:spPr>
-                <p:style>
-                  <a:lnRef idx="1">
-                    <a:schemeClr val="accent1"/>
-                  </a:lnRef>
-                  <a:fillRef idx="3">
-                    <a:schemeClr val="accent1"/>
-                  </a:fillRef>
-                  <a:effectRef idx="2">
-                    <a:schemeClr val="accent1"/>
-                  </a:effectRef>
-                  <a:fontRef idx="minor">
-                    <a:schemeClr val="lt1"/>
-                  </a:fontRef>
-                </p:style>
-                <p:txBody>
-                  <a:bodyPr rot="0" spcFirstLastPara="0" vert="horz" wrap="square" lIns="91440" tIns="45720" rIns="91440" bIns="45720" numCol="1" spcCol="0" rtlCol="0" fromWordArt="0" anchor="ctr" anchorCtr="0" forceAA="0" compatLnSpc="1">
-                    <a:prstTxWarp prst="textNoShape">
-                      <a:avLst/>
-                    </a:prstTxWarp>
-                    <a:noAutofit/>
-                  </a:bodyPr>
-                  <a:lstStyle/>
-                  <a:p>
-                    <a:endParaRPr lang="fr-FR"/>
-                  </a:p>
-                </p:txBody>
-              </p:sp>
-              <p:sp>
-                <p:nvSpPr>
-                  <p:cNvPr id="54" name="Ellipse 53">
-                    <a:extLst>
-                      <a:ext uri="{FF2B5EF4-FFF2-40B4-BE49-F238E27FC236}">
-                        <a16:creationId xmlns="" xmlns:a16="http://schemas.microsoft.com/office/drawing/2014/main" id="{29120FC9-E7B6-4137-B33C-3FEA633CA855}"/>
-                      </a:ext>
-                    </a:extLst>
-                  </p:cNvPr>
-                  <p:cNvSpPr/>
-                  <p:nvPr/>
-                </p:nvSpPr>
-                <p:spPr>
-                  <a:xfrm>
-                    <a:off x="102340" y="75494"/>
-                    <a:ext cx="77105" cy="183840"/>
-                  </a:xfrm>
-                  <a:prstGeom prst="ellipse">
-                    <a:avLst/>
-                  </a:prstGeom>
-                  <a:solidFill>
-                    <a:schemeClr val="bg1"/>
-                  </a:solidFill>
-                  <a:ln>
-                    <a:solidFill>
-                      <a:schemeClr val="tx1"/>
-                    </a:solidFill>
-                  </a:ln>
-                  <a:effectLst>
-                    <a:outerShdw blurRad="50800" dist="38100" dir="8100000" algn="tr" rotWithShape="0">
-                      <a:prstClr val="black">
-                        <a:alpha val="40000"/>
-                      </a:prstClr>
-                    </a:outerShdw>
-                  </a:effectLst>
-                </p:spPr>
-                <p:style>
-                  <a:lnRef idx="1">
-                    <a:schemeClr val="accent1"/>
-                  </a:lnRef>
-                  <a:fillRef idx="3">
-                    <a:schemeClr val="accent1"/>
-                  </a:fillRef>
-                  <a:effectRef idx="2">
-                    <a:schemeClr val="accent1"/>
-                  </a:effectRef>
-                  <a:fontRef idx="minor">
-                    <a:schemeClr val="lt1"/>
-                  </a:fontRef>
-                </p:style>
-                <p:txBody>
-                  <a:bodyPr rot="0" spcFirstLastPara="0" vert="horz" wrap="square" lIns="91440" tIns="45720" rIns="91440" bIns="45720" numCol="1" spcCol="0" rtlCol="0" fromWordArt="0" anchor="ctr" anchorCtr="0" forceAA="0" compatLnSpc="1">
-                    <a:prstTxWarp prst="textNoShape">
-                      <a:avLst/>
-                    </a:prstTxWarp>
-                    <a:noAutofit/>
-                  </a:bodyPr>
-                  <a:lstStyle/>
-                  <a:p>
-                    <a:endParaRPr lang="fr-FR"/>
-                  </a:p>
-                </p:txBody>
-              </p:sp>
-            </p:grpSp>
-            <p:sp>
-              <p:nvSpPr>
-                <p:cNvPr id="52" name="Rectangle 51">
-                  <a:extLst>
-                    <a:ext uri="{FF2B5EF4-FFF2-40B4-BE49-F238E27FC236}">
-                      <a16:creationId xmlns="" xmlns:a16="http://schemas.microsoft.com/office/drawing/2014/main" id="{AADFCF41-F5E5-4715-90D8-8104215D4EE0}"/>
-                    </a:ext>
-                  </a:extLst>
-                </p:cNvPr>
-                <p:cNvSpPr/>
-                <p:nvPr/>
-              </p:nvSpPr>
-              <p:spPr>
-                <a:xfrm>
-                  <a:off x="0" y="0"/>
-                  <a:ext cx="1143000" cy="69215"/>
-                </a:xfrm>
-                <a:prstGeom prst="rect">
-                  <a:avLst/>
-                </a:prstGeom>
-                <a:solidFill>
-                  <a:schemeClr val="bg1">
-                    <a:lumMod val="95000"/>
-                  </a:schemeClr>
-                </a:solidFill>
-                <a:ln>
-                  <a:solidFill>
-                    <a:schemeClr val="tx1"/>
-                  </a:solidFill>
-                </a:ln>
-                <a:effectLst/>
-              </p:spPr>
-              <p:style>
-                <a:lnRef idx="1">
-                  <a:schemeClr val="accent1"/>
-                </a:lnRef>
-                <a:fillRef idx="3">
-                  <a:schemeClr val="accent1"/>
-                </a:fillRef>
-                <a:effectRef idx="2">
-                  <a:schemeClr val="accent1"/>
-                </a:effectRef>
-                <a:fontRef idx="minor">
-                  <a:schemeClr val="lt1"/>
-                </a:fontRef>
-              </p:style>
-              <p:txBody>
-                <a:bodyPr rot="0" spcFirstLastPara="0" vert="horz" wrap="square" lIns="91440" tIns="45720" rIns="91440" bIns="45720" numCol="1" spcCol="0" rtlCol="0" fromWordArt="0" anchor="ctr" anchorCtr="0" forceAA="0" compatLnSpc="1">
-                  <a:prstTxWarp prst="textNoShape">
-                    <a:avLst/>
-                  </a:prstTxWarp>
-                  <a:noAutofit/>
-                </a:bodyPr>
-                <a:lstStyle/>
-                <a:p>
-                  <a:endParaRPr lang="fr-FR"/>
-                </a:p>
-              </p:txBody>
-            </p:sp>
-          </p:grpSp>
-          <p:grpSp>
-            <p:nvGrpSpPr>
-              <p:cNvPr id="55" name="Grouper 868">
-                <a:extLst>
-                  <a:ext uri="{FF2B5EF4-FFF2-40B4-BE49-F238E27FC236}">
-                    <a16:creationId xmlns="" xmlns:a16="http://schemas.microsoft.com/office/drawing/2014/main" id="{A5E701B4-3BD0-43D6-9A4E-54C4C418C032}"/>
-                  </a:ext>
-                </a:extLst>
-              </p:cNvPr>
-              <p:cNvGrpSpPr/>
-              <p:nvPr/>
-            </p:nvGrpSpPr>
-            <p:grpSpPr>
-              <a:xfrm>
-                <a:off x="1907704" y="1772816"/>
-                <a:ext cx="237140" cy="1500878"/>
-                <a:chOff x="0" y="0"/>
-                <a:chExt cx="219710" cy="1389380"/>
-              </a:xfrm>
-            </p:grpSpPr>
-            <p:sp>
-              <p:nvSpPr>
-                <p:cNvPr id="56" name="Rectangle 55">
-                  <a:extLst>
-                    <a:ext uri="{FF2B5EF4-FFF2-40B4-BE49-F238E27FC236}">
-                      <a16:creationId xmlns="" xmlns:a16="http://schemas.microsoft.com/office/drawing/2014/main" id="{EB149EDC-5B60-4403-A861-52DBD08A1848}"/>
-                    </a:ext>
-                  </a:extLst>
-                </p:cNvPr>
-                <p:cNvSpPr/>
-                <p:nvPr/>
-              </p:nvSpPr>
-              <p:spPr>
-                <a:xfrm>
-                  <a:off x="76835" y="26670"/>
-                  <a:ext cx="75565" cy="1330960"/>
-                </a:xfrm>
-                <a:prstGeom prst="rect">
-                  <a:avLst/>
-                </a:prstGeom>
-                <a:solidFill>
-                  <a:schemeClr val="bg1"/>
-                </a:solidFill>
-                <a:ln>
-                  <a:solidFill>
-                    <a:schemeClr val="tx1"/>
-                  </a:solidFill>
-                </a:ln>
-                <a:effectLst/>
-              </p:spPr>
-              <p:style>
-                <a:lnRef idx="1">
-                  <a:schemeClr val="accent1"/>
-                </a:lnRef>
-                <a:fillRef idx="3">
-                  <a:schemeClr val="accent1"/>
-                </a:fillRef>
-                <a:effectRef idx="2">
-                  <a:schemeClr val="accent1"/>
-                </a:effectRef>
-                <a:fontRef idx="minor">
-                  <a:schemeClr val="lt1"/>
-                </a:fontRef>
-              </p:style>
-              <p:txBody>
-                <a:bodyPr rot="0" spcFirstLastPara="0" vert="horz" wrap="square" lIns="91440" tIns="45720" rIns="91440" bIns="45720" numCol="1" spcCol="0" rtlCol="0" fromWordArt="0" anchor="ctr" anchorCtr="0" forceAA="0" compatLnSpc="1">
-                  <a:prstTxWarp prst="textNoShape">
-                    <a:avLst/>
-                  </a:prstTxWarp>
-                  <a:noAutofit/>
-                </a:bodyPr>
-                <a:lstStyle/>
-                <a:p>
-                  <a:endParaRPr lang="fr-FR"/>
-                </a:p>
-              </p:txBody>
-            </p:sp>
-            <p:grpSp>
-              <p:nvGrpSpPr>
-                <p:cNvPr id="57" name="Grouper 862">
-                  <a:extLst>
-                    <a:ext uri="{FF2B5EF4-FFF2-40B4-BE49-F238E27FC236}">
-                      <a16:creationId xmlns="" xmlns:a16="http://schemas.microsoft.com/office/drawing/2014/main" id="{26165DF0-0863-48BD-B55F-140AED36DEA9}"/>
-                    </a:ext>
-                  </a:extLst>
-                </p:cNvPr>
-                <p:cNvGrpSpPr/>
-                <p:nvPr/>
-              </p:nvGrpSpPr>
-              <p:grpSpPr>
-                <a:xfrm>
-                  <a:off x="0" y="1090295"/>
-                  <a:ext cx="219710" cy="161925"/>
-                  <a:chOff x="0" y="0"/>
-                  <a:chExt cx="219710" cy="161925"/>
-                </a:xfrm>
-                <a:solidFill>
-                  <a:schemeClr val="bg1">
-                    <a:lumMod val="85000"/>
-                  </a:schemeClr>
-                </a:solidFill>
-              </p:grpSpPr>
-              <p:sp>
-                <p:nvSpPr>
-                  <p:cNvPr id="60" name="Rectangle 59">
-                    <a:extLst>
-                      <a:ext uri="{FF2B5EF4-FFF2-40B4-BE49-F238E27FC236}">
-                        <a16:creationId xmlns="" xmlns:a16="http://schemas.microsoft.com/office/drawing/2014/main" id="{1C89BBC2-DE77-4020-BE8C-EE7E244A58A6}"/>
-                      </a:ext>
-                    </a:extLst>
-                  </p:cNvPr>
-                  <p:cNvSpPr/>
-                  <p:nvPr/>
-                </p:nvSpPr>
-                <p:spPr>
-                  <a:xfrm>
-                    <a:off x="45720" y="45720"/>
-                    <a:ext cx="134620" cy="116205"/>
-                  </a:xfrm>
-                  <a:prstGeom prst="rect">
-                    <a:avLst/>
-                  </a:prstGeom>
-                  <a:grpFill/>
-                  <a:ln>
-                    <a:solidFill>
-                      <a:schemeClr val="tx1"/>
-                    </a:solidFill>
-                  </a:ln>
-                  <a:effectLst/>
-                </p:spPr>
-                <p:style>
-                  <a:lnRef idx="1">
-                    <a:schemeClr val="accent1"/>
-                  </a:lnRef>
-                  <a:fillRef idx="3">
-                    <a:schemeClr val="accent1"/>
-                  </a:fillRef>
-                  <a:effectRef idx="2">
-                    <a:schemeClr val="accent1"/>
-                  </a:effectRef>
-                  <a:fontRef idx="minor">
-                    <a:schemeClr val="lt1"/>
-                  </a:fontRef>
-                </p:style>
-                <p:txBody>
-                  <a:bodyPr rot="0" spcFirstLastPara="0" vert="horz" wrap="square" lIns="91440" tIns="45720" rIns="91440" bIns="45720" numCol="1" spcCol="0" rtlCol="0" fromWordArt="0" anchor="ctr" anchorCtr="0" forceAA="0" compatLnSpc="1">
-                    <a:prstTxWarp prst="textNoShape">
-                      <a:avLst/>
-                    </a:prstTxWarp>
-                    <a:noAutofit/>
-                  </a:bodyPr>
-                  <a:lstStyle/>
-                  <a:p>
-                    <a:endParaRPr lang="fr-FR"/>
-                  </a:p>
-                </p:txBody>
-              </p:sp>
-              <p:sp>
-                <p:nvSpPr>
-                  <p:cNvPr id="61" name="Rectangle 60">
-                    <a:extLst>
-                      <a:ext uri="{FF2B5EF4-FFF2-40B4-BE49-F238E27FC236}">
-                        <a16:creationId xmlns="" xmlns:a16="http://schemas.microsoft.com/office/drawing/2014/main" id="{DEDD90A0-FDCB-4CC6-B8BC-EC867D153055}"/>
-                      </a:ext>
-                    </a:extLst>
-                  </p:cNvPr>
-                  <p:cNvSpPr/>
-                  <p:nvPr/>
-                </p:nvSpPr>
-                <p:spPr>
-                  <a:xfrm>
-                    <a:off x="0" y="0"/>
-                    <a:ext cx="219710" cy="45085"/>
-                  </a:xfrm>
-                  <a:prstGeom prst="rect">
-                    <a:avLst/>
-                  </a:prstGeom>
-                  <a:grpFill/>
-                  <a:ln>
-                    <a:solidFill>
-                      <a:schemeClr val="tx1"/>
-                    </a:solidFill>
-                  </a:ln>
-                  <a:effectLst/>
-                </p:spPr>
-                <p:style>
-                  <a:lnRef idx="1">
-                    <a:schemeClr val="accent1"/>
-                  </a:lnRef>
-                  <a:fillRef idx="3">
-                    <a:schemeClr val="accent1"/>
-                  </a:fillRef>
-                  <a:effectRef idx="2">
-                    <a:schemeClr val="accent1"/>
-                  </a:effectRef>
-                  <a:fontRef idx="minor">
-                    <a:schemeClr val="lt1"/>
-                  </a:fontRef>
-                </p:style>
-                <p:txBody>
-                  <a:bodyPr rot="0" spcFirstLastPara="0" vert="horz" wrap="square" lIns="91440" tIns="45720" rIns="91440" bIns="45720" numCol="1" spcCol="0" rtlCol="0" fromWordArt="0" anchor="ctr" anchorCtr="0" forceAA="0" compatLnSpc="1">
-                    <a:prstTxWarp prst="textNoShape">
-                      <a:avLst/>
-                    </a:prstTxWarp>
-                    <a:noAutofit/>
-                  </a:bodyPr>
-                  <a:lstStyle/>
-                  <a:p>
-                    <a:endParaRPr lang="fr-FR"/>
-                  </a:p>
-                </p:txBody>
-              </p:sp>
-            </p:grpSp>
-            <p:sp>
-              <p:nvSpPr>
-                <p:cNvPr id="58" name="Rectangle 57">
-                  <a:extLst>
-                    <a:ext uri="{FF2B5EF4-FFF2-40B4-BE49-F238E27FC236}">
-                      <a16:creationId xmlns="" xmlns:a16="http://schemas.microsoft.com/office/drawing/2014/main" id="{BCC9B9B5-12F6-4824-A66A-90BA47BF26C0}"/>
-                    </a:ext>
-                  </a:extLst>
-                </p:cNvPr>
-                <p:cNvSpPr/>
-                <p:nvPr/>
-              </p:nvSpPr>
-              <p:spPr>
-                <a:xfrm>
-                  <a:off x="56515" y="0"/>
-                  <a:ext cx="123825" cy="56515"/>
-                </a:xfrm>
-                <a:prstGeom prst="rect">
-                  <a:avLst/>
-                </a:prstGeom>
-                <a:solidFill>
-                  <a:srgbClr val="FFFFFF"/>
-                </a:solidFill>
-                <a:ln>
-                  <a:noFill/>
-                </a:ln>
-                <a:effectLst/>
-              </p:spPr>
-              <p:style>
-                <a:lnRef idx="1">
-                  <a:schemeClr val="accent1"/>
-                </a:lnRef>
-                <a:fillRef idx="3">
-                  <a:schemeClr val="accent1"/>
-                </a:fillRef>
-                <a:effectRef idx="2">
-                  <a:schemeClr val="accent1"/>
-                </a:effectRef>
-                <a:fontRef idx="minor">
-                  <a:schemeClr val="lt1"/>
-                </a:fontRef>
-              </p:style>
-              <p:txBody>
-                <a:bodyPr rot="0" spcFirstLastPara="0" vert="horz" wrap="square" lIns="91440" tIns="45720" rIns="91440" bIns="45720" numCol="1" spcCol="0" rtlCol="0" fromWordArt="0" anchor="ctr" anchorCtr="0" forceAA="0" compatLnSpc="1">
-                  <a:prstTxWarp prst="textNoShape">
-                    <a:avLst/>
-                  </a:prstTxWarp>
-                  <a:noAutofit/>
-                </a:bodyPr>
-                <a:lstStyle/>
-                <a:p>
-                  <a:endParaRPr lang="fr-FR"/>
-                </a:p>
-              </p:txBody>
-            </p:sp>
-            <p:sp>
-              <p:nvSpPr>
-                <p:cNvPr id="59" name="Rectangle 58">
-                  <a:extLst>
-                    <a:ext uri="{FF2B5EF4-FFF2-40B4-BE49-F238E27FC236}">
-                      <a16:creationId xmlns="" xmlns:a16="http://schemas.microsoft.com/office/drawing/2014/main" id="{50CA6191-DF3E-4FAE-8FE2-1AAC1D7FAFD3}"/>
-                    </a:ext>
-                  </a:extLst>
-                </p:cNvPr>
-                <p:cNvSpPr/>
-                <p:nvPr/>
-              </p:nvSpPr>
-              <p:spPr>
-                <a:xfrm>
-                  <a:off x="58420" y="1327150"/>
-                  <a:ext cx="108585" cy="62230"/>
-                </a:xfrm>
-                <a:prstGeom prst="rect">
-                  <a:avLst/>
-                </a:prstGeom>
-                <a:solidFill>
-                  <a:srgbClr val="FFFFFF"/>
-                </a:solidFill>
-                <a:ln>
-                  <a:noFill/>
-                </a:ln>
-                <a:effectLst/>
-              </p:spPr>
-              <p:style>
-                <a:lnRef idx="1">
-                  <a:schemeClr val="accent1"/>
-                </a:lnRef>
-                <a:fillRef idx="3">
-                  <a:schemeClr val="accent1"/>
-                </a:fillRef>
-                <a:effectRef idx="2">
-                  <a:schemeClr val="accent1"/>
-                </a:effectRef>
-                <a:fontRef idx="minor">
-                  <a:schemeClr val="lt1"/>
-                </a:fontRef>
-              </p:style>
-              <p:txBody>
-                <a:bodyPr rot="0" spcFirstLastPara="0" vert="horz" wrap="square" lIns="91440" tIns="45720" rIns="91440" bIns="45720" numCol="1" spcCol="0" rtlCol="0" fromWordArt="0" anchor="ctr" anchorCtr="0" forceAA="0" compatLnSpc="1">
-                  <a:prstTxWarp prst="textNoShape">
-                    <a:avLst/>
-                  </a:prstTxWarp>
-                  <a:noAutofit/>
-                </a:bodyPr>
-                <a:lstStyle/>
-                <a:p>
-                  <a:endParaRPr lang="fr-FR"/>
-                </a:p>
-              </p:txBody>
-            </p:sp>
-          </p:grpSp>
-        </p:grpSp>
-      </p:grpSp>
       <p:grpSp>
         <p:nvGrpSpPr>
           <p:cNvPr id="101" name="Groupe 100"/>
@@ -10926,7 +9448,7 @@
         </p:nvGrpSpPr>
         <p:grpSpPr>
           <a:xfrm>
-            <a:off x="4868364" y="3307042"/>
+            <a:off x="5156396" y="3307042"/>
             <a:ext cx="1071788" cy="1994166"/>
             <a:chOff x="4283968" y="3754927"/>
             <a:chExt cx="1071788" cy="1994166"/>
@@ -10937,7 +9459,7 @@
             <p:cNvPr id="62" name="Grouper 48">
               <a:extLst>
                 <a:ext uri="{FF2B5EF4-FFF2-40B4-BE49-F238E27FC236}">
-                  <a16:creationId xmlns="" xmlns:a16="http://schemas.microsoft.com/office/drawing/2014/main" id="{18FD65A8-A4DC-41C8-A251-3EC1C535C151}"/>
+                  <a16:creationId xmlns:a16="http://schemas.microsoft.com/office/drawing/2014/main" xmlns="" id="{18FD65A8-A4DC-41C8-A251-3EC1C535C151}"/>
                 </a:ext>
               </a:extLst>
             </p:cNvPr>
@@ -10957,7 +9479,7 @@
               <p:cNvPr id="63" name="Grouper 31">
                 <a:extLst>
                   <a:ext uri="{FF2B5EF4-FFF2-40B4-BE49-F238E27FC236}">
-                    <a16:creationId xmlns="" xmlns:a16="http://schemas.microsoft.com/office/drawing/2014/main" id="{A58ED05F-4666-4F1D-9E5F-0606ED7945FE}"/>
+                    <a16:creationId xmlns:a16="http://schemas.microsoft.com/office/drawing/2014/main" xmlns="" id="{A58ED05F-4666-4F1D-9E5F-0606ED7945FE}"/>
                   </a:ext>
                 </a:extLst>
               </p:cNvPr>
@@ -10977,7 +9499,7 @@
                 <p:cNvPr id="65" name="Arrondir un rectangle avec un coin du même côté 29">
                   <a:extLst>
                     <a:ext uri="{FF2B5EF4-FFF2-40B4-BE49-F238E27FC236}">
-                      <a16:creationId xmlns="" xmlns:a16="http://schemas.microsoft.com/office/drawing/2014/main" id="{FA3F00A4-61E5-46AF-906F-9B0C8417EB11}"/>
+                      <a16:creationId xmlns:a16="http://schemas.microsoft.com/office/drawing/2014/main" xmlns="" id="{FA3F00A4-61E5-46AF-906F-9B0C8417EB11}"/>
                     </a:ext>
                   </a:extLst>
                 </p:cNvPr>
@@ -11032,7 +9554,7 @@
                 <p:cNvPr id="66" name="Arrondir un rectangle avec un coin du même côté 30">
                   <a:extLst>
                     <a:ext uri="{FF2B5EF4-FFF2-40B4-BE49-F238E27FC236}">
-                      <a16:creationId xmlns="" xmlns:a16="http://schemas.microsoft.com/office/drawing/2014/main" id="{AC8A050F-8E45-471E-A655-629B9280B446}"/>
+                      <a16:creationId xmlns:a16="http://schemas.microsoft.com/office/drawing/2014/main" xmlns="" id="{AC8A050F-8E45-471E-A655-629B9280B446}"/>
                     </a:ext>
                   </a:extLst>
                 </p:cNvPr>
@@ -11088,7 +9610,7 @@
               <p:cNvPr id="64" name="Rectangle 63">
                 <a:extLst>
                   <a:ext uri="{FF2B5EF4-FFF2-40B4-BE49-F238E27FC236}">
-                    <a16:creationId xmlns="" xmlns:a16="http://schemas.microsoft.com/office/drawing/2014/main" id="{3C5E1F46-536B-4F26-B42D-73170A8316AF}"/>
+                    <a16:creationId xmlns:a16="http://schemas.microsoft.com/office/drawing/2014/main" xmlns="" id="{3C5E1F46-536B-4F26-B42D-73170A8316AF}"/>
                   </a:ext>
                 </a:extLst>
               </p:cNvPr>
@@ -11146,7 +9668,7 @@
             <p:cNvPr id="67" name="Flèche : droite 94">
               <a:extLst>
                 <a:ext uri="{FF2B5EF4-FFF2-40B4-BE49-F238E27FC236}">
-                  <a16:creationId xmlns="" xmlns:a16="http://schemas.microsoft.com/office/drawing/2014/main" id="{497AC6EF-A5D0-4BCB-AA67-1BD938AAF1D9}"/>
+                  <a16:creationId xmlns:a16="http://schemas.microsoft.com/office/drawing/2014/main" xmlns="" id="{497AC6EF-A5D0-4BCB-AA67-1BD938AAF1D9}"/>
                 </a:ext>
               </a:extLst>
             </p:cNvPr>
@@ -11205,7 +9727,7 @@
             <p:cNvPr id="68" name="Forme libre 5">
               <a:extLst>
                 <a:ext uri="{FF2B5EF4-FFF2-40B4-BE49-F238E27FC236}">
-                  <a16:creationId xmlns="" xmlns:a16="http://schemas.microsoft.com/office/drawing/2014/main" id="{1C33CF96-CFCF-4C78-9886-EC31B1C461F6}"/>
+                  <a16:creationId xmlns:a16="http://schemas.microsoft.com/office/drawing/2014/main" xmlns="" id="{1C33CF96-CFCF-4C78-9886-EC31B1C461F6}"/>
                 </a:ext>
               </a:extLst>
             </p:cNvPr>
@@ -12571,7 +11093,7 @@
           <p:cNvPr id="69" name="ZoneTexte 68">
             <a:extLst>
               <a:ext uri="{FF2B5EF4-FFF2-40B4-BE49-F238E27FC236}">
-                <a16:creationId xmlns="" xmlns:a16="http://schemas.microsoft.com/office/drawing/2014/main" id="{26F6C495-DEA0-457B-A220-4C85681DB504}"/>
+                <a16:creationId xmlns:a16="http://schemas.microsoft.com/office/drawing/2014/main" xmlns="" id="{26F6C495-DEA0-457B-A220-4C85681DB504}"/>
               </a:ext>
             </a:extLst>
           </p:cNvPr>
@@ -12647,7 +11169,7 @@
               <p:cNvPr id="76" name="Rectangle 75">
                 <a:extLst>
                   <a:ext uri="{FF2B5EF4-FFF2-40B4-BE49-F238E27FC236}">
-                    <a16:creationId xmlns="" xmlns:a16="http://schemas.microsoft.com/office/drawing/2014/main" id="{6DEBDE08-DBC3-45FE-B35A-1A4430437CE0}"/>
+                    <a16:creationId xmlns:a16="http://schemas.microsoft.com/office/drawing/2014/main" xmlns="" id="{6DEBDE08-DBC3-45FE-B35A-1A4430437CE0}"/>
                   </a:ext>
                 </a:extLst>
               </p:cNvPr>
@@ -12704,7 +11226,7 @@
               <p:cNvPr id="78" name="Rectangle 77">
                 <a:extLst>
                   <a:ext uri="{FF2B5EF4-FFF2-40B4-BE49-F238E27FC236}">
-                    <a16:creationId xmlns="" xmlns:a16="http://schemas.microsoft.com/office/drawing/2014/main" id="{7163573F-B458-4F86-B136-407E45B1E977}"/>
+                    <a16:creationId xmlns:a16="http://schemas.microsoft.com/office/drawing/2014/main" xmlns="" id="{7163573F-B458-4F86-B136-407E45B1E977}"/>
                   </a:ext>
                 </a:extLst>
               </p:cNvPr>
@@ -12775,7 +11297,7 @@
                 <p:cNvPr id="83" name="Grouper 149">
                   <a:extLst>
                     <a:ext uri="{FF2B5EF4-FFF2-40B4-BE49-F238E27FC236}">
-                      <a16:creationId xmlns="" xmlns:a16="http://schemas.microsoft.com/office/drawing/2014/main" id="{DE77B0DB-BAC6-4050-AB88-C3042733C80C}"/>
+                      <a16:creationId xmlns:a16="http://schemas.microsoft.com/office/drawing/2014/main" xmlns="" id="{DE77B0DB-BAC6-4050-AB88-C3042733C80C}"/>
                     </a:ext>
                   </a:extLst>
                 </p:cNvPr>
@@ -12795,7 +11317,7 @@
                   <p:cNvPr id="85" name="Grouper 499">
                     <a:extLst>
                       <a:ext uri="{FF2B5EF4-FFF2-40B4-BE49-F238E27FC236}">
-                        <a16:creationId xmlns="" xmlns:a16="http://schemas.microsoft.com/office/drawing/2014/main" id="{347352C1-A3D3-4916-9CC7-A6376CDB245D}"/>
+                        <a16:creationId xmlns:a16="http://schemas.microsoft.com/office/drawing/2014/main" xmlns="" id="{347352C1-A3D3-4916-9CC7-A6376CDB245D}"/>
                       </a:ext>
                     </a:extLst>
                   </p:cNvPr>
@@ -12815,7 +11337,7 @@
                     <p:cNvPr id="92" name="Arrondir un rectangle avec un coin du même côté 501">
                       <a:extLst>
                         <a:ext uri="{FF2B5EF4-FFF2-40B4-BE49-F238E27FC236}">
-                          <a16:creationId xmlns="" xmlns:a16="http://schemas.microsoft.com/office/drawing/2014/main" id="{5480BAB6-0991-4D15-837B-BCA8EE73806D}"/>
+                          <a16:creationId xmlns:a16="http://schemas.microsoft.com/office/drawing/2014/main" xmlns="" id="{5480BAB6-0991-4D15-837B-BCA8EE73806D}"/>
                         </a:ext>
                       </a:extLst>
                     </p:cNvPr>
@@ -12875,7 +11397,7 @@
                     <p:cNvPr id="93" name="Rectangle 92">
                       <a:extLst>
                         <a:ext uri="{FF2B5EF4-FFF2-40B4-BE49-F238E27FC236}">
-                          <a16:creationId xmlns="" xmlns:a16="http://schemas.microsoft.com/office/drawing/2014/main" id="{C1E12072-B467-4907-8808-426B389CB7B0}"/>
+                          <a16:creationId xmlns:a16="http://schemas.microsoft.com/office/drawing/2014/main" xmlns="" id="{C1E12072-B467-4907-8808-426B389CB7B0}"/>
                         </a:ext>
                       </a:extLst>
                     </p:cNvPr>
@@ -12933,7 +11455,7 @@
                   <p:cNvPr id="86" name="Rectangle 85">
                     <a:extLst>
                       <a:ext uri="{FF2B5EF4-FFF2-40B4-BE49-F238E27FC236}">
-                        <a16:creationId xmlns="" xmlns:a16="http://schemas.microsoft.com/office/drawing/2014/main" id="{0B981122-6D93-4885-B81B-7CEA64583885}"/>
+                        <a16:creationId xmlns:a16="http://schemas.microsoft.com/office/drawing/2014/main" xmlns="" id="{0B981122-6D93-4885-B81B-7CEA64583885}"/>
                       </a:ext>
                     </a:extLst>
                   </p:cNvPr>
@@ -12990,7 +11512,7 @@
                   <p:cNvPr id="87" name="Triangle isocèle 86">
                     <a:extLst>
                       <a:ext uri="{FF2B5EF4-FFF2-40B4-BE49-F238E27FC236}">
-                        <a16:creationId xmlns="" xmlns:a16="http://schemas.microsoft.com/office/drawing/2014/main" id="{E7C8AF1B-8FE3-4307-A695-DBF0E054A776}"/>
+                        <a16:creationId xmlns:a16="http://schemas.microsoft.com/office/drawing/2014/main" xmlns="" id="{E7C8AF1B-8FE3-4307-A695-DBF0E054A776}"/>
                       </a:ext>
                     </a:extLst>
                   </p:cNvPr>
@@ -13045,7 +11567,7 @@
                   <p:cNvPr id="88" name="Rectangle 87">
                     <a:extLst>
                       <a:ext uri="{FF2B5EF4-FFF2-40B4-BE49-F238E27FC236}">
-                        <a16:creationId xmlns="" xmlns:a16="http://schemas.microsoft.com/office/drawing/2014/main" id="{9ECC6EBD-6FCE-4E5F-BBF9-77ACEBBB7989}"/>
+                        <a16:creationId xmlns:a16="http://schemas.microsoft.com/office/drawing/2014/main" xmlns="" id="{9ECC6EBD-6FCE-4E5F-BBF9-77ACEBBB7989}"/>
                       </a:ext>
                     </a:extLst>
                   </p:cNvPr>
@@ -13100,7 +11622,7 @@
                   <p:cNvPr id="89" name="Grouper 564">
                     <a:extLst>
                       <a:ext uri="{FF2B5EF4-FFF2-40B4-BE49-F238E27FC236}">
-                        <a16:creationId xmlns="" xmlns:a16="http://schemas.microsoft.com/office/drawing/2014/main" id="{C24EDCD2-12F8-4271-84F3-79C72637F052}"/>
+                        <a16:creationId xmlns:a16="http://schemas.microsoft.com/office/drawing/2014/main" xmlns="" id="{C24EDCD2-12F8-4271-84F3-79C72637F052}"/>
                       </a:ext>
                     </a:extLst>
                   </p:cNvPr>
@@ -13120,7 +11642,7 @@
                     <p:cNvPr id="90" name="Arrondir un rectangle avec un coin du même côté 566">
                       <a:extLst>
                         <a:ext uri="{FF2B5EF4-FFF2-40B4-BE49-F238E27FC236}">
-                          <a16:creationId xmlns="" xmlns:a16="http://schemas.microsoft.com/office/drawing/2014/main" id="{9C6B199E-5A1E-44E9-AA49-C7276E7ED066}"/>
+                          <a16:creationId xmlns:a16="http://schemas.microsoft.com/office/drawing/2014/main" xmlns="" id="{9C6B199E-5A1E-44E9-AA49-C7276E7ED066}"/>
                         </a:ext>
                       </a:extLst>
                     </p:cNvPr>
@@ -13178,7 +11700,7 @@
                     <p:cNvPr id="91" name="Trapèze 90">
                       <a:extLst>
                         <a:ext uri="{FF2B5EF4-FFF2-40B4-BE49-F238E27FC236}">
-                          <a16:creationId xmlns="" xmlns:a16="http://schemas.microsoft.com/office/drawing/2014/main" id="{03703774-D6EF-4E04-B1CD-70CC0EDEA982}"/>
+                          <a16:creationId xmlns:a16="http://schemas.microsoft.com/office/drawing/2014/main" xmlns="" id="{03703774-D6EF-4E04-B1CD-70CC0EDEA982}"/>
                         </a:ext>
                       </a:extLst>
                     </p:cNvPr>
@@ -13239,7 +11761,7 @@
                 <p:cNvPr id="84" name="Connecteur droit 83">
                   <a:extLst>
                     <a:ext uri="{FF2B5EF4-FFF2-40B4-BE49-F238E27FC236}">
-                      <a16:creationId xmlns="" xmlns:a16="http://schemas.microsoft.com/office/drawing/2014/main" id="{8F35840E-9A58-421E-BACD-E41738526BD4}"/>
+                      <a16:creationId xmlns:a16="http://schemas.microsoft.com/office/drawing/2014/main" xmlns="" id="{8F35840E-9A58-421E-BACD-E41738526BD4}"/>
                     </a:ext>
                   </a:extLst>
                 </p:cNvPr>
@@ -13281,7 +11803,7 @@
                 <p:cNvPr id="81" name="Rectangle 80">
                   <a:extLst>
                     <a:ext uri="{FF2B5EF4-FFF2-40B4-BE49-F238E27FC236}">
-                      <a16:creationId xmlns="" xmlns:a16="http://schemas.microsoft.com/office/drawing/2014/main" id="{E3099697-078A-40A9-B7C9-15D3135CB506}"/>
+                      <a16:creationId xmlns:a16="http://schemas.microsoft.com/office/drawing/2014/main" xmlns="" id="{E3099697-078A-40A9-B7C9-15D3135CB506}"/>
                     </a:ext>
                   </a:extLst>
                 </p:cNvPr>
@@ -13338,7 +11860,7 @@
                 <p:cNvPr id="82" name="Rectangle 81">
                   <a:extLst>
                     <a:ext uri="{FF2B5EF4-FFF2-40B4-BE49-F238E27FC236}">
-                      <a16:creationId xmlns="" xmlns:a16="http://schemas.microsoft.com/office/drawing/2014/main" id="{4EBB177B-E762-403F-BCFD-E1F1AAC487D3}"/>
+                      <a16:creationId xmlns:a16="http://schemas.microsoft.com/office/drawing/2014/main" xmlns="" id="{4EBB177B-E762-403F-BCFD-E1F1AAC487D3}"/>
                     </a:ext>
                   </a:extLst>
                 </p:cNvPr>
@@ -13393,7 +11915,7 @@
                 <p:cNvPr id="77" name="Triangle isocèle 76">
                   <a:extLst>
                     <a:ext uri="{FF2B5EF4-FFF2-40B4-BE49-F238E27FC236}">
-                      <a16:creationId xmlns="" xmlns:a16="http://schemas.microsoft.com/office/drawing/2014/main" id="{F20FFDBD-FF34-4225-B6B6-42595247620A}"/>
+                      <a16:creationId xmlns:a16="http://schemas.microsoft.com/office/drawing/2014/main" xmlns="" id="{F20FFDBD-FF34-4225-B6B6-42595247620A}"/>
                     </a:ext>
                   </a:extLst>
                 </p:cNvPr>
@@ -13452,7 +11974,7 @@
                 <p:cNvPr id="79" name="Triangle isocèle 78">
                   <a:extLst>
                     <a:ext uri="{FF2B5EF4-FFF2-40B4-BE49-F238E27FC236}">
-                      <a16:creationId xmlns="" xmlns:a16="http://schemas.microsoft.com/office/drawing/2014/main" id="{8D014817-A420-4291-8ABF-A9799D6A092E}"/>
+                      <a16:creationId xmlns:a16="http://schemas.microsoft.com/office/drawing/2014/main" xmlns="" id="{8D014817-A420-4291-8ABF-A9799D6A092E}"/>
                     </a:ext>
                   </a:extLst>
                 </p:cNvPr>
@@ -13509,7 +12031,7 @@
                 <p:cNvPr id="80" name="Rectangle 79">
                   <a:extLst>
                     <a:ext uri="{FF2B5EF4-FFF2-40B4-BE49-F238E27FC236}">
-                      <a16:creationId xmlns="" xmlns:a16="http://schemas.microsoft.com/office/drawing/2014/main" id="{3325EB11-CEAD-4248-9094-97847FF1CB90}"/>
+                      <a16:creationId xmlns:a16="http://schemas.microsoft.com/office/drawing/2014/main" xmlns="" id="{3325EB11-CEAD-4248-9094-97847FF1CB90}"/>
                     </a:ext>
                   </a:extLst>
                 </p:cNvPr>
@@ -13564,7 +12086,7 @@
                 <p:cNvPr id="72" name="Rectangle 71">
                   <a:extLst>
                     <a:ext uri="{FF2B5EF4-FFF2-40B4-BE49-F238E27FC236}">
-                      <a16:creationId xmlns="" xmlns:a16="http://schemas.microsoft.com/office/drawing/2014/main" id="{26CA3F78-CDBF-4700-9BEA-0687B5C93C88}"/>
+                      <a16:creationId xmlns:a16="http://schemas.microsoft.com/office/drawing/2014/main" xmlns="" id="{26CA3F78-CDBF-4700-9BEA-0687B5C93C88}"/>
                     </a:ext>
                   </a:extLst>
                 </p:cNvPr>
@@ -13618,7 +12140,7 @@
                 <p:cNvPr id="73" name="Rectangle 72">
                   <a:extLst>
                     <a:ext uri="{FF2B5EF4-FFF2-40B4-BE49-F238E27FC236}">
-                      <a16:creationId xmlns="" xmlns:a16="http://schemas.microsoft.com/office/drawing/2014/main" id="{349062FD-68B8-4364-BBD4-B47A2F94D1FE}"/>
+                      <a16:creationId xmlns:a16="http://schemas.microsoft.com/office/drawing/2014/main" xmlns="" id="{349062FD-68B8-4364-BBD4-B47A2F94D1FE}"/>
                     </a:ext>
                   </a:extLst>
                 </p:cNvPr>
@@ -13672,7 +12194,7 @@
             <p:cNvPr id="94" name="Flèche : droite 37">
               <a:extLst>
                 <a:ext uri="{FF2B5EF4-FFF2-40B4-BE49-F238E27FC236}">
-                  <a16:creationId xmlns="" xmlns:a16="http://schemas.microsoft.com/office/drawing/2014/main" id="{BBCAA570-8330-4B15-9942-2DBF2D1C3978}"/>
+                  <a16:creationId xmlns:a16="http://schemas.microsoft.com/office/drawing/2014/main" xmlns="" id="{BBCAA570-8330-4B15-9942-2DBF2D1C3978}"/>
                 </a:ext>
               </a:extLst>
             </p:cNvPr>
@@ -13719,7 +12241,7 @@
           <p:cNvPr id="95" name="ZoneTexte 94">
             <a:extLst>
               <a:ext uri="{FF2B5EF4-FFF2-40B4-BE49-F238E27FC236}">
-                <a16:creationId xmlns="" xmlns:a16="http://schemas.microsoft.com/office/drawing/2014/main" id="{12B0C182-7D6A-4413-887B-3109B5BB960A}"/>
+                <a16:creationId xmlns:a16="http://schemas.microsoft.com/office/drawing/2014/main" xmlns="" id="{12B0C182-7D6A-4413-887B-3109B5BB960A}"/>
               </a:ext>
             </a:extLst>
           </p:cNvPr>
@@ -13767,7 +12289,54 @@
           <p:cNvPr id="96" name="Picture 2" descr="Image illustrative de lâarticle Azobisisobutyronitrile">
             <a:extLst>
               <a:ext uri="{FF2B5EF4-FFF2-40B4-BE49-F238E27FC236}">
-                <a16:creationId xmlns="" xmlns:a16="http://schemas.microsoft.com/office/drawing/2014/main" id="{19EEDD99-0FED-4404-A1C6-411978D62F6D}"/>
+                <a16:creationId xmlns:a16="http://schemas.microsoft.com/office/drawing/2014/main" xmlns="" id="{19EEDD99-0FED-4404-A1C6-411978D62F6D}"/>
+              </a:ext>
+            </a:extLst>
+          </p:cNvPr>
+          <p:cNvPicPr>
+            <a:picLocks noChangeAspect="1" noChangeArrowheads="1"/>
+          </p:cNvPicPr>
+          <p:nvPr/>
+        </p:nvPicPr>
+        <p:blipFill>
+          <a:blip r:embed="rId2" cstate="print">
+            <a:extLst>
+              <a:ext uri="{28A0092B-C50C-407E-A947-70E740481C1C}">
+                <a14:useLocalDpi xmlns:a14="http://schemas.microsoft.com/office/drawing/2010/main" val="0"/>
+              </a:ext>
+            </a:extLst>
+          </a:blip>
+          <a:srcRect/>
+          <a:stretch>
+            <a:fillRect/>
+          </a:stretch>
+        </p:blipFill>
+        <p:spPr bwMode="auto">
+          <a:xfrm>
+            <a:off x="2843808" y="5949280"/>
+            <a:ext cx="1407906" cy="553630"/>
+          </a:xfrm>
+          <a:prstGeom prst="rect">
+            <a:avLst/>
+          </a:prstGeom>
+          <a:noFill/>
+          <a:extLst>
+            <a:ext uri="{909E8E84-426E-40dd-AFC4-6F175D3DCCD1}">
+              <a14:hiddenFill xmlns:a14="http://schemas.microsoft.com/office/drawing/2010/main">
+                <a:solidFill>
+                  <a:srgbClr val="FFFFFF"/>
+                </a:solidFill>
+              </a14:hiddenFill>
+            </a:ext>
+          </a:extLst>
+        </p:spPr>
+      </p:pic>
+      <p:pic>
+        <p:nvPicPr>
+          <p:cNvPr id="97" name="Picture 4" descr="RÃ©sultat de recherche d'images pour &quot;styrÃ¨ne&quot;">
+            <a:extLst>
+              <a:ext uri="{FF2B5EF4-FFF2-40B4-BE49-F238E27FC236}">
+                <a16:creationId xmlns:a16="http://schemas.microsoft.com/office/drawing/2014/main" xmlns="" id="{157B6FCC-F802-4EE7-BBEE-827D28716858}"/>
               </a:ext>
             </a:extLst>
           </p:cNvPr>
@@ -13790,55 +12359,8 @@
           </a:stretch>
         </p:blipFill>
         <p:spPr bwMode="auto">
-          <a:xfrm>
-            <a:off x="395536" y="5157192"/>
-            <a:ext cx="1548697" cy="608993"/>
-          </a:xfrm>
-          <a:prstGeom prst="rect">
-            <a:avLst/>
-          </a:prstGeom>
-          <a:noFill/>
-          <a:extLst>
-            <a:ext uri="{909E8E84-426E-40dd-AFC4-6F175D3DCCD1}">
-              <a14:hiddenFill xmlns:a14="http://schemas.microsoft.com/office/drawing/2010/main">
-                <a:solidFill>
-                  <a:srgbClr val="FFFFFF"/>
-                </a:solidFill>
-              </a14:hiddenFill>
-            </a:ext>
-          </a:extLst>
-        </p:spPr>
-      </p:pic>
-      <p:pic>
-        <p:nvPicPr>
-          <p:cNvPr id="97" name="Picture 4" descr="RÃ©sultat de recherche d'images pour &quot;styrÃ¨ne&quot;">
-            <a:extLst>
-              <a:ext uri="{FF2B5EF4-FFF2-40B4-BE49-F238E27FC236}">
-                <a16:creationId xmlns="" xmlns:a16="http://schemas.microsoft.com/office/drawing/2014/main" id="{157B6FCC-F802-4EE7-BBEE-827D28716858}"/>
-              </a:ext>
-            </a:extLst>
-          </p:cNvPr>
-          <p:cNvPicPr>
-            <a:picLocks noChangeAspect="1" noChangeArrowheads="1"/>
-          </p:cNvPicPr>
-          <p:nvPr/>
-        </p:nvPicPr>
-        <p:blipFill>
-          <a:blip r:embed="rId4" cstate="print">
-            <a:extLst>
-              <a:ext uri="{28A0092B-C50C-407E-A947-70E740481C1C}">
-                <a14:useLocalDpi xmlns:a14="http://schemas.microsoft.com/office/drawing/2010/main" val="0"/>
-              </a:ext>
-            </a:extLst>
-          </a:blip>
-          <a:srcRect/>
-          <a:stretch>
-            <a:fillRect/>
-          </a:stretch>
-        </p:blipFill>
-        <p:spPr bwMode="auto">
           <a:xfrm flipH="1">
-            <a:off x="323528" y="3933056"/>
+            <a:off x="2555776" y="4293096"/>
             <a:ext cx="1368152" cy="899607"/>
           </a:xfrm>
           <a:prstGeom prst="rect">
@@ -13936,190 +12458,6 @@
           </a:p>
         </p:txBody>
       </p:sp>
-      <p:sp>
-        <p:nvSpPr>
-          <p:cNvPr id="132" name="ZoneTexte 131"/>
-          <p:cNvSpPr txBox="1"/>
-          <p:nvPr/>
-        </p:nvSpPr>
-        <p:spPr>
-          <a:xfrm>
-            <a:off x="971600" y="2348880"/>
-            <a:ext cx="1043608" cy="646331"/>
-          </a:xfrm>
-          <a:prstGeom prst="rect">
-            <a:avLst/>
-          </a:prstGeom>
-          <a:noFill/>
-          <a:ln>
-            <a:solidFill>
-              <a:schemeClr val="accent6">
-                <a:lumMod val="75000"/>
-              </a:schemeClr>
-            </a:solidFill>
-          </a:ln>
-        </p:spPr>
-        <p:txBody>
-          <a:bodyPr wrap="square" rtlCol="0">
-            <a:spAutoFit/>
-          </a:bodyPr>
-          <a:lstStyle/>
-          <a:p>
-            <a:pPr algn="ctr"/>
-            <a:r>
-              <a:rPr lang="fr-FR" dirty="0" smtClean="0"/>
-              <a:t>Toluène (10mL)</a:t>
-            </a:r>
-            <a:endParaRPr lang="fr-FR" dirty="0"/>
-          </a:p>
-        </p:txBody>
-      </p:sp>
-      <p:cxnSp>
-        <p:nvCxnSpPr>
-          <p:cNvPr id="134" name="Connecteur droit avec flèche 133"/>
-          <p:cNvCxnSpPr>
-            <a:stCxn id="132" idx="3"/>
-          </p:cNvCxnSpPr>
-          <p:nvPr/>
-        </p:nvCxnSpPr>
-        <p:spPr>
-          <a:xfrm flipV="1">
-            <a:off x="2015208" y="2348880"/>
-            <a:ext cx="360040" cy="323166"/>
-          </a:xfrm>
-          <a:prstGeom prst="straightConnector1">
-            <a:avLst/>
-          </a:prstGeom>
-          <a:ln>
-            <a:solidFill>
-              <a:schemeClr val="accent6">
-                <a:lumMod val="75000"/>
-              </a:schemeClr>
-            </a:solidFill>
-            <a:tailEnd type="arrow"/>
-          </a:ln>
-        </p:spPr>
-        <p:style>
-          <a:lnRef idx="1">
-            <a:schemeClr val="accent1"/>
-          </a:lnRef>
-          <a:fillRef idx="0">
-            <a:schemeClr val="accent1"/>
-          </a:fillRef>
-          <a:effectRef idx="0">
-            <a:schemeClr val="accent1"/>
-          </a:effectRef>
-          <a:fontRef idx="minor">
-            <a:schemeClr val="tx1"/>
-          </a:fontRef>
-        </p:style>
-      </p:cxnSp>
-      <p:sp>
-        <p:nvSpPr>
-          <p:cNvPr id="135" name="ZoneTexte 134"/>
-          <p:cNvSpPr txBox="1"/>
-          <p:nvPr/>
-        </p:nvSpPr>
-        <p:spPr>
-          <a:xfrm>
-            <a:off x="323528" y="3645024"/>
-            <a:ext cx="1656184" cy="2308324"/>
-          </a:xfrm>
-          <a:prstGeom prst="rect">
-            <a:avLst/>
-          </a:prstGeom>
-          <a:noFill/>
-          <a:ln>
-            <a:solidFill>
-              <a:schemeClr val="accent6">
-                <a:lumMod val="75000"/>
-              </a:schemeClr>
-            </a:solidFill>
-          </a:ln>
-        </p:spPr>
-        <p:txBody>
-          <a:bodyPr wrap="square" rtlCol="0">
-            <a:spAutoFit/>
-          </a:bodyPr>
-          <a:lstStyle/>
-          <a:p>
-            <a:pPr algn="ctr"/>
-            <a:r>
-              <a:rPr lang="fr-FR" dirty="0" smtClean="0"/>
-              <a:t>Styrène (5,0mL)</a:t>
-            </a:r>
-          </a:p>
-          <a:p>
-            <a:pPr algn="ctr"/>
-            <a:endParaRPr lang="fr-FR" dirty="0" smtClean="0"/>
-          </a:p>
-          <a:p>
-            <a:pPr algn="ctr"/>
-            <a:endParaRPr lang="fr-FR" dirty="0" smtClean="0"/>
-          </a:p>
-          <a:p>
-            <a:pPr algn="ctr"/>
-            <a:endParaRPr lang="fr-FR" dirty="0" smtClean="0"/>
-          </a:p>
-          <a:p>
-            <a:pPr algn="ctr"/>
-            <a:r>
-              <a:rPr lang="fr-FR" dirty="0" smtClean="0"/>
-              <a:t>+AIBN (2,0mL)</a:t>
-            </a:r>
-          </a:p>
-          <a:p>
-            <a:pPr algn="ctr"/>
-            <a:endParaRPr lang="fr-FR" dirty="0" smtClean="0"/>
-          </a:p>
-          <a:p>
-            <a:pPr algn="ctr"/>
-            <a:endParaRPr lang="fr-FR" dirty="0" smtClean="0"/>
-          </a:p>
-          <a:p>
-            <a:pPr algn="ctr"/>
-            <a:endParaRPr lang="fr-FR" dirty="0" smtClean="0"/>
-          </a:p>
-        </p:txBody>
-      </p:sp>
-      <p:cxnSp>
-        <p:nvCxnSpPr>
-          <p:cNvPr id="141" name="Connecteur droit avec flèche 140"/>
-          <p:cNvCxnSpPr/>
-          <p:nvPr/>
-        </p:nvCxnSpPr>
-        <p:spPr>
-          <a:xfrm flipV="1">
-            <a:off x="1979712" y="3501008"/>
-            <a:ext cx="720080" cy="504056"/>
-          </a:xfrm>
-          <a:prstGeom prst="straightConnector1">
-            <a:avLst/>
-          </a:prstGeom>
-          <a:ln>
-            <a:solidFill>
-              <a:schemeClr val="accent6">
-                <a:lumMod val="75000"/>
-              </a:schemeClr>
-            </a:solidFill>
-            <a:tailEnd type="arrow"/>
-          </a:ln>
-        </p:spPr>
-        <p:style>
-          <a:lnRef idx="1">
-            <a:schemeClr val="accent1"/>
-          </a:lnRef>
-          <a:fillRef idx="0">
-            <a:schemeClr val="accent1"/>
-          </a:fillRef>
-          <a:effectRef idx="0">
-            <a:schemeClr val="accent1"/>
-          </a:effectRef>
-          <a:fontRef idx="minor">
-            <a:schemeClr val="tx1"/>
-          </a:fontRef>
-        </p:style>
-      </p:cxnSp>
       <p:cxnSp>
         <p:nvCxnSpPr>
           <p:cNvPr id="143" name="Connecteur droit 142"/>
@@ -14128,7 +12466,7 @@
         </p:nvCxnSpPr>
         <p:spPr>
           <a:xfrm flipH="1">
-            <a:off x="4067944" y="1196752"/>
+            <a:off x="4427984" y="1196752"/>
             <a:ext cx="0" cy="4968552"/>
           </a:xfrm>
           <a:prstGeom prst="line">
@@ -14202,7 +12540,7 @@
         </p:nvSpPr>
         <p:spPr>
           <a:xfrm>
-            <a:off x="4139952" y="5518973"/>
+            <a:off x="4499992" y="5374957"/>
             <a:ext cx="2448272" cy="646331"/>
           </a:xfrm>
           <a:prstGeom prst="rect">
@@ -14233,7 +12571,7 @@
         </p:nvSpPr>
         <p:spPr>
           <a:xfrm>
-            <a:off x="4355976" y="2564904"/>
+            <a:off x="4644008" y="2564904"/>
             <a:ext cx="936104" cy="369332"/>
           </a:xfrm>
           <a:prstGeom prst="rect">
@@ -14266,14 +12604,12 @@
       <p:cxnSp>
         <p:nvCxnSpPr>
           <p:cNvPr id="149" name="Connecteur droit avec flèche 148"/>
-          <p:cNvCxnSpPr>
-            <a:stCxn id="147" idx="2"/>
-          </p:cNvCxnSpPr>
+          <p:cNvCxnSpPr/>
           <p:nvPr/>
         </p:nvCxnSpPr>
         <p:spPr>
           <a:xfrm>
-            <a:off x="4824028" y="2934236"/>
+            <a:off x="5112060" y="2934236"/>
             <a:ext cx="396044" cy="1646892"/>
           </a:xfrm>
           <a:prstGeom prst="straightConnector1">
@@ -14311,8 +12647,8 @@
         </p:nvSpPr>
         <p:spPr>
           <a:xfrm>
-            <a:off x="7055768" y="5518973"/>
-            <a:ext cx="2088232" cy="646331"/>
+            <a:off x="7081283" y="5301208"/>
+            <a:ext cx="2088232" cy="1200329"/>
           </a:xfrm>
           <a:prstGeom prst="rect">
             <a:avLst/>
@@ -14328,7 +12664,22 @@
             <a:pPr algn="ctr"/>
             <a:r>
               <a:rPr lang="fr-FR" dirty="0" smtClean="0"/>
-              <a:t>Essorage sous pression réduite</a:t>
+              <a:t>Essorage sous pression </a:t>
+            </a:r>
+            <a:r>
+              <a:rPr lang="fr-FR" dirty="0" smtClean="0"/>
+              <a:t>réduite</a:t>
+            </a:r>
+          </a:p>
+          <a:p>
+            <a:pPr algn="ctr"/>
+            <a:r>
+              <a:rPr lang="fr-FR" dirty="0" smtClean="0"/>
+              <a:t>+ lavage avec de l’éthanol (</a:t>
+            </a:r>
+            <a:r>
+              <a:rPr lang="fr-FR" dirty="0"/>
+              <a:t>2x5mL) </a:t>
             </a:r>
             <a:endParaRPr lang="fr-FR" dirty="0"/>
           </a:p>
@@ -14355,6 +12706,471 @@
               <a:t>5</a:t>
             </a:fld>
             <a:endParaRPr lang="fr-FR"/>
+          </a:p>
+        </p:txBody>
+      </p:sp>
+      <p:pic>
+        <p:nvPicPr>
+          <p:cNvPr id="75" name="Image 74"/>
+          <p:cNvPicPr>
+            <a:picLocks noChangeAspect="1"/>
+          </p:cNvPicPr>
+          <p:nvPr/>
+        </p:nvPicPr>
+        <p:blipFill rotWithShape="1">
+          <a:blip r:embed="rId4">
+            <a:extLst>
+              <a:ext uri="{BEBA8EAE-BF5A-486C-A8C5-ECC9F3942E4B}">
+                <a14:imgProps xmlns:a14="http://schemas.microsoft.com/office/drawing/2010/main">
+                  <a14:imgLayer r:embed="rId5">
+                    <a14:imgEffect>
+                      <a14:saturation sat="0"/>
+                    </a14:imgEffect>
+                  </a14:imgLayer>
+                </a14:imgProps>
+              </a:ext>
+            </a:extLst>
+          </a:blip>
+          <a:srcRect l="2246" t="18082" r="33223"/>
+          <a:stretch/>
+        </p:blipFill>
+        <p:spPr>
+          <a:xfrm>
+            <a:off x="0" y="1412776"/>
+            <a:ext cx="3118051" cy="4320480"/>
+          </a:xfrm>
+          <a:prstGeom prst="rect">
+            <a:avLst/>
+          </a:prstGeom>
+        </p:spPr>
+      </p:pic>
+      <p:sp>
+        <p:nvSpPr>
+          <p:cNvPr id="49" name="ZoneTexte 48">
+            <a:extLst>
+              <a:ext uri="{FF2B5EF4-FFF2-40B4-BE49-F238E27FC236}">
+                <a16:creationId xmlns:a16="http://schemas.microsoft.com/office/drawing/2014/main" xmlns="" id="{2CC6C950-7F79-47D4-8130-41E229F84049}"/>
+              </a:ext>
+            </a:extLst>
+          </p:cNvPr>
+          <p:cNvSpPr txBox="1"/>
+          <p:nvPr/>
+        </p:nvSpPr>
+        <p:spPr>
+          <a:xfrm>
+            <a:off x="251520" y="1124744"/>
+            <a:ext cx="340158" cy="461665"/>
+          </a:xfrm>
+          <a:prstGeom prst="rect">
+            <a:avLst/>
+          </a:prstGeom>
+          <a:noFill/>
+          <a:ln>
+            <a:solidFill>
+              <a:schemeClr val="accent6">
+                <a:lumMod val="75000"/>
+              </a:schemeClr>
+            </a:solidFill>
+          </a:ln>
+        </p:spPr>
+        <p:txBody>
+          <a:bodyPr wrap="none" rtlCol="0">
+            <a:spAutoFit/>
+          </a:bodyPr>
+          <a:lstStyle/>
+          <a:p>
+            <a:r>
+              <a:rPr lang="fr-FR" sz="2400" b="1" dirty="0">
+                <a:solidFill>
+                  <a:schemeClr val="accent6">
+                    <a:lumMod val="75000"/>
+                  </a:schemeClr>
+                </a:solidFill>
+              </a:rPr>
+              <a:t>1</a:t>
+            </a:r>
+          </a:p>
+        </p:txBody>
+      </p:sp>
+      <p:sp>
+        <p:nvSpPr>
+          <p:cNvPr id="132" name="ZoneTexte 131"/>
+          <p:cNvSpPr txBox="1"/>
+          <p:nvPr/>
+        </p:nvSpPr>
+        <p:spPr>
+          <a:xfrm>
+            <a:off x="3059832" y="2780928"/>
+            <a:ext cx="1043608" cy="646331"/>
+          </a:xfrm>
+          <a:prstGeom prst="rect">
+            <a:avLst/>
+          </a:prstGeom>
+          <a:noFill/>
+          <a:ln>
+            <a:solidFill>
+              <a:schemeClr val="accent6">
+                <a:lumMod val="75000"/>
+              </a:schemeClr>
+            </a:solidFill>
+          </a:ln>
+        </p:spPr>
+        <p:txBody>
+          <a:bodyPr wrap="square" rtlCol="0">
+            <a:spAutoFit/>
+          </a:bodyPr>
+          <a:lstStyle/>
+          <a:p>
+            <a:pPr algn="ctr"/>
+            <a:r>
+              <a:rPr lang="fr-FR" dirty="0" smtClean="0"/>
+              <a:t>Toluène (10mL)</a:t>
+            </a:r>
+            <a:endParaRPr lang="fr-FR" dirty="0"/>
+          </a:p>
+        </p:txBody>
+      </p:sp>
+      <p:sp>
+        <p:nvSpPr>
+          <p:cNvPr id="102" name="ZoneTexte 101"/>
+          <p:cNvSpPr txBox="1"/>
+          <p:nvPr/>
+        </p:nvSpPr>
+        <p:spPr>
+          <a:xfrm>
+            <a:off x="18268" y="2060848"/>
+            <a:ext cx="937652" cy="276999"/>
+          </a:xfrm>
+          <a:prstGeom prst="rect">
+            <a:avLst/>
+          </a:prstGeom>
+          <a:noFill/>
+        </p:spPr>
+        <p:txBody>
+          <a:bodyPr wrap="none" rtlCol="0">
+            <a:spAutoFit/>
+          </a:bodyPr>
+          <a:lstStyle/>
+          <a:p>
+            <a:r>
+              <a:rPr lang="fr-FR" sz="1200" dirty="0" smtClean="0"/>
+              <a:t>Sortie d’eau</a:t>
+            </a:r>
+            <a:endParaRPr lang="fr-FR" sz="1200" dirty="0"/>
+          </a:p>
+        </p:txBody>
+      </p:sp>
+      <p:sp>
+        <p:nvSpPr>
+          <p:cNvPr id="117" name="ZoneTexte 116"/>
+          <p:cNvSpPr txBox="1"/>
+          <p:nvPr/>
+        </p:nvSpPr>
+        <p:spPr>
+          <a:xfrm>
+            <a:off x="35496" y="2924944"/>
+            <a:ext cx="1024139" cy="276999"/>
+          </a:xfrm>
+          <a:prstGeom prst="rect">
+            <a:avLst/>
+          </a:prstGeom>
+          <a:noFill/>
+        </p:spPr>
+        <p:txBody>
+          <a:bodyPr wrap="none" rtlCol="0">
+            <a:spAutoFit/>
+          </a:bodyPr>
+          <a:lstStyle/>
+          <a:p>
+            <a:r>
+              <a:rPr lang="fr-FR" sz="1200" dirty="0" smtClean="0"/>
+              <a:t>Arrivée d’eau</a:t>
+            </a:r>
+            <a:endParaRPr lang="fr-FR" sz="1200" dirty="0"/>
+          </a:p>
+        </p:txBody>
+      </p:sp>
+      <p:sp>
+        <p:nvSpPr>
+          <p:cNvPr id="103" name="ZoneTexte 102"/>
+          <p:cNvSpPr txBox="1"/>
+          <p:nvPr/>
+        </p:nvSpPr>
+        <p:spPr>
+          <a:xfrm>
+            <a:off x="3059832" y="1268760"/>
+            <a:ext cx="543839" cy="276999"/>
+          </a:xfrm>
+          <a:prstGeom prst="rect">
+            <a:avLst/>
+          </a:prstGeom>
+          <a:noFill/>
+        </p:spPr>
+        <p:txBody>
+          <a:bodyPr wrap="none" rtlCol="0">
+            <a:spAutoFit/>
+          </a:bodyPr>
+          <a:lstStyle/>
+          <a:p>
+            <a:r>
+              <a:rPr lang="fr-FR" sz="1200" dirty="0" smtClean="0"/>
+              <a:t>reflux</a:t>
+            </a:r>
+            <a:endParaRPr lang="fr-FR" sz="1200" dirty="0"/>
+          </a:p>
+        </p:txBody>
+      </p:sp>
+      <p:sp>
+        <p:nvSpPr>
+          <p:cNvPr id="104" name="ZoneTexte 103"/>
+          <p:cNvSpPr txBox="1"/>
+          <p:nvPr/>
+        </p:nvSpPr>
+        <p:spPr>
+          <a:xfrm>
+            <a:off x="3059832" y="2132856"/>
+            <a:ext cx="1393906" cy="276999"/>
+          </a:xfrm>
+          <a:prstGeom prst="rect">
+            <a:avLst/>
+          </a:prstGeom>
+          <a:noFill/>
+        </p:spPr>
+        <p:txBody>
+          <a:bodyPr wrap="none" rtlCol="0">
+            <a:spAutoFit/>
+          </a:bodyPr>
+          <a:lstStyle/>
+          <a:p>
+            <a:r>
+              <a:rPr lang="fr-FR" sz="1200" dirty="0" smtClean="0"/>
+              <a:t>Ampoule de coulée</a:t>
+            </a:r>
+            <a:endParaRPr lang="fr-FR" sz="1200" dirty="0"/>
+          </a:p>
+        </p:txBody>
+      </p:sp>
+      <p:sp>
+        <p:nvSpPr>
+          <p:cNvPr id="105" name="Rectangle 104"/>
+          <p:cNvSpPr/>
+          <p:nvPr/>
+        </p:nvSpPr>
+        <p:spPr>
+          <a:xfrm>
+            <a:off x="1592487" y="4077072"/>
+            <a:ext cx="1172463" cy="288032"/>
+          </a:xfrm>
+          <a:prstGeom prst="rect">
+            <a:avLst/>
+          </a:prstGeom>
+          <a:solidFill>
+            <a:schemeClr val="bg1"/>
+          </a:solidFill>
+          <a:ln>
+            <a:noFill/>
+          </a:ln>
+          <a:effectLst/>
+        </p:spPr>
+        <p:style>
+          <a:lnRef idx="1">
+            <a:schemeClr val="accent1"/>
+          </a:lnRef>
+          <a:fillRef idx="3">
+            <a:schemeClr val="accent1"/>
+          </a:fillRef>
+          <a:effectRef idx="2">
+            <a:schemeClr val="accent1"/>
+          </a:effectRef>
+          <a:fontRef idx="minor">
+            <a:schemeClr val="lt1"/>
+          </a:fontRef>
+        </p:style>
+        <p:txBody>
+          <a:bodyPr rtlCol="0" anchor="ctr"/>
+          <a:lstStyle/>
+          <a:p>
+            <a:pPr algn="ctr"/>
+            <a:endParaRPr lang="fr-FR"/>
+          </a:p>
+        </p:txBody>
+      </p:sp>
+      <p:pic>
+        <p:nvPicPr>
+          <p:cNvPr id="121" name="Image 120"/>
+          <p:cNvPicPr>
+            <a:picLocks noChangeAspect="1"/>
+          </p:cNvPicPr>
+          <p:nvPr/>
+        </p:nvPicPr>
+        <p:blipFill rotWithShape="1">
+          <a:blip r:embed="rId4">
+            <a:extLst>
+              <a:ext uri="{BEBA8EAE-BF5A-486C-A8C5-ECC9F3942E4B}">
+                <a14:imgProps xmlns:a14="http://schemas.microsoft.com/office/drawing/2010/main">
+                  <a14:imgLayer r:embed="rId6">
+                    <a14:imgEffect>
+                      <a14:saturation sat="0"/>
+                    </a14:imgEffect>
+                  </a14:imgLayer>
+                </a14:imgProps>
+              </a:ext>
+            </a:extLst>
+          </a:blip>
+          <a:srcRect l="18400" t="68576" r="70159" b="28874"/>
+          <a:stretch/>
+        </p:blipFill>
+        <p:spPr>
+          <a:xfrm>
+            <a:off x="997538" y="4086616"/>
+            <a:ext cx="552823" cy="134472"/>
+          </a:xfrm>
+          <a:prstGeom prst="rect">
+            <a:avLst/>
+          </a:prstGeom>
+        </p:spPr>
+      </p:pic>
+      <p:sp>
+        <p:nvSpPr>
+          <p:cNvPr id="135" name="ZoneTexte 134"/>
+          <p:cNvSpPr txBox="1"/>
+          <p:nvPr/>
+        </p:nvSpPr>
+        <p:spPr>
+          <a:xfrm>
+            <a:off x="2771800" y="3622372"/>
+            <a:ext cx="1584176" cy="3046988"/>
+          </a:xfrm>
+          <a:prstGeom prst="rect">
+            <a:avLst/>
+          </a:prstGeom>
+          <a:noFill/>
+          <a:ln>
+            <a:solidFill>
+              <a:schemeClr val="accent6">
+                <a:lumMod val="75000"/>
+              </a:schemeClr>
+            </a:solidFill>
+          </a:ln>
+        </p:spPr>
+        <p:txBody>
+          <a:bodyPr wrap="square" rtlCol="0">
+            <a:spAutoFit/>
+          </a:bodyPr>
+          <a:lstStyle/>
+          <a:p>
+            <a:pPr algn="ctr"/>
+            <a:r>
+              <a:rPr lang="fr-FR" sz="1600" dirty="0" smtClean="0"/>
+              <a:t>Styrène </a:t>
+            </a:r>
+            <a:r>
+              <a:rPr lang="fr-FR" sz="1600" dirty="0"/>
+              <a:t>(</a:t>
+            </a:r>
+            <a:r>
+              <a:rPr lang="fr-FR" sz="1600" dirty="0" smtClean="0"/>
+              <a:t>5,0mL, soit 4,4.10</a:t>
+            </a:r>
+            <a:r>
+              <a:rPr lang="fr-FR" sz="1600" baseline="30000" dirty="0" smtClean="0"/>
+              <a:t>-2 </a:t>
+            </a:r>
+            <a:r>
+              <a:rPr lang="fr-FR" sz="1600" dirty="0" smtClean="0"/>
+              <a:t>mol)</a:t>
+            </a:r>
+            <a:endParaRPr lang="fr-FR" sz="1600" dirty="0" smtClean="0"/>
+          </a:p>
+          <a:p>
+            <a:pPr algn="ctr"/>
+            <a:endParaRPr lang="fr-FR" sz="1600" dirty="0" smtClean="0"/>
+          </a:p>
+          <a:p>
+            <a:pPr algn="ctr"/>
+            <a:endParaRPr lang="fr-FR" sz="1600" dirty="0" smtClean="0"/>
+          </a:p>
+          <a:p>
+            <a:pPr algn="ctr"/>
+            <a:endParaRPr lang="fr-FR" sz="1600" dirty="0"/>
+          </a:p>
+          <a:p>
+            <a:pPr algn="ctr"/>
+            <a:endParaRPr lang="fr-FR" sz="1600" dirty="0" smtClean="0"/>
+          </a:p>
+          <a:p>
+            <a:pPr algn="ctr"/>
+            <a:endParaRPr lang="fr-FR" sz="1600" dirty="0" smtClean="0"/>
+          </a:p>
+          <a:p>
+            <a:pPr algn="ctr"/>
+            <a:r>
+              <a:rPr lang="fr-FR" sz="1600" dirty="0" smtClean="0"/>
+              <a:t>+ AIBN </a:t>
+            </a:r>
+            <a:r>
+              <a:rPr lang="fr-FR" sz="1600" dirty="0" smtClean="0"/>
+              <a:t>(</a:t>
+            </a:r>
+            <a:r>
+              <a:rPr lang="fr-FR" sz="1600" dirty="0" smtClean="0"/>
+              <a:t>2,0mL, soit 4,1.10</a:t>
+            </a:r>
+            <a:r>
+              <a:rPr lang="fr-FR" sz="1600" baseline="30000" dirty="0" smtClean="0"/>
+              <a:t>-4 </a:t>
+            </a:r>
+            <a:r>
+              <a:rPr lang="fr-FR" sz="1600" dirty="0" smtClean="0"/>
+              <a:t>mol)</a:t>
+            </a:r>
+            <a:endParaRPr lang="fr-FR" sz="1600" dirty="0" smtClean="0"/>
+          </a:p>
+          <a:p>
+            <a:pPr algn="ctr"/>
+            <a:endParaRPr lang="fr-FR" sz="1600" dirty="0"/>
+          </a:p>
+          <a:p>
+            <a:pPr algn="ctr"/>
+            <a:endParaRPr lang="fr-FR" sz="1600" dirty="0" smtClean="0"/>
+          </a:p>
+          <a:p>
+            <a:pPr algn="ctr"/>
+            <a:endParaRPr lang="fr-FR" sz="1600" dirty="0" smtClean="0"/>
+          </a:p>
+        </p:txBody>
+      </p:sp>
+      <p:sp>
+        <p:nvSpPr>
+          <p:cNvPr id="106" name="ZoneTexte 105"/>
+          <p:cNvSpPr txBox="1"/>
+          <p:nvPr/>
+        </p:nvSpPr>
+        <p:spPr>
+          <a:xfrm>
+            <a:off x="0" y="6610527"/>
+            <a:ext cx="2390398" cy="246221"/>
+          </a:xfrm>
+          <a:prstGeom prst="rect">
+            <a:avLst/>
+          </a:prstGeom>
+          <a:noFill/>
+        </p:spPr>
+        <p:txBody>
+          <a:bodyPr wrap="none" rtlCol="0">
+            <a:spAutoFit/>
+          </a:bodyPr>
+          <a:lstStyle/>
+          <a:p>
+            <a:r>
+              <a:rPr lang="fr-FR" sz="1000" dirty="0"/>
+              <a:t>http://</a:t>
+            </a:r>
+            <a:r>
+              <a:rPr lang="fr-FR" sz="1000" dirty="0" err="1"/>
+              <a:t>btsmetiersdelachimie.eklablog.com</a:t>
+            </a:r>
+            <a:endParaRPr lang="fr-FR" sz="1000" dirty="0"/>
           </a:p>
         </p:txBody>
       </p:sp>
@@ -14383,12 +13199,463 @@
           <a:chExt cx="0" cy="0"/>
         </a:xfrm>
       </p:grpSpPr>
+      <p:sp>
+        <p:nvSpPr>
+          <p:cNvPr id="98" name="Titre 1"/>
+          <p:cNvSpPr txBox="1">
+            <a:spLocks/>
+          </p:cNvSpPr>
+          <p:nvPr/>
+        </p:nvSpPr>
+        <p:spPr>
+          <a:xfrm>
+            <a:off x="0" y="260648"/>
+            <a:ext cx="9144000" cy="634082"/>
+          </a:xfrm>
+          <a:prstGeom prst="rect">
+            <a:avLst/>
+          </a:prstGeom>
+        </p:spPr>
+        <p:txBody>
+          <a:bodyPr>
+            <a:normAutofit fontScale="97500"/>
+          </a:bodyPr>
+          <a:lstStyle/>
+          <a:p>
+            <a:pPr marL="0" marR="0" lvl="0" indent="0" algn="ctr" defTabSz="914400" rtl="0" eaLnBrk="1" fontAlgn="auto" latinLnBrk="0" hangingPunct="1">
+              <a:lnSpc>
+                <a:spcPct val="100000"/>
+              </a:lnSpc>
+              <a:spcBef>
+                <a:spcPct val="0"/>
+              </a:spcBef>
+              <a:spcAft>
+                <a:spcPts val="0"/>
+              </a:spcAft>
+              <a:buClrTx/>
+              <a:buSzTx/>
+              <a:buFontTx/>
+              <a:buNone/>
+              <a:tabLst/>
+              <a:defRPr/>
+            </a:pPr>
+            <a:r>
+              <a:rPr kumimoji="0" lang="fr-FR" sz="3600" b="1" i="0" u="none" strike="noStrike" kern="1200" cap="none" spc="0" normalizeH="0" baseline="0" noProof="0" dirty="0" smtClean="0">
+                <a:ln>
+                  <a:noFill/>
+                </a:ln>
+                <a:solidFill>
+                  <a:schemeClr val="accent2">
+                    <a:lumMod val="60000"/>
+                    <a:lumOff val="40000"/>
+                  </a:schemeClr>
+                </a:solidFill>
+                <a:effectLst/>
+                <a:uLnTx/>
+                <a:uFillTx/>
+                <a:latin typeface="+mj-lt"/>
+                <a:ea typeface="+mj-ea"/>
+                <a:cs typeface="+mj-cs"/>
+              </a:rPr>
+              <a:t>Synthèse du polystyrène</a:t>
+            </a:r>
+            <a:endParaRPr kumimoji="0" lang="fr-FR" sz="3600" b="1" i="0" u="none" strike="noStrike" kern="1200" cap="none" spc="0" normalizeH="0" baseline="0" noProof="0" dirty="0">
+              <a:ln>
+                <a:noFill/>
+              </a:ln>
+              <a:solidFill>
+                <a:schemeClr val="accent2">
+                  <a:lumMod val="60000"/>
+                  <a:lumOff val="40000"/>
+                </a:schemeClr>
+              </a:solidFill>
+              <a:effectLst/>
+              <a:uLnTx/>
+              <a:uFillTx/>
+              <a:latin typeface="+mj-lt"/>
+              <a:ea typeface="+mj-ea"/>
+              <a:cs typeface="+mj-cs"/>
+            </a:endParaRPr>
+          </a:p>
+        </p:txBody>
+      </p:sp>
+      <p:cxnSp>
+        <p:nvCxnSpPr>
+          <p:cNvPr id="143" name="Connecteur droit 142"/>
+          <p:cNvCxnSpPr/>
+          <p:nvPr/>
+        </p:nvCxnSpPr>
+        <p:spPr>
+          <a:xfrm flipH="1">
+            <a:off x="4427984" y="1196752"/>
+            <a:ext cx="0" cy="4968552"/>
+          </a:xfrm>
+          <a:prstGeom prst="line">
+            <a:avLst/>
+          </a:prstGeom>
+          <a:ln>
+            <a:solidFill>
+              <a:schemeClr val="bg1">
+                <a:lumMod val="50000"/>
+              </a:schemeClr>
+            </a:solidFill>
+          </a:ln>
+        </p:spPr>
+        <p:style>
+          <a:lnRef idx="1">
+            <a:schemeClr val="accent1"/>
+          </a:lnRef>
+          <a:fillRef idx="0">
+            <a:schemeClr val="accent1"/>
+          </a:fillRef>
+          <a:effectRef idx="0">
+            <a:schemeClr val="accent1"/>
+          </a:effectRef>
+          <a:fontRef idx="minor">
+            <a:schemeClr val="tx1"/>
+          </a:fontRef>
+        </p:style>
+      </p:cxnSp>
+      <p:sp>
+        <p:nvSpPr>
+          <p:cNvPr id="49" name="ZoneTexte 48">
+            <a:extLst>
+              <a:ext uri="{FF2B5EF4-FFF2-40B4-BE49-F238E27FC236}">
+                <a16:creationId xmlns:a16="http://schemas.microsoft.com/office/drawing/2014/main" xmlns="" id="{2CC6C950-7F79-47D4-8130-41E229F84049}"/>
+              </a:ext>
+            </a:extLst>
+          </p:cNvPr>
+          <p:cNvSpPr txBox="1"/>
+          <p:nvPr/>
+        </p:nvSpPr>
+        <p:spPr>
+          <a:xfrm>
+            <a:off x="251520" y="1124744"/>
+            <a:ext cx="340658" cy="461665"/>
+          </a:xfrm>
+          <a:prstGeom prst="rect">
+            <a:avLst/>
+          </a:prstGeom>
+          <a:noFill/>
+          <a:ln>
+            <a:solidFill>
+              <a:schemeClr val="accent6">
+                <a:lumMod val="75000"/>
+              </a:schemeClr>
+            </a:solidFill>
+          </a:ln>
+        </p:spPr>
+        <p:txBody>
+          <a:bodyPr wrap="none" rtlCol="0">
+            <a:spAutoFit/>
+          </a:bodyPr>
+          <a:lstStyle/>
+          <a:p>
+            <a:r>
+              <a:rPr lang="fr-FR" sz="2400" b="1" dirty="0">
+                <a:solidFill>
+                  <a:schemeClr val="accent6">
+                    <a:lumMod val="75000"/>
+                  </a:schemeClr>
+                </a:solidFill>
+              </a:rPr>
+              <a:t>4</a:t>
+            </a:r>
+            <a:endParaRPr lang="fr-FR" sz="2400" b="1" dirty="0">
+              <a:solidFill>
+                <a:schemeClr val="accent6">
+                  <a:lumMod val="75000"/>
+                </a:schemeClr>
+              </a:solidFill>
+            </a:endParaRPr>
+          </a:p>
+        </p:txBody>
+      </p:sp>
+      <p:sp>
+        <p:nvSpPr>
+          <p:cNvPr id="105" name="Rectangle 104"/>
+          <p:cNvSpPr/>
+          <p:nvPr/>
+        </p:nvSpPr>
+        <p:spPr>
+          <a:xfrm>
+            <a:off x="1592487" y="4077072"/>
+            <a:ext cx="1172463" cy="288032"/>
+          </a:xfrm>
+          <a:prstGeom prst="rect">
+            <a:avLst/>
+          </a:prstGeom>
+          <a:solidFill>
+            <a:schemeClr val="bg1"/>
+          </a:solidFill>
+          <a:ln>
+            <a:noFill/>
+          </a:ln>
+          <a:effectLst/>
+        </p:spPr>
+        <p:style>
+          <a:lnRef idx="1">
+            <a:schemeClr val="accent1"/>
+          </a:lnRef>
+          <a:fillRef idx="3">
+            <a:schemeClr val="accent1"/>
+          </a:fillRef>
+          <a:effectRef idx="2">
+            <a:schemeClr val="accent1"/>
+          </a:effectRef>
+          <a:fontRef idx="minor">
+            <a:schemeClr val="lt1"/>
+          </a:fontRef>
+        </p:style>
+        <p:txBody>
+          <a:bodyPr rtlCol="0" anchor="ctr"/>
+          <a:lstStyle/>
+          <a:p>
+            <a:pPr algn="ctr"/>
+            <a:endParaRPr lang="fr-FR"/>
+          </a:p>
+        </p:txBody>
+      </p:sp>
+      <p:pic>
+        <p:nvPicPr>
+          <p:cNvPr id="121" name="Image 120"/>
+          <p:cNvPicPr>
+            <a:picLocks noChangeAspect="1"/>
+          </p:cNvPicPr>
+          <p:nvPr/>
+        </p:nvPicPr>
+        <p:blipFill rotWithShape="1">
+          <a:blip r:embed="rId2">
+            <a:extLst>
+              <a:ext uri="{BEBA8EAE-BF5A-486C-A8C5-ECC9F3942E4B}">
+                <a14:imgProps xmlns:a14="http://schemas.microsoft.com/office/drawing/2010/main">
+                  <a14:imgLayer r:embed="rId3">
+                    <a14:imgEffect>
+                      <a14:saturation sat="0"/>
+                    </a14:imgEffect>
+                  </a14:imgLayer>
+                </a14:imgProps>
+              </a:ext>
+            </a:extLst>
+          </a:blip>
+          <a:srcRect l="18400" t="68576" r="70159" b="28874"/>
+          <a:stretch/>
+        </p:blipFill>
+        <p:spPr>
+          <a:xfrm>
+            <a:off x="997538" y="4086616"/>
+            <a:ext cx="552823" cy="134472"/>
+          </a:xfrm>
+          <a:prstGeom prst="rect">
+            <a:avLst/>
+          </a:prstGeom>
+        </p:spPr>
+      </p:pic>
+      <p:sp>
+        <p:nvSpPr>
+          <p:cNvPr id="2" name="ZoneTexte 1"/>
+          <p:cNvSpPr txBox="1"/>
+          <p:nvPr/>
+        </p:nvSpPr>
+        <p:spPr>
+          <a:xfrm>
+            <a:off x="755576" y="1196752"/>
+            <a:ext cx="1595309" cy="369332"/>
+          </a:xfrm>
+          <a:prstGeom prst="rect">
+            <a:avLst/>
+          </a:prstGeom>
+          <a:noFill/>
+        </p:spPr>
+        <p:txBody>
+          <a:bodyPr wrap="none" rtlCol="0">
+            <a:spAutoFit/>
+          </a:bodyPr>
+          <a:lstStyle/>
+          <a:p>
+            <a:r>
+              <a:rPr lang="fr-FR" dirty="0" smtClean="0"/>
+              <a:t>Etuvage à 80°C</a:t>
+            </a:r>
+            <a:endParaRPr lang="fr-FR" dirty="0"/>
+          </a:p>
+        </p:txBody>
+      </p:sp>
+      <p:sp>
+        <p:nvSpPr>
+          <p:cNvPr id="58" name="ZoneTexte 57">
+            <a:extLst>
+              <a:ext uri="{FF2B5EF4-FFF2-40B4-BE49-F238E27FC236}">
+                <a16:creationId xmlns:a16="http://schemas.microsoft.com/office/drawing/2014/main" xmlns="" id="{2CC6C950-7F79-47D4-8130-41E229F84049}"/>
+              </a:ext>
+            </a:extLst>
+          </p:cNvPr>
+          <p:cNvSpPr txBox="1"/>
+          <p:nvPr/>
+        </p:nvSpPr>
+        <p:spPr>
+          <a:xfrm>
+            <a:off x="4735398" y="1124744"/>
+            <a:ext cx="340658" cy="461665"/>
+          </a:xfrm>
+          <a:prstGeom prst="rect">
+            <a:avLst/>
+          </a:prstGeom>
+          <a:noFill/>
+          <a:ln>
+            <a:solidFill>
+              <a:schemeClr val="accent6">
+                <a:lumMod val="75000"/>
+              </a:schemeClr>
+            </a:solidFill>
+          </a:ln>
+        </p:spPr>
+        <p:txBody>
+          <a:bodyPr wrap="none" rtlCol="0">
+            <a:spAutoFit/>
+          </a:bodyPr>
+          <a:lstStyle/>
+          <a:p>
+            <a:r>
+              <a:rPr lang="fr-FR" sz="2400" b="1" dirty="0">
+                <a:solidFill>
+                  <a:schemeClr val="accent6">
+                    <a:lumMod val="75000"/>
+                  </a:schemeClr>
+                </a:solidFill>
+              </a:rPr>
+              <a:t>5</a:t>
+            </a:r>
+          </a:p>
+        </p:txBody>
+      </p:sp>
+      <p:pic>
+        <p:nvPicPr>
+          <p:cNvPr id="3" name="Image 2"/>
+          <p:cNvPicPr>
+            <a:picLocks noChangeAspect="1"/>
+          </p:cNvPicPr>
+          <p:nvPr/>
+        </p:nvPicPr>
+        <p:blipFill rotWithShape="1">
+          <a:blip r:embed="rId4"/>
+          <a:srcRect l="55285" t="32834"/>
+          <a:stretch/>
+        </p:blipFill>
+        <p:spPr>
+          <a:xfrm>
+            <a:off x="5220072" y="2564904"/>
+            <a:ext cx="2907553" cy="1407459"/>
+          </a:xfrm>
+          <a:prstGeom prst="rect">
+            <a:avLst/>
+          </a:prstGeom>
+        </p:spPr>
+      </p:pic>
+      <p:sp>
+        <p:nvSpPr>
+          <p:cNvPr id="4" name="ZoneTexte 3"/>
+          <p:cNvSpPr txBox="1"/>
+          <p:nvPr/>
+        </p:nvSpPr>
+        <p:spPr>
+          <a:xfrm>
+            <a:off x="5292080" y="1196752"/>
+            <a:ext cx="2954655" cy="369332"/>
+          </a:xfrm>
+          <a:prstGeom prst="rect">
+            <a:avLst/>
+          </a:prstGeom>
+          <a:noFill/>
+        </p:spPr>
+        <p:txBody>
+          <a:bodyPr wrap="none" rtlCol="0">
+            <a:spAutoFit/>
+          </a:bodyPr>
+          <a:lstStyle/>
+          <a:p>
+            <a:r>
+              <a:rPr lang="fr-FR" dirty="0" smtClean="0"/>
+              <a:t>Détermination du rendement</a:t>
+            </a:r>
+            <a:endParaRPr lang="fr-FR" dirty="0"/>
+          </a:p>
+        </p:txBody>
+      </p:sp>
+      <p:sp>
+        <p:nvSpPr>
+          <p:cNvPr id="5" name="ZoneTexte 4"/>
+          <p:cNvSpPr txBox="1"/>
+          <p:nvPr/>
+        </p:nvSpPr>
+        <p:spPr>
+          <a:xfrm>
+            <a:off x="7812360" y="2780928"/>
+            <a:ext cx="1286643" cy="646331"/>
+          </a:xfrm>
+          <a:prstGeom prst="rect">
+            <a:avLst/>
+          </a:prstGeom>
+          <a:solidFill>
+            <a:srgbClr val="FFFFFF"/>
+          </a:solidFill>
+        </p:spPr>
+        <p:txBody>
+          <a:bodyPr wrap="none" rtlCol="0">
+            <a:spAutoFit/>
+          </a:bodyPr>
+          <a:lstStyle/>
+          <a:p>
+            <a:r>
+              <a:rPr lang="fr-FR" dirty="0" smtClean="0"/>
+              <a:t>Polystyrène</a:t>
+            </a:r>
+          </a:p>
+          <a:p>
+            <a:r>
+              <a:rPr lang="fr-FR" dirty="0" smtClean="0"/>
+              <a:t> synthétisé</a:t>
+            </a:r>
+            <a:endParaRPr lang="fr-FR" dirty="0"/>
+          </a:p>
+        </p:txBody>
+      </p:sp>
+    </p:spTree>
+    <p:extLst>
+      <p:ext uri="{BB962C8B-B14F-4D97-AF65-F5344CB8AC3E}">
+        <p14:creationId xmlns:p14="http://schemas.microsoft.com/office/powerpoint/2010/main" val="1335881339"/>
+      </p:ext>
+    </p:extLst>
+  </p:cSld>
+  <p:clrMapOvr>
+    <a:masterClrMapping/>
+  </p:clrMapOvr>
+</p:sld>
+</file>
+
+<file path=ppt/slides/slide7.xml><?xml version="1.0" encoding="utf-8"?>
+<p:sld xmlns:a="http://schemas.openxmlformats.org/drawingml/2006/main" xmlns:r="http://schemas.openxmlformats.org/officeDocument/2006/relationships" xmlns:p="http://schemas.openxmlformats.org/presentationml/2006/main">
+  <p:cSld>
+    <p:spTree>
+      <p:nvGrpSpPr>
+        <p:cNvPr id="1" name=""/>
+        <p:cNvGrpSpPr/>
+        <p:nvPr/>
+      </p:nvGrpSpPr>
+      <p:grpSpPr>
+        <a:xfrm>
+          <a:off x="0" y="0"/>
+          <a:ext cx="0" cy="0"/>
+          <a:chOff x="0" y="0"/>
+          <a:chExt cx="0" cy="0"/>
+        </a:xfrm>
+      </p:grpSpPr>
       <p:pic>
         <p:nvPicPr>
           <p:cNvPr id="2" name="Image 1">
             <a:extLst>
               <a:ext uri="{FF2B5EF4-FFF2-40B4-BE49-F238E27FC236}">
-                <a16:creationId xmlns:a16="http://schemas.microsoft.com/office/drawing/2014/main" xmlns="" id="{05CE0933-270B-41CA-8C36-BBDE5291AE65}"/>
+                <a16:creationId xmlns="" xmlns:a16="http://schemas.microsoft.com/office/drawing/2014/main" id="{05CE0933-270B-41CA-8C36-BBDE5291AE65}"/>
               </a:ext>
             </a:extLst>
           </p:cNvPr>
@@ -14438,7 +13705,7 @@
             <p:cNvPr id="3" name="Arrondir un rectangle avec un coin du même côté 734">
               <a:extLst>
                 <a:ext uri="{FF2B5EF4-FFF2-40B4-BE49-F238E27FC236}">
-                  <a16:creationId xmlns:a16="http://schemas.microsoft.com/office/drawing/2014/main" xmlns="" id="{76CB13F0-71E1-4467-B6E3-8443731765B0}"/>
+                  <a16:creationId xmlns="" xmlns:a16="http://schemas.microsoft.com/office/drawing/2014/main" id="{76CB13F0-71E1-4467-B6E3-8443731765B0}"/>
                 </a:ext>
               </a:extLst>
             </p:cNvPr>
@@ -14597,7 +13864,7 @@
             <p:cNvPr id="4" name="Parallélogramme 3">
               <a:extLst>
                 <a:ext uri="{FF2B5EF4-FFF2-40B4-BE49-F238E27FC236}">
-                  <a16:creationId xmlns:a16="http://schemas.microsoft.com/office/drawing/2014/main" xmlns="" id="{0B32EF7A-4548-4E80-92C6-F6626D6962AB}"/>
+                  <a16:creationId xmlns="" xmlns:a16="http://schemas.microsoft.com/office/drawing/2014/main" id="{0B32EF7A-4548-4E80-92C6-F6626D6962AB}"/>
                 </a:ext>
               </a:extLst>
             </p:cNvPr>
@@ -14658,7 +13925,7 @@
             <p:cNvPr id="5" name="Connecteur droit 4">
               <a:extLst>
                 <a:ext uri="{FF2B5EF4-FFF2-40B4-BE49-F238E27FC236}">
-                  <a16:creationId xmlns:a16="http://schemas.microsoft.com/office/drawing/2014/main" xmlns="" id="{E69E1792-974F-41D0-992E-4E299C968B79}"/>
+                  <a16:creationId xmlns="" xmlns:a16="http://schemas.microsoft.com/office/drawing/2014/main" id="{E69E1792-974F-41D0-992E-4E299C968B79}"/>
                 </a:ext>
               </a:extLst>
             </p:cNvPr>
@@ -14697,7 +13964,7 @@
           <p:cNvPr id="7" name="ZoneTexte 6">
             <a:extLst>
               <a:ext uri="{FF2B5EF4-FFF2-40B4-BE49-F238E27FC236}">
-                <a16:creationId xmlns:a16="http://schemas.microsoft.com/office/drawing/2014/main" xmlns="" id="{CE3A2A38-F040-4257-BC20-990C0B32962C}"/>
+                <a16:creationId xmlns="" xmlns:a16="http://schemas.microsoft.com/office/drawing/2014/main" id="{CE3A2A38-F040-4257-BC20-990C0B32962C}"/>
               </a:ext>
             </a:extLst>
           </p:cNvPr>
@@ -14753,7 +14020,7 @@
           <p:cNvPr id="8" name="Connecteur droit avec flèche 7">
             <a:extLst>
               <a:ext uri="{FF2B5EF4-FFF2-40B4-BE49-F238E27FC236}">
-                <a16:creationId xmlns:a16="http://schemas.microsoft.com/office/drawing/2014/main" xmlns="" id="{EC45AD2B-8AB4-41C5-9893-1B4BE1D5C2C0}"/>
+                <a16:creationId xmlns="" xmlns:a16="http://schemas.microsoft.com/office/drawing/2014/main" id="{EC45AD2B-8AB4-41C5-9893-1B4BE1D5C2C0}"/>
               </a:ext>
             </a:extLst>
           </p:cNvPr>
@@ -14800,7 +14067,7 @@
           <p:cNvPr id="13" name="ZoneTexte 12">
             <a:extLst>
               <a:ext uri="{FF2B5EF4-FFF2-40B4-BE49-F238E27FC236}">
-                <a16:creationId xmlns:a16="http://schemas.microsoft.com/office/drawing/2014/main" xmlns="" id="{317676EC-82B5-4410-A7F7-2778B806BF36}"/>
+                <a16:creationId xmlns="" xmlns:a16="http://schemas.microsoft.com/office/drawing/2014/main" id="{317676EC-82B5-4410-A7F7-2778B806BF36}"/>
               </a:ext>
             </a:extLst>
           </p:cNvPr>
@@ -15425,7 +14692,7 @@
             <a:fld id="{735A510E-A1BE-4B90-83F7-10DDD2C3C062}" type="slidenum">
               <a:rPr lang="fr-FR" smtClean="0"/>
               <a:pPr/>
-              <a:t>6</a:t>
+              <a:t>7</a:t>
             </a:fld>
             <a:endParaRPr lang="fr-FR"/>
           </a:p>
@@ -15439,7 +14706,7 @@
 </p:sld>
 </file>
 
-<file path=ppt/slides/slide7.xml><?xml version="1.0" encoding="utf-8"?>
+<file path=ppt/slides/slide8.xml><?xml version="1.0" encoding="utf-8"?>
 <p:sld xmlns:a="http://schemas.openxmlformats.org/drawingml/2006/main" xmlns:r="http://schemas.openxmlformats.org/officeDocument/2006/relationships" xmlns:p="http://schemas.openxmlformats.org/presentationml/2006/main">
   <p:cSld>
     <p:spTree>
@@ -15461,7 +14728,7 @@
           <p:cNvPr id="2" name="Image 1">
             <a:extLst>
               <a:ext uri="{FF2B5EF4-FFF2-40B4-BE49-F238E27FC236}">
-                <a16:creationId xmlns="" xmlns:a16="http://schemas.microsoft.com/office/drawing/2014/main" id="{98795BB1-A824-4B14-9240-F1273F22D2B7}"/>
+                <a16:creationId xmlns:a16="http://schemas.microsoft.com/office/drawing/2014/main" xmlns="" id="{98795BB1-A824-4B14-9240-F1273F22D2B7}"/>
               </a:ext>
             </a:extLst>
           </p:cNvPr>
@@ -15888,7 +15155,7 @@
             <a:fld id="{735A510E-A1BE-4B90-83F7-10DDD2C3C062}" type="slidenum">
               <a:rPr lang="fr-FR" smtClean="0"/>
               <a:pPr/>
-              <a:t>7</a:t>
+              <a:t>8</a:t>
             </a:fld>
             <a:endParaRPr lang="fr-FR"/>
           </a:p>
@@ -15902,7 +15169,7 @@
 </p:sld>
 </file>
 
-<file path=ppt/slides/slide8.xml><?xml version="1.0" encoding="utf-8"?>
+<file path=ppt/slides/slide9.xml><?xml version="1.0" encoding="utf-8"?>
 <p:sld xmlns:a="http://schemas.openxmlformats.org/drawingml/2006/main" xmlns:r="http://schemas.openxmlformats.org/officeDocument/2006/relationships" xmlns:p="http://schemas.openxmlformats.org/presentationml/2006/main">
   <p:cSld>
     <p:spTree>
@@ -15924,7 +15191,7 @@
           <p:cNvPr id="2" name="Image 1">
             <a:extLst>
               <a:ext uri="{FF2B5EF4-FFF2-40B4-BE49-F238E27FC236}">
-                <a16:creationId xmlns="" xmlns:a16="http://schemas.microsoft.com/office/drawing/2014/main" id="{0D9BFF2E-27BC-4A13-8B96-3034CC18ABC5}"/>
+                <a16:creationId xmlns:a16="http://schemas.microsoft.com/office/drawing/2014/main" xmlns="" id="{0D9BFF2E-27BC-4A13-8B96-3034CC18ABC5}"/>
               </a:ext>
             </a:extLst>
           </p:cNvPr>
@@ -15968,7 +15235,7 @@
           <p:cNvPr id="3" name="Image 2">
             <a:extLst>
               <a:ext uri="{FF2B5EF4-FFF2-40B4-BE49-F238E27FC236}">
-                <a16:creationId xmlns="" xmlns:a16="http://schemas.microsoft.com/office/drawing/2014/main" id="{75B28837-5685-4565-808B-C74BFAA94BC2}"/>
+                <a16:creationId xmlns:a16="http://schemas.microsoft.com/office/drawing/2014/main" xmlns="" id="{75B28837-5685-4565-808B-C74BFAA94BC2}"/>
               </a:ext>
             </a:extLst>
           </p:cNvPr>
@@ -16012,7 +15279,7 @@
           <p:cNvPr id="4" name="Image 3">
             <a:extLst>
               <a:ext uri="{FF2B5EF4-FFF2-40B4-BE49-F238E27FC236}">
-                <a16:creationId xmlns="" xmlns:a16="http://schemas.microsoft.com/office/drawing/2014/main" id="{836B402D-4545-4669-A927-93D26E4CE017}"/>
+                <a16:creationId xmlns:a16="http://schemas.microsoft.com/office/drawing/2014/main" xmlns="" id="{836B402D-4545-4669-A927-93D26E4CE017}"/>
               </a:ext>
             </a:extLst>
           </p:cNvPr>
@@ -16056,7 +15323,7 @@
           <p:cNvPr id="5" name="Image 4">
             <a:extLst>
               <a:ext uri="{FF2B5EF4-FFF2-40B4-BE49-F238E27FC236}">
-                <a16:creationId xmlns="" xmlns:a16="http://schemas.microsoft.com/office/drawing/2014/main" id="{9251DEEE-CE2A-405E-9D41-52F771F23462}"/>
+                <a16:creationId xmlns:a16="http://schemas.microsoft.com/office/drawing/2014/main" xmlns="" id="{9251DEEE-CE2A-405E-9D41-52F771F23462}"/>
               </a:ext>
             </a:extLst>
           </p:cNvPr>
@@ -16100,7 +15367,7 @@
           <p:cNvPr id="6" name="ZoneTexte 5">
             <a:extLst>
               <a:ext uri="{FF2B5EF4-FFF2-40B4-BE49-F238E27FC236}">
-                <a16:creationId xmlns="" xmlns:a16="http://schemas.microsoft.com/office/drawing/2014/main" id="{CCD0B0F6-03EC-4F19-89A8-F28188DC4C38}"/>
+                <a16:creationId xmlns:a16="http://schemas.microsoft.com/office/drawing/2014/main" xmlns="" id="{CCD0B0F6-03EC-4F19-89A8-F28188DC4C38}"/>
               </a:ext>
             </a:extLst>
           </p:cNvPr>
@@ -16230,7 +15497,7 @@
             <a:fld id="{735A510E-A1BE-4B90-83F7-10DDD2C3C062}" type="slidenum">
               <a:rPr lang="fr-FR" smtClean="0"/>
               <a:pPr/>
-              <a:t>8</a:t>
+              <a:t>9</a:t>
             </a:fld>
             <a:endParaRPr lang="fr-FR"/>
           </a:p>
@@ -16303,361 +15570,6 @@
               <a:t>Polymère ramifié</a:t>
             </a:r>
             <a:endParaRPr lang="fr-FR" dirty="0"/>
-          </a:p>
-        </p:txBody>
-      </p:sp>
-    </p:spTree>
-  </p:cSld>
-  <p:clrMapOvr>
-    <a:masterClrMapping/>
-  </p:clrMapOvr>
-</p:sld>
-</file>
-
-<file path=ppt/slides/slide9.xml><?xml version="1.0" encoding="utf-8"?>
-<p:sld xmlns:a="http://schemas.openxmlformats.org/drawingml/2006/main" xmlns:r="http://schemas.openxmlformats.org/officeDocument/2006/relationships" xmlns:p="http://schemas.openxmlformats.org/presentationml/2006/main">
-  <p:cSld>
-    <p:spTree>
-      <p:nvGrpSpPr>
-        <p:cNvPr id="1" name=""/>
-        <p:cNvGrpSpPr/>
-        <p:nvPr/>
-      </p:nvGrpSpPr>
-      <p:grpSpPr>
-        <a:xfrm>
-          <a:off x="0" y="0"/>
-          <a:ext cx="0" cy="0"/>
-          <a:chOff x="0" y="0"/>
-          <a:chExt cx="0" cy="0"/>
-        </a:xfrm>
-      </p:grpSpPr>
-      <p:pic>
-        <p:nvPicPr>
-          <p:cNvPr id="2" name="Picture 2" descr="https://upload.wikimedia.org/wikipedia/commons/thumb/8/84/Galalith_Synthesis_SCHEMATIC_V1.png/800px-Galalith_Synthesis_SCHEMATIC_V1.png">
-            <a:extLst>
-              <a:ext uri="{FF2B5EF4-FFF2-40B4-BE49-F238E27FC236}">
-                <a16:creationId xmlns="" xmlns:a16="http://schemas.microsoft.com/office/drawing/2014/main" id="{1548CD0D-EFB9-47D6-84F8-2F0CC7DBFFA8}"/>
-              </a:ext>
-            </a:extLst>
-          </p:cNvPr>
-          <p:cNvPicPr>
-            <a:picLocks noChangeAspect="1" noChangeArrowheads="1"/>
-          </p:cNvPicPr>
-          <p:nvPr/>
-        </p:nvPicPr>
-        <p:blipFill rotWithShape="1">
-          <a:blip r:embed="rId2" cstate="print">
-            <a:extLst>
-              <a:ext uri="{28A0092B-C50C-407E-A947-70E740481C1C}">
-                <a14:useLocalDpi xmlns:a14="http://schemas.microsoft.com/office/drawing/2010/main" val="0"/>
-              </a:ext>
-            </a:extLst>
-          </a:blip>
-          <a:srcRect b="52917"/>
-          <a:stretch/>
-        </p:blipFill>
-        <p:spPr bwMode="auto">
-          <a:xfrm>
-            <a:off x="323528" y="2209799"/>
-            <a:ext cx="3314689" cy="2880000"/>
-          </a:xfrm>
-          <a:prstGeom prst="rect">
-            <a:avLst/>
-          </a:prstGeom>
-          <a:noFill/>
-          <a:extLst>
-            <a:ext uri="{909E8E84-426E-40dd-AFC4-6F175D3DCCD1}">
-              <a14:hiddenFill xmlns:a14="http://schemas.microsoft.com/office/drawing/2010/main">
-                <a:solidFill>
-                  <a:srgbClr val="FFFFFF"/>
-                </a:solidFill>
-              </a14:hiddenFill>
-            </a:ext>
-          </a:extLst>
-        </p:spPr>
-      </p:pic>
-      <p:pic>
-        <p:nvPicPr>
-          <p:cNvPr id="3" name="Picture 2" descr="https://upload.wikimedia.org/wikipedia/commons/thumb/8/84/Galalith_Synthesis_SCHEMATIC_V1.png/800px-Galalith_Synthesis_SCHEMATIC_V1.png">
-            <a:extLst>
-              <a:ext uri="{FF2B5EF4-FFF2-40B4-BE49-F238E27FC236}">
-                <a16:creationId xmlns="" xmlns:a16="http://schemas.microsoft.com/office/drawing/2014/main" id="{52E8D316-F2F4-4F80-B983-1A790164CD25}"/>
-              </a:ext>
-            </a:extLst>
-          </p:cNvPr>
-          <p:cNvPicPr>
-            <a:picLocks noChangeAspect="1" noChangeArrowheads="1"/>
-          </p:cNvPicPr>
-          <p:nvPr/>
-        </p:nvPicPr>
-        <p:blipFill rotWithShape="1">
-          <a:blip r:embed="rId2" cstate="print">
-            <a:extLst>
-              <a:ext uri="{28A0092B-C50C-407E-A947-70E740481C1C}">
-                <a14:useLocalDpi xmlns:a14="http://schemas.microsoft.com/office/drawing/2010/main" val="0"/>
-              </a:ext>
-            </a:extLst>
-          </a:blip>
-          <a:srcRect t="59722"/>
-          <a:stretch/>
-        </p:blipFill>
-        <p:spPr bwMode="auto">
-          <a:xfrm>
-            <a:off x="5436096" y="2407444"/>
-            <a:ext cx="3312000" cy="2461716"/>
-          </a:xfrm>
-          <a:prstGeom prst="rect">
-            <a:avLst/>
-          </a:prstGeom>
-          <a:noFill/>
-          <a:extLst>
-            <a:ext uri="{909E8E84-426E-40dd-AFC4-6F175D3DCCD1}">
-              <a14:hiddenFill xmlns:a14="http://schemas.microsoft.com/office/drawing/2010/main">
-                <a:solidFill>
-                  <a:srgbClr val="FFFFFF"/>
-                </a:solidFill>
-              </a14:hiddenFill>
-            </a:ext>
-          </a:extLst>
-        </p:spPr>
-      </p:pic>
-      <p:cxnSp>
-        <p:nvCxnSpPr>
-          <p:cNvPr id="4" name="Connecteur droit avec flèche 3">
-            <a:extLst>
-              <a:ext uri="{FF2B5EF4-FFF2-40B4-BE49-F238E27FC236}">
-                <a16:creationId xmlns="" xmlns:a16="http://schemas.microsoft.com/office/drawing/2014/main" id="{3DF0FBD4-45AA-4876-BB07-52029D3E4E4E}"/>
-              </a:ext>
-            </a:extLst>
-          </p:cNvPr>
-          <p:cNvCxnSpPr/>
-          <p:nvPr/>
-        </p:nvCxnSpPr>
-        <p:spPr>
-          <a:xfrm>
-            <a:off x="3779912" y="3752850"/>
-            <a:ext cx="1466850" cy="0"/>
-          </a:xfrm>
-          <a:prstGeom prst="straightConnector1">
-            <a:avLst/>
-          </a:prstGeom>
-          <a:ln w="28575">
-            <a:solidFill>
-              <a:schemeClr val="tx1"/>
-            </a:solidFill>
-            <a:tailEnd type="triangle" w="lg" len="lg"/>
-          </a:ln>
-        </p:spPr>
-        <p:style>
-          <a:lnRef idx="1">
-            <a:schemeClr val="accent1"/>
-          </a:lnRef>
-          <a:fillRef idx="0">
-            <a:schemeClr val="accent1"/>
-          </a:fillRef>
-          <a:effectRef idx="0">
-            <a:schemeClr val="accent1"/>
-          </a:effectRef>
-          <a:fontRef idx="minor">
-            <a:schemeClr val="tx1"/>
-          </a:fontRef>
-        </p:style>
-      </p:cxnSp>
-      <p:pic>
-        <p:nvPicPr>
-          <p:cNvPr id="5" name="Picture 2" descr="https://upload.wikimedia.org/wikipedia/commons/thumb/8/84/Galalith_Synthesis_SCHEMATIC_V1.png/800px-Galalith_Synthesis_SCHEMATIC_V1.png">
-            <a:extLst>
-              <a:ext uri="{FF2B5EF4-FFF2-40B4-BE49-F238E27FC236}">
-                <a16:creationId xmlns="" xmlns:a16="http://schemas.microsoft.com/office/drawing/2014/main" id="{45EC3AA1-9FCA-469D-86CE-94B3038B408D}"/>
-              </a:ext>
-            </a:extLst>
-          </p:cNvPr>
-          <p:cNvPicPr>
-            <a:picLocks noChangeAspect="1" noChangeArrowheads="1"/>
-          </p:cNvPicPr>
-          <p:nvPr/>
-        </p:nvPicPr>
-        <p:blipFill rotWithShape="1">
-          <a:blip r:embed="rId2" cstate="print">
-            <a:extLst>
-              <a:ext uri="{28A0092B-C50C-407E-A947-70E740481C1C}">
-                <a14:useLocalDpi xmlns:a14="http://schemas.microsoft.com/office/drawing/2010/main" val="0"/>
-              </a:ext>
-            </a:extLst>
-          </a:blip>
-          <a:srcRect l="50534" t="48750" r="29218" b="45972"/>
-          <a:stretch/>
-        </p:blipFill>
-        <p:spPr bwMode="auto">
-          <a:xfrm>
-            <a:off x="4081696" y="3324225"/>
-            <a:ext cx="752475" cy="361950"/>
-          </a:xfrm>
-          <a:prstGeom prst="rect">
-            <a:avLst/>
-          </a:prstGeom>
-          <a:noFill/>
-          <a:extLst>
-            <a:ext uri="{909E8E84-426E-40dd-AFC4-6F175D3DCCD1}">
-              <a14:hiddenFill xmlns:a14="http://schemas.microsoft.com/office/drawing/2010/main">
-                <a:solidFill>
-                  <a:srgbClr val="FFFFFF"/>
-                </a:solidFill>
-              </a14:hiddenFill>
-            </a:ext>
-          </a:extLst>
-        </p:spPr>
-      </p:pic>
-      <p:sp>
-        <p:nvSpPr>
-          <p:cNvPr id="6" name="Titre 1"/>
-          <p:cNvSpPr txBox="1">
-            <a:spLocks/>
-          </p:cNvSpPr>
-          <p:nvPr/>
-        </p:nvSpPr>
-        <p:spPr>
-          <a:xfrm>
-            <a:off x="0" y="260648"/>
-            <a:ext cx="9144000" cy="634082"/>
-          </a:xfrm>
-          <a:prstGeom prst="rect">
-            <a:avLst/>
-          </a:prstGeom>
-        </p:spPr>
-        <p:txBody>
-          <a:bodyPr>
-            <a:normAutofit fontScale="97500"/>
-          </a:bodyPr>
-          <a:lstStyle/>
-          <a:p>
-            <a:pPr marL="0" marR="0" lvl="0" indent="0" algn="ctr" defTabSz="914400" rtl="0" eaLnBrk="1" fontAlgn="auto" latinLnBrk="0" hangingPunct="1">
-              <a:lnSpc>
-                <a:spcPct val="100000"/>
-              </a:lnSpc>
-              <a:spcBef>
-                <a:spcPct val="0"/>
-              </a:spcBef>
-              <a:spcAft>
-                <a:spcPts val="0"/>
-              </a:spcAft>
-              <a:buClrTx/>
-              <a:buSzTx/>
-              <a:buFontTx/>
-              <a:buNone/>
-              <a:tabLst/>
-              <a:defRPr/>
-            </a:pPr>
-            <a:r>
-              <a:rPr lang="fr-FR" sz="3600" b="1" dirty="0" smtClean="0">
-                <a:solidFill>
-                  <a:schemeClr val="accent2">
-                    <a:lumMod val="60000"/>
-                    <a:lumOff val="40000"/>
-                  </a:schemeClr>
-                </a:solidFill>
-                <a:latin typeface="+mj-lt"/>
-                <a:ea typeface="+mj-ea"/>
-                <a:cs typeface="+mj-cs"/>
-              </a:rPr>
-              <a:t>Polymère réticulé : la Galalithe </a:t>
-            </a:r>
-          </a:p>
-          <a:p>
-            <a:pPr marL="0" marR="0" lvl="0" indent="0" algn="ctr" defTabSz="914400" rtl="0" eaLnBrk="1" fontAlgn="auto" latinLnBrk="0" hangingPunct="1">
-              <a:lnSpc>
-                <a:spcPct val="100000"/>
-              </a:lnSpc>
-              <a:spcBef>
-                <a:spcPct val="0"/>
-              </a:spcBef>
-              <a:spcAft>
-                <a:spcPts val="0"/>
-              </a:spcAft>
-              <a:buClrTx/>
-              <a:buSzTx/>
-              <a:buFontTx/>
-              <a:buNone/>
-              <a:tabLst/>
-              <a:defRPr/>
-            </a:pPr>
-            <a:endParaRPr kumimoji="0" lang="fr-FR" sz="3600" b="1" i="0" u="none" strike="noStrike" kern="1200" cap="none" spc="0" normalizeH="0" baseline="0" noProof="0" dirty="0" smtClean="0">
-              <a:ln>
-                <a:noFill/>
-              </a:ln>
-              <a:solidFill>
-                <a:schemeClr val="accent2">
-                  <a:lumMod val="60000"/>
-                  <a:lumOff val="40000"/>
-                </a:schemeClr>
-              </a:solidFill>
-              <a:effectLst/>
-              <a:uLnTx/>
-              <a:uFillTx/>
-              <a:latin typeface="+mj-lt"/>
-              <a:ea typeface="+mj-ea"/>
-              <a:cs typeface="+mj-cs"/>
-            </a:endParaRPr>
-          </a:p>
-          <a:p>
-            <a:pPr marL="0" marR="0" lvl="0" indent="0" algn="ctr" defTabSz="914400" rtl="0" eaLnBrk="1" fontAlgn="auto" latinLnBrk="0" hangingPunct="1">
-              <a:lnSpc>
-                <a:spcPct val="100000"/>
-              </a:lnSpc>
-              <a:spcBef>
-                <a:spcPct val="0"/>
-              </a:spcBef>
-              <a:spcAft>
-                <a:spcPts val="0"/>
-              </a:spcAft>
-              <a:buClrTx/>
-              <a:buSzTx/>
-              <a:buFontTx/>
-              <a:buNone/>
-              <a:tabLst/>
-              <a:defRPr/>
-            </a:pPr>
-            <a:endParaRPr kumimoji="0" lang="fr-FR" sz="3600" b="1" i="0" u="none" strike="noStrike" kern="1200" cap="none" spc="0" normalizeH="0" baseline="0" noProof="0" dirty="0">
-              <a:ln>
-                <a:noFill/>
-              </a:ln>
-              <a:solidFill>
-                <a:schemeClr val="accent2">
-                  <a:lumMod val="60000"/>
-                  <a:lumOff val="40000"/>
-                </a:schemeClr>
-              </a:solidFill>
-              <a:effectLst/>
-              <a:uLnTx/>
-              <a:uFillTx/>
-              <a:latin typeface="+mj-lt"/>
-              <a:ea typeface="+mj-ea"/>
-              <a:cs typeface="+mj-cs"/>
-            </a:endParaRPr>
-          </a:p>
-        </p:txBody>
-      </p:sp>
-      <p:sp>
-        <p:nvSpPr>
-          <p:cNvPr id="7" name="Espace réservé du numéro de diapositive 6"/>
-          <p:cNvSpPr>
-            <a:spLocks noGrp="1"/>
-          </p:cNvSpPr>
-          <p:nvPr>
-            <p:ph type="sldNum" sz="quarter" idx="12"/>
-          </p:nvPr>
-        </p:nvSpPr>
-        <p:spPr/>
-        <p:txBody>
-          <a:bodyPr/>
-          <a:lstStyle/>
-          <a:p>
-            <a:fld id="{735A510E-A1BE-4B90-83F7-10DDD2C3C062}" type="slidenum">
-              <a:rPr lang="fr-FR" smtClean="0"/>
-              <a:pPr/>
-              <a:t>9</a:t>
-            </a:fld>
-            <a:endParaRPr lang="fr-FR"/>
           </a:p>
         </p:txBody>
       </p:sp>
